--- a/presentations/final_presentation.pptx
+++ b/presentations/final_presentation.pptx
@@ -5,10 +5,10 @@
     <p:sldMasterId id="2147483702" r:id="rId1"/>
   </p:sldMasterIdLst>
   <p:notesMasterIdLst>
-    <p:notesMasterId r:id="rId26"/>
+    <p:notesMasterId r:id="rId29"/>
   </p:notesMasterIdLst>
   <p:handoutMasterIdLst>
-    <p:handoutMasterId r:id="rId27"/>
+    <p:handoutMasterId r:id="rId30"/>
   </p:handoutMasterIdLst>
   <p:sldIdLst>
     <p:sldId id="256" r:id="rId2"/>
@@ -24,17 +24,20 @@
     <p:sldId id="298" r:id="rId12"/>
     <p:sldId id="297" r:id="rId13"/>
     <p:sldId id="301" r:id="rId14"/>
-    <p:sldId id="299" r:id="rId15"/>
-    <p:sldId id="300" r:id="rId16"/>
-    <p:sldId id="291" r:id="rId17"/>
-    <p:sldId id="290" r:id="rId18"/>
-    <p:sldId id="270" r:id="rId19"/>
-    <p:sldId id="279" r:id="rId20"/>
-    <p:sldId id="292" r:id="rId21"/>
-    <p:sldId id="293" r:id="rId22"/>
-    <p:sldId id="295" r:id="rId23"/>
-    <p:sldId id="294" r:id="rId24"/>
-    <p:sldId id="296" r:id="rId25"/>
+    <p:sldId id="302" r:id="rId15"/>
+    <p:sldId id="299" r:id="rId16"/>
+    <p:sldId id="300" r:id="rId17"/>
+    <p:sldId id="303" r:id="rId18"/>
+    <p:sldId id="304" r:id="rId19"/>
+    <p:sldId id="291" r:id="rId20"/>
+    <p:sldId id="290" r:id="rId21"/>
+    <p:sldId id="270" r:id="rId22"/>
+    <p:sldId id="279" r:id="rId23"/>
+    <p:sldId id="292" r:id="rId24"/>
+    <p:sldId id="293" r:id="rId25"/>
+    <p:sldId id="295" r:id="rId26"/>
+    <p:sldId id="294" r:id="rId27"/>
+    <p:sldId id="296" r:id="rId28"/>
   </p:sldIdLst>
   <p:sldSz cx="10080625" cy="7559675"/>
   <p:notesSz cx="7559675" cy="10691813"/>
@@ -1064,7 +1067,7 @@
                 <a:tabLst/>
                 <a:defRPr/>
               </a:pPr>
-              <a:t>20</a:t>
+              <a:t>23</a:t>
             </a:fld>
             <a:endParaRPr kumimoji="0" lang="en-CA" sz="1400" b="0" i="0" u="none" strike="noStrike" kern="1200" cap="none" spc="0" normalizeH="0" baseline="0" noProof="0">
               <a:ln>
@@ -1240,7 +1243,7 @@
                 <a:tabLst/>
                 <a:defRPr/>
               </a:pPr>
-              <a:t>21</a:t>
+              <a:t>24</a:t>
             </a:fld>
             <a:endParaRPr kumimoji="0" lang="en-CA" sz="1400" b="0" i="0" u="none" strike="noStrike" kern="1200" cap="none" spc="0" normalizeH="0" baseline="0" noProof="0">
               <a:ln>
@@ -1416,7 +1419,7 @@
                 <a:tabLst/>
                 <a:defRPr/>
               </a:pPr>
-              <a:t>22</a:t>
+              <a:t>25</a:t>
             </a:fld>
             <a:endParaRPr kumimoji="0" lang="en-CA" sz="1400" b="0" i="0" u="none" strike="noStrike" kern="1200" cap="none" spc="0" normalizeH="0" baseline="0" noProof="0">
               <a:ln>
@@ -2472,7 +2475,7 @@
                 <a:tabLst/>
                 <a:defRPr/>
               </a:pPr>
-              <a:t>16</a:t>
+              <a:t>19</a:t>
             </a:fld>
             <a:endParaRPr kumimoji="0" lang="en-CA" sz="1400" b="0" i="0" u="none" strike="noStrike" kern="1200" cap="none" spc="0" normalizeH="0" baseline="0" noProof="0">
               <a:ln>
@@ -2648,7 +2651,7 @@
                 <a:tabLst/>
                 <a:defRPr/>
               </a:pPr>
-              <a:t>17</a:t>
+              <a:t>20</a:t>
             </a:fld>
             <a:endParaRPr kumimoji="0" lang="en-CA" sz="1400" b="0" i="0" u="none" strike="noStrike" kern="1200" cap="none" spc="0" normalizeH="0" baseline="0" noProof="0">
               <a:ln>
@@ -2806,7 +2809,7 @@
             <a:pPr lvl="0"/>
             <a:fld id="{A78868C7-AC6C-4869-BF1D-10EE3907CE11}" type="slidenum">
               <a:rPr lang="en-CA" smtClean="0"/>
-              <a:t>18</a:t>
+              <a:t>21</a:t>
             </a:fld>
             <a:endParaRPr lang="en-CA"/>
           </a:p>
@@ -6687,10 +6690,10 @@
       </p:grpSpPr>
       <p:pic>
         <p:nvPicPr>
-          <p:cNvPr id="6" name="Picture 5">
-            <a:extLst>
-              <a:ext uri="{FF2B5EF4-FFF2-40B4-BE49-F238E27FC236}">
-                <a16:creationId xmlns:a16="http://schemas.microsoft.com/office/drawing/2014/main" id="{8098FE06-E6E0-4E61-AECE-BA6D0ECAD8F0}"/>
+          <p:cNvPr id="20" name="Picture 19">
+            <a:extLst>
+              <a:ext uri="{FF2B5EF4-FFF2-40B4-BE49-F238E27FC236}">
+                <a16:creationId xmlns:a16="http://schemas.microsoft.com/office/drawing/2014/main" id="{254FA3DE-C563-4D62-85CF-6E263D4E4D38}"/>
               </a:ext>
             </a:extLst>
           </p:cNvPr>
@@ -6707,8 +6710,8 @@
         </p:blipFill>
         <p:spPr>
           <a:xfrm>
-            <a:off x="1098159" y="363308"/>
-            <a:ext cx="8721480" cy="3416529"/>
+            <a:off x="1005840" y="3886199"/>
+            <a:ext cx="8823962" cy="3496057"/>
           </a:xfrm>
           <a:prstGeom prst="rect">
             <a:avLst/>
@@ -6717,10 +6720,10 @@
       </p:pic>
       <p:pic>
         <p:nvPicPr>
-          <p:cNvPr id="7" name="Picture 6">
-            <a:extLst>
-              <a:ext uri="{FF2B5EF4-FFF2-40B4-BE49-F238E27FC236}">
-                <a16:creationId xmlns:a16="http://schemas.microsoft.com/office/drawing/2014/main" id="{4610F53F-06B8-40F3-8654-083A341D7704}"/>
+          <p:cNvPr id="19" name="Picture 18">
+            <a:extLst>
+              <a:ext uri="{FF2B5EF4-FFF2-40B4-BE49-F238E27FC236}">
+                <a16:creationId xmlns:a16="http://schemas.microsoft.com/office/drawing/2014/main" id="{3A67E8D3-DEEA-43FF-BB06-B2DD4D8B21D6}"/>
               </a:ext>
             </a:extLst>
           </p:cNvPr>
@@ -6737,8 +6740,8 @@
         </p:blipFill>
         <p:spPr>
           <a:xfrm>
-            <a:off x="1061720" y="3867169"/>
-            <a:ext cx="8828165" cy="3474998"/>
+            <a:off x="963173" y="377951"/>
+            <a:ext cx="8866628" cy="3456433"/>
           </a:xfrm>
           <a:prstGeom prst="rect">
             <a:avLst/>
@@ -7066,10 +7069,10 @@
       </p:grpSpPr>
       <p:pic>
         <p:nvPicPr>
-          <p:cNvPr id="3" name="Picture 2">
-            <a:extLst>
-              <a:ext uri="{FF2B5EF4-FFF2-40B4-BE49-F238E27FC236}">
-                <a16:creationId xmlns:a16="http://schemas.microsoft.com/office/drawing/2014/main" id="{C2D10A43-3C8C-4342-9C84-CE8952F78471}"/>
+          <p:cNvPr id="5" name="Picture 4">
+            <a:extLst>
+              <a:ext uri="{FF2B5EF4-FFF2-40B4-BE49-F238E27FC236}">
+                <a16:creationId xmlns:a16="http://schemas.microsoft.com/office/drawing/2014/main" id="{7B0270F3-314D-4C9C-8784-AD933074ED41}"/>
               </a:ext>
             </a:extLst>
           </p:cNvPr>
@@ -7086,8 +7089,8 @@
         </p:blipFill>
         <p:spPr>
           <a:xfrm>
-            <a:off x="1209040" y="3933050"/>
-            <a:ext cx="8239760" cy="3395981"/>
+            <a:off x="1076960" y="3933826"/>
+            <a:ext cx="8384736" cy="3385845"/>
           </a:xfrm>
           <a:prstGeom prst="rect">
             <a:avLst/>
@@ -7096,10 +7099,10 @@
       </p:pic>
       <p:pic>
         <p:nvPicPr>
-          <p:cNvPr id="2" name="Picture 1">
-            <a:extLst>
-              <a:ext uri="{FF2B5EF4-FFF2-40B4-BE49-F238E27FC236}">
-                <a16:creationId xmlns:a16="http://schemas.microsoft.com/office/drawing/2014/main" id="{C11F60EB-15E2-421E-A53E-9889B378897F}"/>
+          <p:cNvPr id="4" name="Picture 3">
+            <a:extLst>
+              <a:ext uri="{FF2B5EF4-FFF2-40B4-BE49-F238E27FC236}">
+                <a16:creationId xmlns:a16="http://schemas.microsoft.com/office/drawing/2014/main" id="{A2B684C8-5327-42FE-B945-6C09E91AE3E9}"/>
               </a:ext>
             </a:extLst>
           </p:cNvPr>
@@ -7116,8 +7119,8 @@
         </p:blipFill>
         <p:spPr>
           <a:xfrm>
-            <a:off x="1076962" y="375919"/>
-            <a:ext cx="8703821" cy="3395981"/>
+            <a:off x="1076960" y="347489"/>
+            <a:ext cx="8562339" cy="3485092"/>
           </a:xfrm>
           <a:prstGeom prst="rect">
             <a:avLst/>
@@ -7445,10 +7448,10 @@
       </p:grpSpPr>
       <p:pic>
         <p:nvPicPr>
-          <p:cNvPr id="4" name="Picture 3">
-            <a:extLst>
-              <a:ext uri="{FF2B5EF4-FFF2-40B4-BE49-F238E27FC236}">
-                <a16:creationId xmlns:a16="http://schemas.microsoft.com/office/drawing/2014/main" id="{5F38BFFE-1D41-4C9D-88CB-EB5489C0A107}"/>
+          <p:cNvPr id="5" name="Picture 4">
+            <a:extLst>
+              <a:ext uri="{FF2B5EF4-FFF2-40B4-BE49-F238E27FC236}">
+                <a16:creationId xmlns:a16="http://schemas.microsoft.com/office/drawing/2014/main" id="{C66158D2-78A7-4D2A-B32B-FAC3DC0BBB9F}"/>
               </a:ext>
             </a:extLst>
           </p:cNvPr>
@@ -7465,8 +7468,8 @@
         </p:blipFill>
         <p:spPr>
           <a:xfrm>
-            <a:off x="1152527" y="3864871"/>
-            <a:ext cx="8248649" cy="3501123"/>
+            <a:off x="1038228" y="3895725"/>
+            <a:ext cx="8423468" cy="3486149"/>
           </a:xfrm>
           <a:prstGeom prst="rect">
             <a:avLst/>
@@ -7475,10 +7478,10 @@
       </p:pic>
       <p:pic>
         <p:nvPicPr>
-          <p:cNvPr id="3" name="Picture 2">
-            <a:extLst>
-              <a:ext uri="{FF2B5EF4-FFF2-40B4-BE49-F238E27FC236}">
-                <a16:creationId xmlns:a16="http://schemas.microsoft.com/office/drawing/2014/main" id="{232AFAE2-023F-4994-8AB3-02E431EF844B}"/>
+          <p:cNvPr id="2" name="Picture 1">
+            <a:extLst>
+              <a:ext uri="{FF2B5EF4-FFF2-40B4-BE49-F238E27FC236}">
+                <a16:creationId xmlns:a16="http://schemas.microsoft.com/office/drawing/2014/main" id="{0E014028-566C-4E69-A104-22032DA1E2DB}"/>
               </a:ext>
             </a:extLst>
           </p:cNvPr>
@@ -7495,20 +7498,244 @@
         </p:blipFill>
         <p:spPr>
           <a:xfrm>
-            <a:off x="1082041" y="347472"/>
-            <a:ext cx="8421624" cy="3466336"/>
+            <a:off x="1104902" y="361956"/>
+            <a:ext cx="8505824" cy="3417878"/>
           </a:xfrm>
           <a:prstGeom prst="rect">
             <a:avLst/>
           </a:prstGeom>
         </p:spPr>
       </p:pic>
-      <p:sp>
-        <p:nvSpPr>
-          <p:cNvPr id="2" name="Title 1">
-            <a:extLst>
-              <a:ext uri="{FF2B5EF4-FFF2-40B4-BE49-F238E27FC236}">
-                <a16:creationId xmlns:a16="http://schemas.microsoft.com/office/drawing/2014/main" id="{A48FE9B8-D25E-486C-B212-26376FADE983}"/>
+      <p:cxnSp>
+        <p:nvCxnSpPr>
+          <p:cNvPr id="9" name="Straight Connector 8">
+            <a:extLst>
+              <a:ext uri="{FF2B5EF4-FFF2-40B4-BE49-F238E27FC236}">
+                <a16:creationId xmlns:a16="http://schemas.microsoft.com/office/drawing/2014/main" id="{8FBE80E9-812C-4377-8196-B822DBCA5223}"/>
+              </a:ext>
+            </a:extLst>
+          </p:cNvPr>
+          <p:cNvCxnSpPr/>
+          <p:nvPr/>
+        </p:nvCxnSpPr>
+        <p:spPr>
+          <a:xfrm>
+            <a:off x="2035175" y="-85725"/>
+            <a:ext cx="0" cy="7515225"/>
+          </a:xfrm>
+          <a:prstGeom prst="line">
+            <a:avLst/>
+          </a:prstGeom>
+        </p:spPr>
+        <p:style>
+          <a:lnRef idx="1">
+            <a:schemeClr val="accent1"/>
+          </a:lnRef>
+          <a:fillRef idx="0">
+            <a:schemeClr val="accent1"/>
+          </a:fillRef>
+          <a:effectRef idx="0">
+            <a:schemeClr val="accent1"/>
+          </a:effectRef>
+          <a:fontRef idx="minor">
+            <a:schemeClr val="tx1"/>
+          </a:fontRef>
+        </p:style>
+      </p:cxnSp>
+      <p:cxnSp>
+        <p:nvCxnSpPr>
+          <p:cNvPr id="10" name="Straight Connector 9">
+            <a:extLst>
+              <a:ext uri="{FF2B5EF4-FFF2-40B4-BE49-F238E27FC236}">
+                <a16:creationId xmlns:a16="http://schemas.microsoft.com/office/drawing/2014/main" id="{1F549988-DCE8-43F8-BB3A-38D2D770DCF1}"/>
+              </a:ext>
+            </a:extLst>
+          </p:cNvPr>
+          <p:cNvCxnSpPr/>
+          <p:nvPr/>
+        </p:nvCxnSpPr>
+        <p:spPr>
+          <a:xfrm>
+            <a:off x="9296400" y="-247650"/>
+            <a:ext cx="0" cy="7515225"/>
+          </a:xfrm>
+          <a:prstGeom prst="line">
+            <a:avLst/>
+          </a:prstGeom>
+        </p:spPr>
+        <p:style>
+          <a:lnRef idx="1">
+            <a:schemeClr val="accent1"/>
+          </a:lnRef>
+          <a:fillRef idx="0">
+            <a:schemeClr val="accent1"/>
+          </a:fillRef>
+          <a:effectRef idx="0">
+            <a:schemeClr val="accent1"/>
+          </a:effectRef>
+          <a:fontRef idx="minor">
+            <a:schemeClr val="tx1"/>
+          </a:fontRef>
+        </p:style>
+      </p:cxnSp>
+      <p:cxnSp>
+        <p:nvCxnSpPr>
+          <p:cNvPr id="11" name="Straight Connector 10">
+            <a:extLst>
+              <a:ext uri="{FF2B5EF4-FFF2-40B4-BE49-F238E27FC236}">
+                <a16:creationId xmlns:a16="http://schemas.microsoft.com/office/drawing/2014/main" id="{92618CD3-F28D-47C7-AE6C-179B06688C17}"/>
+              </a:ext>
+            </a:extLst>
+          </p:cNvPr>
+          <p:cNvCxnSpPr>
+            <a:cxnSpLocks/>
+          </p:cNvCxnSpPr>
+          <p:nvPr/>
+        </p:nvCxnSpPr>
+        <p:spPr>
+          <a:xfrm>
+            <a:off x="-618929" y="809625"/>
+            <a:ext cx="10852150" cy="0"/>
+          </a:xfrm>
+          <a:prstGeom prst="line">
+            <a:avLst/>
+          </a:prstGeom>
+        </p:spPr>
+        <p:style>
+          <a:lnRef idx="1">
+            <a:schemeClr val="accent1"/>
+          </a:lnRef>
+          <a:fillRef idx="0">
+            <a:schemeClr val="accent1"/>
+          </a:fillRef>
+          <a:effectRef idx="0">
+            <a:schemeClr val="accent1"/>
+          </a:effectRef>
+          <a:fontRef idx="minor">
+            <a:schemeClr val="tx1"/>
+          </a:fontRef>
+        </p:style>
+      </p:cxnSp>
+      <p:cxnSp>
+        <p:nvCxnSpPr>
+          <p:cNvPr id="14" name="Straight Connector 13">
+            <a:extLst>
+              <a:ext uri="{FF2B5EF4-FFF2-40B4-BE49-F238E27FC236}">
+                <a16:creationId xmlns:a16="http://schemas.microsoft.com/office/drawing/2014/main" id="{8EDE8C4E-5190-4998-B12C-58CF783648C3}"/>
+              </a:ext>
+            </a:extLst>
+          </p:cNvPr>
+          <p:cNvCxnSpPr>
+            <a:cxnSpLocks/>
+          </p:cNvCxnSpPr>
+          <p:nvPr/>
+        </p:nvCxnSpPr>
+        <p:spPr>
+          <a:xfrm>
+            <a:off x="-685604" y="3333750"/>
+            <a:ext cx="10852150" cy="0"/>
+          </a:xfrm>
+          <a:prstGeom prst="line">
+            <a:avLst/>
+          </a:prstGeom>
+        </p:spPr>
+        <p:style>
+          <a:lnRef idx="1">
+            <a:schemeClr val="accent1"/>
+          </a:lnRef>
+          <a:fillRef idx="0">
+            <a:schemeClr val="accent1"/>
+          </a:fillRef>
+          <a:effectRef idx="0">
+            <a:schemeClr val="accent1"/>
+          </a:effectRef>
+          <a:fontRef idx="minor">
+            <a:schemeClr val="tx1"/>
+          </a:fontRef>
+        </p:style>
+      </p:cxnSp>
+      <p:cxnSp>
+        <p:nvCxnSpPr>
+          <p:cNvPr id="15" name="Straight Connector 14">
+            <a:extLst>
+              <a:ext uri="{FF2B5EF4-FFF2-40B4-BE49-F238E27FC236}">
+                <a16:creationId xmlns:a16="http://schemas.microsoft.com/office/drawing/2014/main" id="{E4F68A1A-416C-4A37-918E-D6EC4C1830E1}"/>
+              </a:ext>
+            </a:extLst>
+          </p:cNvPr>
+          <p:cNvCxnSpPr>
+            <a:cxnSpLocks/>
+          </p:cNvCxnSpPr>
+          <p:nvPr/>
+        </p:nvCxnSpPr>
+        <p:spPr>
+          <a:xfrm>
+            <a:off x="-476054" y="4333875"/>
+            <a:ext cx="10852150" cy="0"/>
+          </a:xfrm>
+          <a:prstGeom prst="line">
+            <a:avLst/>
+          </a:prstGeom>
+        </p:spPr>
+        <p:style>
+          <a:lnRef idx="1">
+            <a:schemeClr val="accent1"/>
+          </a:lnRef>
+          <a:fillRef idx="0">
+            <a:schemeClr val="accent1"/>
+          </a:fillRef>
+          <a:effectRef idx="0">
+            <a:schemeClr val="accent1"/>
+          </a:effectRef>
+          <a:fontRef idx="minor">
+            <a:schemeClr val="tx1"/>
+          </a:fontRef>
+        </p:style>
+      </p:cxnSp>
+      <p:cxnSp>
+        <p:nvCxnSpPr>
+          <p:cNvPr id="16" name="Straight Connector 15">
+            <a:extLst>
+              <a:ext uri="{FF2B5EF4-FFF2-40B4-BE49-F238E27FC236}">
+                <a16:creationId xmlns:a16="http://schemas.microsoft.com/office/drawing/2014/main" id="{7EEF9148-DDC1-4ECF-933B-868900D10B3E}"/>
+              </a:ext>
+            </a:extLst>
+          </p:cNvPr>
+          <p:cNvCxnSpPr>
+            <a:cxnSpLocks/>
+          </p:cNvCxnSpPr>
+          <p:nvPr/>
+        </p:nvCxnSpPr>
+        <p:spPr>
+          <a:xfrm>
+            <a:off x="-476690" y="6867525"/>
+            <a:ext cx="10852150" cy="0"/>
+          </a:xfrm>
+          <a:prstGeom prst="line">
+            <a:avLst/>
+          </a:prstGeom>
+        </p:spPr>
+        <p:style>
+          <a:lnRef idx="1">
+            <a:schemeClr val="accent1"/>
+          </a:lnRef>
+          <a:fillRef idx="0">
+            <a:schemeClr val="accent1"/>
+          </a:fillRef>
+          <a:effectRef idx="0">
+            <a:schemeClr val="accent1"/>
+          </a:effectRef>
+          <a:fontRef idx="minor">
+            <a:schemeClr val="tx1"/>
+          </a:fontRef>
+        </p:style>
+      </p:cxnSp>
+      <p:sp>
+        <p:nvSpPr>
+          <p:cNvPr id="17" name="Title 1">
+            <a:extLst>
+              <a:ext uri="{FF2B5EF4-FFF2-40B4-BE49-F238E27FC236}">
+                <a16:creationId xmlns:a16="http://schemas.microsoft.com/office/drawing/2014/main" id="{90248DC8-2055-4D5A-AF5F-8C14444E9F15}"/>
               </a:ext>
             </a:extLst>
           </p:cNvPr>
@@ -7555,247 +7782,23 @@
             <a:r>
               <a:rPr lang="en-US" sz="3600" b="1" dirty="0">
                 <a:highlight>
-                  <a:srgbClr val="00FF00"/>
+                  <a:srgbClr val="03ACEA"/>
                 </a:highlight>
               </a:rPr>
-              <a:t>class 3</a:t>
+              <a:t>class 2</a:t>
             </a:r>
             <a:r>
               <a:rPr lang="en-US" sz="3600" b="1" dirty="0"/>
-              <a:t>: condo / strata</a:t>
+              <a:t>: duplex/townhouse</a:t>
             </a:r>
             <a:endParaRPr lang="en-CA" sz="3600" b="1" dirty="0"/>
           </a:p>
         </p:txBody>
       </p:sp>
-      <p:cxnSp>
-        <p:nvCxnSpPr>
-          <p:cNvPr id="9" name="Straight Connector 8">
-            <a:extLst>
-              <a:ext uri="{FF2B5EF4-FFF2-40B4-BE49-F238E27FC236}">
-                <a16:creationId xmlns:a16="http://schemas.microsoft.com/office/drawing/2014/main" id="{8FBE80E9-812C-4377-8196-B822DBCA5223}"/>
-              </a:ext>
-            </a:extLst>
-          </p:cNvPr>
-          <p:cNvCxnSpPr/>
-          <p:nvPr/>
-        </p:nvCxnSpPr>
-        <p:spPr>
-          <a:xfrm>
-            <a:off x="2035175" y="-85725"/>
-            <a:ext cx="0" cy="7515225"/>
-          </a:xfrm>
-          <a:prstGeom prst="line">
-            <a:avLst/>
-          </a:prstGeom>
-        </p:spPr>
-        <p:style>
-          <a:lnRef idx="1">
-            <a:schemeClr val="accent1"/>
-          </a:lnRef>
-          <a:fillRef idx="0">
-            <a:schemeClr val="accent1"/>
-          </a:fillRef>
-          <a:effectRef idx="0">
-            <a:schemeClr val="accent1"/>
-          </a:effectRef>
-          <a:fontRef idx="minor">
-            <a:schemeClr val="tx1"/>
-          </a:fontRef>
-        </p:style>
-      </p:cxnSp>
-      <p:cxnSp>
-        <p:nvCxnSpPr>
-          <p:cNvPr id="10" name="Straight Connector 9">
-            <a:extLst>
-              <a:ext uri="{FF2B5EF4-FFF2-40B4-BE49-F238E27FC236}">
-                <a16:creationId xmlns:a16="http://schemas.microsoft.com/office/drawing/2014/main" id="{1F549988-DCE8-43F8-BB3A-38D2D770DCF1}"/>
-              </a:ext>
-            </a:extLst>
-          </p:cNvPr>
-          <p:cNvCxnSpPr/>
-          <p:nvPr/>
-        </p:nvCxnSpPr>
-        <p:spPr>
-          <a:xfrm>
-            <a:off x="9296400" y="-247650"/>
-            <a:ext cx="0" cy="7515225"/>
-          </a:xfrm>
-          <a:prstGeom prst="line">
-            <a:avLst/>
-          </a:prstGeom>
-        </p:spPr>
-        <p:style>
-          <a:lnRef idx="1">
-            <a:schemeClr val="accent1"/>
-          </a:lnRef>
-          <a:fillRef idx="0">
-            <a:schemeClr val="accent1"/>
-          </a:fillRef>
-          <a:effectRef idx="0">
-            <a:schemeClr val="accent1"/>
-          </a:effectRef>
-          <a:fontRef idx="minor">
-            <a:schemeClr val="tx1"/>
-          </a:fontRef>
-        </p:style>
-      </p:cxnSp>
-      <p:cxnSp>
-        <p:nvCxnSpPr>
-          <p:cNvPr id="11" name="Straight Connector 10">
-            <a:extLst>
-              <a:ext uri="{FF2B5EF4-FFF2-40B4-BE49-F238E27FC236}">
-                <a16:creationId xmlns:a16="http://schemas.microsoft.com/office/drawing/2014/main" id="{92618CD3-F28D-47C7-AE6C-179B06688C17}"/>
-              </a:ext>
-            </a:extLst>
-          </p:cNvPr>
-          <p:cNvCxnSpPr>
-            <a:cxnSpLocks/>
-          </p:cNvCxnSpPr>
-          <p:nvPr/>
-        </p:nvCxnSpPr>
-        <p:spPr>
-          <a:xfrm>
-            <a:off x="-618929" y="809625"/>
-            <a:ext cx="10852150" cy="0"/>
-          </a:xfrm>
-          <a:prstGeom prst="line">
-            <a:avLst/>
-          </a:prstGeom>
-        </p:spPr>
-        <p:style>
-          <a:lnRef idx="1">
-            <a:schemeClr val="accent1"/>
-          </a:lnRef>
-          <a:fillRef idx="0">
-            <a:schemeClr val="accent1"/>
-          </a:fillRef>
-          <a:effectRef idx="0">
-            <a:schemeClr val="accent1"/>
-          </a:effectRef>
-          <a:fontRef idx="minor">
-            <a:schemeClr val="tx1"/>
-          </a:fontRef>
-        </p:style>
-      </p:cxnSp>
-      <p:cxnSp>
-        <p:nvCxnSpPr>
-          <p:cNvPr id="14" name="Straight Connector 13">
-            <a:extLst>
-              <a:ext uri="{FF2B5EF4-FFF2-40B4-BE49-F238E27FC236}">
-                <a16:creationId xmlns:a16="http://schemas.microsoft.com/office/drawing/2014/main" id="{8EDE8C4E-5190-4998-B12C-58CF783648C3}"/>
-              </a:ext>
-            </a:extLst>
-          </p:cNvPr>
-          <p:cNvCxnSpPr>
-            <a:cxnSpLocks/>
-          </p:cNvCxnSpPr>
-          <p:nvPr/>
-        </p:nvCxnSpPr>
-        <p:spPr>
-          <a:xfrm>
-            <a:off x="-685604" y="3333750"/>
-            <a:ext cx="10852150" cy="0"/>
-          </a:xfrm>
-          <a:prstGeom prst="line">
-            <a:avLst/>
-          </a:prstGeom>
-        </p:spPr>
-        <p:style>
-          <a:lnRef idx="1">
-            <a:schemeClr val="accent1"/>
-          </a:lnRef>
-          <a:fillRef idx="0">
-            <a:schemeClr val="accent1"/>
-          </a:fillRef>
-          <a:effectRef idx="0">
-            <a:schemeClr val="accent1"/>
-          </a:effectRef>
-          <a:fontRef idx="minor">
-            <a:schemeClr val="tx1"/>
-          </a:fontRef>
-        </p:style>
-      </p:cxnSp>
-      <p:cxnSp>
-        <p:nvCxnSpPr>
-          <p:cNvPr id="15" name="Straight Connector 14">
-            <a:extLst>
-              <a:ext uri="{FF2B5EF4-FFF2-40B4-BE49-F238E27FC236}">
-                <a16:creationId xmlns:a16="http://schemas.microsoft.com/office/drawing/2014/main" id="{E4F68A1A-416C-4A37-918E-D6EC4C1830E1}"/>
-              </a:ext>
-            </a:extLst>
-          </p:cNvPr>
-          <p:cNvCxnSpPr>
-            <a:cxnSpLocks/>
-          </p:cNvCxnSpPr>
-          <p:nvPr/>
-        </p:nvCxnSpPr>
-        <p:spPr>
-          <a:xfrm>
-            <a:off x="-476054" y="4333875"/>
-            <a:ext cx="10852150" cy="0"/>
-          </a:xfrm>
-          <a:prstGeom prst="line">
-            <a:avLst/>
-          </a:prstGeom>
-        </p:spPr>
-        <p:style>
-          <a:lnRef idx="1">
-            <a:schemeClr val="accent1"/>
-          </a:lnRef>
-          <a:fillRef idx="0">
-            <a:schemeClr val="accent1"/>
-          </a:fillRef>
-          <a:effectRef idx="0">
-            <a:schemeClr val="accent1"/>
-          </a:effectRef>
-          <a:fontRef idx="minor">
-            <a:schemeClr val="tx1"/>
-          </a:fontRef>
-        </p:style>
-      </p:cxnSp>
-      <p:cxnSp>
-        <p:nvCxnSpPr>
-          <p:cNvPr id="16" name="Straight Connector 15">
-            <a:extLst>
-              <a:ext uri="{FF2B5EF4-FFF2-40B4-BE49-F238E27FC236}">
-                <a16:creationId xmlns:a16="http://schemas.microsoft.com/office/drawing/2014/main" id="{7EEF9148-DDC1-4ECF-933B-868900D10B3E}"/>
-              </a:ext>
-            </a:extLst>
-          </p:cNvPr>
-          <p:cNvCxnSpPr>
-            <a:cxnSpLocks/>
-          </p:cNvCxnSpPr>
-          <p:nvPr/>
-        </p:nvCxnSpPr>
-        <p:spPr>
-          <a:xfrm>
-            <a:off x="-476690" y="6867525"/>
-            <a:ext cx="10852150" cy="0"/>
-          </a:xfrm>
-          <a:prstGeom prst="line">
-            <a:avLst/>
-          </a:prstGeom>
-        </p:spPr>
-        <p:style>
-          <a:lnRef idx="1">
-            <a:schemeClr val="accent1"/>
-          </a:lnRef>
-          <a:fillRef idx="0">
-            <a:schemeClr val="accent1"/>
-          </a:fillRef>
-          <a:effectRef idx="0">
-            <a:schemeClr val="accent1"/>
-          </a:effectRef>
-          <a:fontRef idx="minor">
-            <a:schemeClr val="tx1"/>
-          </a:fontRef>
-        </p:style>
-      </p:cxnSp>
     </p:spTree>
     <p:extLst>
       <p:ext uri="{BB962C8B-B14F-4D97-AF65-F5344CB8AC3E}">
-        <p14:creationId xmlns:p14="http://schemas.microsoft.com/office/powerpoint/2010/main" val="2911682675"/>
+        <p14:creationId xmlns:p14="http://schemas.microsoft.com/office/powerpoint/2010/main" val="2392373268"/>
       </p:ext>
     </p:extLst>
   </p:cSld>
@@ -7824,10 +7827,10 @@
       </p:grpSpPr>
       <p:pic>
         <p:nvPicPr>
-          <p:cNvPr id="6" name="Picture 5">
-            <a:extLst>
-              <a:ext uri="{FF2B5EF4-FFF2-40B4-BE49-F238E27FC236}">
-                <a16:creationId xmlns:a16="http://schemas.microsoft.com/office/drawing/2014/main" id="{1BBE7EBA-3FC5-4D07-8F30-FD4738EADBC0}"/>
+          <p:cNvPr id="5" name="Picture 4">
+            <a:extLst>
+              <a:ext uri="{FF2B5EF4-FFF2-40B4-BE49-F238E27FC236}">
+                <a16:creationId xmlns:a16="http://schemas.microsoft.com/office/drawing/2014/main" id="{A5D4ECF6-C34E-4207-B5B0-AA5C057C6DBE}"/>
               </a:ext>
             </a:extLst>
           </p:cNvPr>
@@ -7844,8 +7847,8 @@
         </p:blipFill>
         <p:spPr>
           <a:xfrm>
-            <a:off x="1133860" y="3891282"/>
-            <a:ext cx="8253975" cy="3423917"/>
+            <a:off x="993650" y="377951"/>
+            <a:ext cx="8510014" cy="3457455"/>
           </a:xfrm>
           <a:prstGeom prst="rect">
             <a:avLst/>
@@ -7854,10 +7857,10 @@
       </p:pic>
       <p:pic>
         <p:nvPicPr>
-          <p:cNvPr id="5" name="Picture 4">
-            <a:extLst>
-              <a:ext uri="{FF2B5EF4-FFF2-40B4-BE49-F238E27FC236}">
-                <a16:creationId xmlns:a16="http://schemas.microsoft.com/office/drawing/2014/main" id="{85764649-FC89-4EE0-B505-4ABD930949F4}"/>
+          <p:cNvPr id="4" name="Picture 3">
+            <a:extLst>
+              <a:ext uri="{FF2B5EF4-FFF2-40B4-BE49-F238E27FC236}">
+                <a16:creationId xmlns:a16="http://schemas.microsoft.com/office/drawing/2014/main" id="{5F38BFFE-1D41-4C9D-88CB-EB5489C0A107}"/>
               </a:ext>
             </a:extLst>
           </p:cNvPr>
@@ -7874,8 +7877,8 @@
         </p:blipFill>
         <p:spPr>
           <a:xfrm>
-            <a:off x="1133860" y="386079"/>
-            <a:ext cx="8253978" cy="3423919"/>
+            <a:off x="1152527" y="3864871"/>
+            <a:ext cx="8248649" cy="3501123"/>
           </a:xfrm>
           <a:prstGeom prst="rect">
             <a:avLst/>
@@ -8174,7 +8177,7 @@
     </p:spTree>
     <p:extLst>
       <p:ext uri="{BB962C8B-B14F-4D97-AF65-F5344CB8AC3E}">
-        <p14:creationId xmlns:p14="http://schemas.microsoft.com/office/powerpoint/2010/main" val="1333477413"/>
+        <p14:creationId xmlns:p14="http://schemas.microsoft.com/office/powerpoint/2010/main" val="2911682675"/>
       </p:ext>
     </p:extLst>
   </p:cSld>
@@ -8201,59 +8204,359 @@
           <a:chExt cx="0" cy="0"/>
         </a:xfrm>
       </p:grpSpPr>
-      <p:sp>
-        <p:nvSpPr>
-          <p:cNvPr id="2" name="Subtitle 1">
-            <a:extLst>
-              <a:ext uri="{FF2B5EF4-FFF2-40B4-BE49-F238E27FC236}">
-                <a16:creationId xmlns:a16="http://schemas.microsoft.com/office/drawing/2014/main" id="{BD4BF09A-490F-48B9-A320-54FACCF2BD24}"/>
+      <p:pic>
+        <p:nvPicPr>
+          <p:cNvPr id="12" name="Picture 11">
+            <a:extLst>
+              <a:ext uri="{FF2B5EF4-FFF2-40B4-BE49-F238E27FC236}">
+                <a16:creationId xmlns:a16="http://schemas.microsoft.com/office/drawing/2014/main" id="{842CDD64-4875-4731-8F00-5D220C5DC1A3}"/>
+              </a:ext>
+            </a:extLst>
+          </p:cNvPr>
+          <p:cNvPicPr>
+            <a:picLocks noChangeAspect="1"/>
+          </p:cNvPicPr>
+          <p:nvPr/>
+        </p:nvPicPr>
+        <p:blipFill>
+          <a:blip r:embed="rId2"/>
+          <a:stretch>
+            <a:fillRect/>
+          </a:stretch>
+        </p:blipFill>
+        <p:spPr>
+          <a:xfrm>
+            <a:off x="1015999" y="3876039"/>
+            <a:ext cx="8432802" cy="3481086"/>
+          </a:xfrm>
+          <a:prstGeom prst="rect">
+            <a:avLst/>
+          </a:prstGeom>
+        </p:spPr>
+      </p:pic>
+      <p:pic>
+        <p:nvPicPr>
+          <p:cNvPr id="7" name="Picture 6">
+            <a:extLst>
+              <a:ext uri="{FF2B5EF4-FFF2-40B4-BE49-F238E27FC236}">
+                <a16:creationId xmlns:a16="http://schemas.microsoft.com/office/drawing/2014/main" id="{4D58BDBC-CD31-4063-BA02-4E943E594366}"/>
+              </a:ext>
+            </a:extLst>
+          </p:cNvPr>
+          <p:cNvPicPr>
+            <a:picLocks noChangeAspect="1"/>
+          </p:cNvPicPr>
+          <p:nvPr/>
+        </p:nvPicPr>
+        <p:blipFill>
+          <a:blip r:embed="rId3"/>
+          <a:stretch>
+            <a:fillRect/>
+          </a:stretch>
+        </p:blipFill>
+        <p:spPr>
+          <a:xfrm>
+            <a:off x="1015999" y="362571"/>
+            <a:ext cx="8503921" cy="3481086"/>
+          </a:xfrm>
+          <a:prstGeom prst="rect">
+            <a:avLst/>
+          </a:prstGeom>
+        </p:spPr>
+      </p:pic>
+      <p:sp>
+        <p:nvSpPr>
+          <p:cNvPr id="2" name="Title 1">
+            <a:extLst>
+              <a:ext uri="{FF2B5EF4-FFF2-40B4-BE49-F238E27FC236}">
+                <a16:creationId xmlns:a16="http://schemas.microsoft.com/office/drawing/2014/main" id="{A48FE9B8-D25E-486C-B212-26376FADE983}"/>
               </a:ext>
             </a:extLst>
           </p:cNvPr>
           <p:cNvSpPr txBox="1">
-            <a:spLocks noGrp="1"/>
+            <a:spLocks/>
           </p:cNvSpPr>
-          <p:nvPr>
-            <p:ph type="subTitle" idx="4294967295"/>
-          </p:nvPr>
-        </p:nvSpPr>
-        <p:spPr>
-          <a:xfrm>
-            <a:off x="0" y="0"/>
-            <a:ext cx="10080625" cy="7559675"/>
-          </a:xfrm>
-        </p:spPr>
-        <p:txBody>
-          <a:bodyPr anchor="ctr"/>
-          <a:lstStyle/>
-          <a:p>
-            <a:pPr marL="0" lvl="0" indent="0" algn="ctr">
+          <p:nvPr/>
+        </p:nvSpPr>
+        <p:spPr>
+          <a:xfrm rot="16200000">
+            <a:off x="-3472340" y="2208495"/>
+            <a:ext cx="8855640" cy="1262520"/>
+          </a:xfrm>
+          <a:prstGeom prst="rect">
+            <a:avLst/>
+          </a:prstGeom>
+        </p:spPr>
+        <p:txBody>
+          <a:bodyPr/>
+          <a:lstStyle>
+            <a:lvl1pPr algn="l" defTabSz="756026" rtl="0" eaLnBrk="1" latinLnBrk="0" hangingPunct="1">
+              <a:lnSpc>
+                <a:spcPct val="90000"/>
+              </a:lnSpc>
+              <a:spcBef>
+                <a:spcPct val="0"/>
+              </a:spcBef>
               <a:buNone/>
-            </a:pPr>
-            <a:r>
-              <a:rPr lang="en-CA" sz="3200" dirty="0">
-                <a:latin typeface="Liberation Sans" pitchFamily="18"/>
+              <a:defRPr sz="3638" kern="1200">
+                <a:solidFill>
+                  <a:schemeClr val="tx1"/>
+                </a:solidFill>
+                <a:latin typeface="+mj-lt"/>
+                <a:ea typeface="+mj-ea"/>
+                <a:cs typeface="+mj-cs"/>
+              </a:defRPr>
+            </a:lvl1pPr>
+          </a:lstStyle>
+          <a:p>
+            <a:r>
+              <a:rPr lang="en-US" sz="3600" b="1" dirty="0"/>
+              <a:t>4. Land use </a:t>
+            </a:r>
+            <a:r>
+              <a:rPr lang="en-US" sz="3600" b="1" dirty="0">
+                <a:highlight>
+                  <a:srgbClr val="00FF00"/>
+                </a:highlight>
               </a:rPr>
-              <a:t>Section 5:</a:t>
-            </a:r>
-          </a:p>
-          <a:p>
-            <a:pPr marL="0" lvl="0" indent="0" algn="ctr">
-              <a:buNone/>
-            </a:pPr>
-            <a:r>
-              <a:rPr lang="en-CA" sz="3200" dirty="0">
-                <a:latin typeface="Liberation Sans" pitchFamily="18"/>
-              </a:rPr>
-              <a:t>Interpretation of results</a:t>
-            </a:r>
-          </a:p>
-        </p:txBody>
-      </p:sp>
+              <a:t>class 3</a:t>
+            </a:r>
+            <a:r>
+              <a:rPr lang="en-US" sz="3600" b="1" dirty="0"/>
+              <a:t>: condo / strata</a:t>
+            </a:r>
+            <a:endParaRPr lang="en-CA" sz="3600" b="1" dirty="0"/>
+          </a:p>
+        </p:txBody>
+      </p:sp>
+      <p:cxnSp>
+        <p:nvCxnSpPr>
+          <p:cNvPr id="9" name="Straight Connector 8">
+            <a:extLst>
+              <a:ext uri="{FF2B5EF4-FFF2-40B4-BE49-F238E27FC236}">
+                <a16:creationId xmlns:a16="http://schemas.microsoft.com/office/drawing/2014/main" id="{8FBE80E9-812C-4377-8196-B822DBCA5223}"/>
+              </a:ext>
+            </a:extLst>
+          </p:cNvPr>
+          <p:cNvCxnSpPr/>
+          <p:nvPr/>
+        </p:nvCxnSpPr>
+        <p:spPr>
+          <a:xfrm>
+            <a:off x="2035175" y="-85725"/>
+            <a:ext cx="0" cy="7515225"/>
+          </a:xfrm>
+          <a:prstGeom prst="line">
+            <a:avLst/>
+          </a:prstGeom>
+        </p:spPr>
+        <p:style>
+          <a:lnRef idx="1">
+            <a:schemeClr val="accent1"/>
+          </a:lnRef>
+          <a:fillRef idx="0">
+            <a:schemeClr val="accent1"/>
+          </a:fillRef>
+          <a:effectRef idx="0">
+            <a:schemeClr val="accent1"/>
+          </a:effectRef>
+          <a:fontRef idx="minor">
+            <a:schemeClr val="tx1"/>
+          </a:fontRef>
+        </p:style>
+      </p:cxnSp>
+      <p:cxnSp>
+        <p:nvCxnSpPr>
+          <p:cNvPr id="10" name="Straight Connector 9">
+            <a:extLst>
+              <a:ext uri="{FF2B5EF4-FFF2-40B4-BE49-F238E27FC236}">
+                <a16:creationId xmlns:a16="http://schemas.microsoft.com/office/drawing/2014/main" id="{1F549988-DCE8-43F8-BB3A-38D2D770DCF1}"/>
+              </a:ext>
+            </a:extLst>
+          </p:cNvPr>
+          <p:cNvCxnSpPr/>
+          <p:nvPr/>
+        </p:nvCxnSpPr>
+        <p:spPr>
+          <a:xfrm>
+            <a:off x="9296400" y="-247650"/>
+            <a:ext cx="0" cy="7515225"/>
+          </a:xfrm>
+          <a:prstGeom prst="line">
+            <a:avLst/>
+          </a:prstGeom>
+        </p:spPr>
+        <p:style>
+          <a:lnRef idx="1">
+            <a:schemeClr val="accent1"/>
+          </a:lnRef>
+          <a:fillRef idx="0">
+            <a:schemeClr val="accent1"/>
+          </a:fillRef>
+          <a:effectRef idx="0">
+            <a:schemeClr val="accent1"/>
+          </a:effectRef>
+          <a:fontRef idx="minor">
+            <a:schemeClr val="tx1"/>
+          </a:fontRef>
+        </p:style>
+      </p:cxnSp>
+      <p:cxnSp>
+        <p:nvCxnSpPr>
+          <p:cNvPr id="11" name="Straight Connector 10">
+            <a:extLst>
+              <a:ext uri="{FF2B5EF4-FFF2-40B4-BE49-F238E27FC236}">
+                <a16:creationId xmlns:a16="http://schemas.microsoft.com/office/drawing/2014/main" id="{92618CD3-F28D-47C7-AE6C-179B06688C17}"/>
+              </a:ext>
+            </a:extLst>
+          </p:cNvPr>
+          <p:cNvCxnSpPr>
+            <a:cxnSpLocks/>
+          </p:cNvCxnSpPr>
+          <p:nvPr/>
+        </p:nvCxnSpPr>
+        <p:spPr>
+          <a:xfrm>
+            <a:off x="-618929" y="809625"/>
+            <a:ext cx="10852150" cy="0"/>
+          </a:xfrm>
+          <a:prstGeom prst="line">
+            <a:avLst/>
+          </a:prstGeom>
+        </p:spPr>
+        <p:style>
+          <a:lnRef idx="1">
+            <a:schemeClr val="accent1"/>
+          </a:lnRef>
+          <a:fillRef idx="0">
+            <a:schemeClr val="accent1"/>
+          </a:fillRef>
+          <a:effectRef idx="0">
+            <a:schemeClr val="accent1"/>
+          </a:effectRef>
+          <a:fontRef idx="minor">
+            <a:schemeClr val="tx1"/>
+          </a:fontRef>
+        </p:style>
+      </p:cxnSp>
+      <p:cxnSp>
+        <p:nvCxnSpPr>
+          <p:cNvPr id="14" name="Straight Connector 13">
+            <a:extLst>
+              <a:ext uri="{FF2B5EF4-FFF2-40B4-BE49-F238E27FC236}">
+                <a16:creationId xmlns:a16="http://schemas.microsoft.com/office/drawing/2014/main" id="{8EDE8C4E-5190-4998-B12C-58CF783648C3}"/>
+              </a:ext>
+            </a:extLst>
+          </p:cNvPr>
+          <p:cNvCxnSpPr>
+            <a:cxnSpLocks/>
+          </p:cNvCxnSpPr>
+          <p:nvPr/>
+        </p:nvCxnSpPr>
+        <p:spPr>
+          <a:xfrm>
+            <a:off x="-685604" y="3333750"/>
+            <a:ext cx="10852150" cy="0"/>
+          </a:xfrm>
+          <a:prstGeom prst="line">
+            <a:avLst/>
+          </a:prstGeom>
+        </p:spPr>
+        <p:style>
+          <a:lnRef idx="1">
+            <a:schemeClr val="accent1"/>
+          </a:lnRef>
+          <a:fillRef idx="0">
+            <a:schemeClr val="accent1"/>
+          </a:fillRef>
+          <a:effectRef idx="0">
+            <a:schemeClr val="accent1"/>
+          </a:effectRef>
+          <a:fontRef idx="minor">
+            <a:schemeClr val="tx1"/>
+          </a:fontRef>
+        </p:style>
+      </p:cxnSp>
+      <p:cxnSp>
+        <p:nvCxnSpPr>
+          <p:cNvPr id="15" name="Straight Connector 14">
+            <a:extLst>
+              <a:ext uri="{FF2B5EF4-FFF2-40B4-BE49-F238E27FC236}">
+                <a16:creationId xmlns:a16="http://schemas.microsoft.com/office/drawing/2014/main" id="{E4F68A1A-416C-4A37-918E-D6EC4C1830E1}"/>
+              </a:ext>
+            </a:extLst>
+          </p:cNvPr>
+          <p:cNvCxnSpPr>
+            <a:cxnSpLocks/>
+          </p:cNvCxnSpPr>
+          <p:nvPr/>
+        </p:nvCxnSpPr>
+        <p:spPr>
+          <a:xfrm>
+            <a:off x="-476054" y="4333875"/>
+            <a:ext cx="10852150" cy="0"/>
+          </a:xfrm>
+          <a:prstGeom prst="line">
+            <a:avLst/>
+          </a:prstGeom>
+        </p:spPr>
+        <p:style>
+          <a:lnRef idx="1">
+            <a:schemeClr val="accent1"/>
+          </a:lnRef>
+          <a:fillRef idx="0">
+            <a:schemeClr val="accent1"/>
+          </a:fillRef>
+          <a:effectRef idx="0">
+            <a:schemeClr val="accent1"/>
+          </a:effectRef>
+          <a:fontRef idx="minor">
+            <a:schemeClr val="tx1"/>
+          </a:fontRef>
+        </p:style>
+      </p:cxnSp>
+      <p:cxnSp>
+        <p:nvCxnSpPr>
+          <p:cNvPr id="16" name="Straight Connector 15">
+            <a:extLst>
+              <a:ext uri="{FF2B5EF4-FFF2-40B4-BE49-F238E27FC236}">
+                <a16:creationId xmlns:a16="http://schemas.microsoft.com/office/drawing/2014/main" id="{7EEF9148-DDC1-4ECF-933B-868900D10B3E}"/>
+              </a:ext>
+            </a:extLst>
+          </p:cNvPr>
+          <p:cNvCxnSpPr>
+            <a:cxnSpLocks/>
+          </p:cNvCxnSpPr>
+          <p:nvPr/>
+        </p:nvCxnSpPr>
+        <p:spPr>
+          <a:xfrm>
+            <a:off x="-476690" y="6867525"/>
+            <a:ext cx="10852150" cy="0"/>
+          </a:xfrm>
+          <a:prstGeom prst="line">
+            <a:avLst/>
+          </a:prstGeom>
+        </p:spPr>
+        <p:style>
+          <a:lnRef idx="1">
+            <a:schemeClr val="accent1"/>
+          </a:lnRef>
+          <a:fillRef idx="0">
+            <a:schemeClr val="accent1"/>
+          </a:fillRef>
+          <a:effectRef idx="0">
+            <a:schemeClr val="accent1"/>
+          </a:effectRef>
+          <a:fontRef idx="minor">
+            <a:schemeClr val="tx1"/>
+          </a:fontRef>
+        </p:style>
+      </p:cxnSp>
     </p:spTree>
     <p:extLst>
       <p:ext uri="{BB962C8B-B14F-4D97-AF65-F5344CB8AC3E}">
-        <p14:creationId xmlns:p14="http://schemas.microsoft.com/office/powerpoint/2010/main" val="2474918554"/>
+        <p14:creationId xmlns:p14="http://schemas.microsoft.com/office/powerpoint/2010/main" val="1333477413"/>
       </p:ext>
     </p:extLst>
   </p:cSld>
@@ -8280,267 +8583,72 @@
           <a:chExt cx="0" cy="0"/>
         </a:xfrm>
       </p:grpSpPr>
-      <p:sp>
-        <p:nvSpPr>
-          <p:cNvPr id="2" name="Subtitle 1">
-            <a:extLst>
-              <a:ext uri="{FF2B5EF4-FFF2-40B4-BE49-F238E27FC236}">
-                <a16:creationId xmlns:a16="http://schemas.microsoft.com/office/drawing/2014/main" id="{BD4BF09A-490F-48B9-A320-54FACCF2BD24}"/>
-              </a:ext>
-            </a:extLst>
-          </p:cNvPr>
-          <p:cNvSpPr txBox="1">
-            <a:spLocks noGrp="1"/>
-          </p:cNvSpPr>
-          <p:nvPr>
-            <p:ph type="subTitle" idx="4294967295"/>
-          </p:nvPr>
-        </p:nvSpPr>
-        <p:spPr>
-          <a:xfrm>
-            <a:off x="0" y="0"/>
-            <a:ext cx="10080625" cy="7559675"/>
-          </a:xfrm>
-        </p:spPr>
-        <p:txBody>
-          <a:bodyPr anchor="ctr"/>
-          <a:lstStyle/>
-          <a:p>
-            <a:pPr marL="0" lvl="0" indent="0" algn="ctr">
-              <a:buNone/>
-            </a:pPr>
-            <a:r>
-              <a:rPr lang="en-CA" sz="3200" dirty="0">
-                <a:latin typeface="Liberation Sans" pitchFamily="18"/>
-              </a:rPr>
-              <a:t>Section 6:</a:t>
-            </a:r>
-          </a:p>
-          <a:p>
-            <a:pPr marL="0" lvl="0" indent="0" algn="ctr">
-              <a:buNone/>
-            </a:pPr>
-            <a:r>
-              <a:rPr lang="en-CA" sz="3200" dirty="0">
-                <a:latin typeface="Liberation Sans" pitchFamily="18"/>
-              </a:rPr>
-              <a:t>RDBMS design</a:t>
-            </a:r>
-          </a:p>
-        </p:txBody>
-      </p:sp>
-    </p:spTree>
-    <p:extLst>
-      <p:ext uri="{BB962C8B-B14F-4D97-AF65-F5344CB8AC3E}">
-        <p14:creationId xmlns:p14="http://schemas.microsoft.com/office/powerpoint/2010/main" val="4171679265"/>
-      </p:ext>
-    </p:extLst>
-  </p:cSld>
-  <p:clrMapOvr>
-    <a:masterClrMapping/>
-  </p:clrMapOvr>
-</p:sld>
-</file>
-
-<file path=ppt/slides/slide18.xml><?xml version="1.0" encoding="utf-8"?>
-<p:sld xmlns:a="http://schemas.openxmlformats.org/drawingml/2006/main" xmlns:r="http://schemas.openxmlformats.org/officeDocument/2006/relationships" xmlns:p="http://schemas.openxmlformats.org/presentationml/2006/main">
-  <p:cSld>
-    <p:bg>
-      <p:bgPr>
-        <a:solidFill>
-          <a:schemeClr val="bg1"/>
-        </a:solidFill>
-        <a:effectLst/>
-      </p:bgPr>
-    </p:bg>
-    <p:spTree>
-      <p:nvGrpSpPr>
-        <p:cNvPr id="1" name=""/>
-        <p:cNvGrpSpPr/>
-        <p:nvPr/>
-      </p:nvGrpSpPr>
-      <p:grpSpPr>
-        <a:xfrm>
-          <a:off x="0" y="0"/>
-          <a:ext cx="0" cy="0"/>
-          <a:chOff x="0" y="0"/>
-          <a:chExt cx="0" cy="0"/>
-        </a:xfrm>
-      </p:grpSpPr>
-      <p:sp>
-        <p:nvSpPr>
-          <p:cNvPr id="97" name="Cylinder 96">
-            <a:extLst>
-              <a:ext uri="{FF2B5EF4-FFF2-40B4-BE49-F238E27FC236}">
-                <a16:creationId xmlns:a16="http://schemas.microsoft.com/office/drawing/2014/main" id="{26A4696C-A566-42E5-A24B-5F38D1103A86}"/>
-              </a:ext>
-            </a:extLst>
-          </p:cNvPr>
-          <p:cNvSpPr/>
-          <p:nvPr/>
-        </p:nvSpPr>
-        <p:spPr>
-          <a:xfrm>
-            <a:off x="770260" y="1214934"/>
-            <a:ext cx="690709" cy="888745"/>
-          </a:xfrm>
-          <a:prstGeom prst="can">
-            <a:avLst/>
-          </a:prstGeom>
-          <a:solidFill>
-            <a:schemeClr val="accent4">
-              <a:lumMod val="40000"/>
-              <a:lumOff val="60000"/>
-            </a:schemeClr>
-          </a:solidFill>
-        </p:spPr>
-        <p:style>
-          <a:lnRef idx="2">
-            <a:schemeClr val="accent1">
-              <a:shade val="50000"/>
-            </a:schemeClr>
-          </a:lnRef>
-          <a:fillRef idx="1">
-            <a:schemeClr val="accent1"/>
-          </a:fillRef>
-          <a:effectRef idx="0">
-            <a:schemeClr val="accent1"/>
-          </a:effectRef>
-          <a:fontRef idx="minor">
-            <a:schemeClr val="lt1"/>
-          </a:fontRef>
-        </p:style>
-        <p:txBody>
-          <a:bodyPr rtlCol="0" anchor="ctr"/>
-          <a:lstStyle/>
-          <a:p>
-            <a:pPr algn="ctr"/>
-            <a:endParaRPr lang="en-US" sz="2000" dirty="0">
-              <a:solidFill>
-                <a:schemeClr val="tx1"/>
-              </a:solidFill>
-            </a:endParaRPr>
-          </a:p>
-        </p:txBody>
-      </p:sp>
-      <p:sp>
-        <p:nvSpPr>
-          <p:cNvPr id="96" name="Cylinder 95">
-            <a:extLst>
-              <a:ext uri="{FF2B5EF4-FFF2-40B4-BE49-F238E27FC236}">
-                <a16:creationId xmlns:a16="http://schemas.microsoft.com/office/drawing/2014/main" id="{E286D335-C755-45D1-A4CE-16B069D6CF5C}"/>
-              </a:ext>
-            </a:extLst>
-          </p:cNvPr>
-          <p:cNvSpPr/>
-          <p:nvPr/>
-        </p:nvSpPr>
-        <p:spPr>
-          <a:xfrm>
-            <a:off x="411136" y="1416725"/>
-            <a:ext cx="690709" cy="888745"/>
-          </a:xfrm>
-          <a:prstGeom prst="can">
-            <a:avLst/>
-          </a:prstGeom>
-          <a:solidFill>
-            <a:schemeClr val="accent4">
-              <a:lumMod val="40000"/>
-              <a:lumOff val="60000"/>
-            </a:schemeClr>
-          </a:solidFill>
-        </p:spPr>
-        <p:style>
-          <a:lnRef idx="2">
-            <a:schemeClr val="accent1">
-              <a:shade val="50000"/>
-            </a:schemeClr>
-          </a:lnRef>
-          <a:fillRef idx="1">
-            <a:schemeClr val="accent1"/>
-          </a:fillRef>
-          <a:effectRef idx="0">
-            <a:schemeClr val="accent1"/>
-          </a:effectRef>
-          <a:fontRef idx="minor">
-            <a:schemeClr val="lt1"/>
-          </a:fontRef>
-        </p:style>
-        <p:txBody>
-          <a:bodyPr rtlCol="0" anchor="ctr"/>
-          <a:lstStyle/>
-          <a:p>
-            <a:pPr algn="ctr"/>
-            <a:endParaRPr lang="en-US" sz="2000" dirty="0">
-              <a:solidFill>
-                <a:schemeClr val="tx1"/>
-              </a:solidFill>
-            </a:endParaRPr>
-          </a:p>
-        </p:txBody>
-      </p:sp>
-      <p:sp>
-        <p:nvSpPr>
-          <p:cNvPr id="95" name="Cylinder 94">
-            <a:extLst>
-              <a:ext uri="{FF2B5EF4-FFF2-40B4-BE49-F238E27FC236}">
-                <a16:creationId xmlns:a16="http://schemas.microsoft.com/office/drawing/2014/main" id="{33A8C9B9-B654-4072-864C-816AC3472896}"/>
-              </a:ext>
-            </a:extLst>
-          </p:cNvPr>
-          <p:cNvSpPr/>
-          <p:nvPr/>
-        </p:nvSpPr>
-        <p:spPr>
-          <a:xfrm>
-            <a:off x="1160076" y="1415300"/>
-            <a:ext cx="690709" cy="888745"/>
-          </a:xfrm>
-          <a:prstGeom prst="can">
-            <a:avLst/>
-          </a:prstGeom>
-          <a:solidFill>
-            <a:schemeClr val="accent4">
-              <a:lumMod val="40000"/>
-              <a:lumOff val="60000"/>
-            </a:schemeClr>
-          </a:solidFill>
-        </p:spPr>
-        <p:style>
-          <a:lnRef idx="2">
-            <a:schemeClr val="accent1">
-              <a:shade val="50000"/>
-            </a:schemeClr>
-          </a:lnRef>
-          <a:fillRef idx="1">
-            <a:schemeClr val="accent1"/>
-          </a:fillRef>
-          <a:effectRef idx="0">
-            <a:schemeClr val="accent1"/>
-          </a:effectRef>
-          <a:fontRef idx="minor">
-            <a:schemeClr val="lt1"/>
-          </a:fontRef>
-        </p:style>
-        <p:txBody>
-          <a:bodyPr rtlCol="0" anchor="ctr"/>
-          <a:lstStyle/>
-          <a:p>
-            <a:pPr algn="ctr"/>
-            <a:endParaRPr lang="en-US" sz="2000" dirty="0">
-              <a:solidFill>
-                <a:schemeClr val="tx1"/>
-              </a:solidFill>
-            </a:endParaRPr>
-          </a:p>
-        </p:txBody>
-      </p:sp>
-      <p:sp>
-        <p:nvSpPr>
-          <p:cNvPr id="4" name="Title 1">
-            <a:extLst>
-              <a:ext uri="{FF2B5EF4-FFF2-40B4-BE49-F238E27FC236}">
-                <a16:creationId xmlns:a16="http://schemas.microsoft.com/office/drawing/2014/main" id="{AF54D5D0-A2E8-4E37-AD39-FA8941CF6F25}"/>
+      <p:pic>
+        <p:nvPicPr>
+          <p:cNvPr id="4" name="Picture 3">
+            <a:extLst>
+              <a:ext uri="{FF2B5EF4-FFF2-40B4-BE49-F238E27FC236}">
+                <a16:creationId xmlns:a16="http://schemas.microsoft.com/office/drawing/2014/main" id="{D4A8B8D8-076A-4E4A-9282-DB0FD3F75221}"/>
+              </a:ext>
+            </a:extLst>
+          </p:cNvPr>
+          <p:cNvPicPr>
+            <a:picLocks noChangeAspect="1"/>
+          </p:cNvPicPr>
+          <p:nvPr/>
+        </p:nvPicPr>
+        <p:blipFill>
+          <a:blip r:embed="rId2"/>
+          <a:stretch>
+            <a:fillRect/>
+          </a:stretch>
+        </p:blipFill>
+        <p:spPr>
+          <a:xfrm>
+            <a:off x="1114427" y="3895786"/>
+            <a:ext cx="8439147" cy="3476626"/>
+          </a:xfrm>
+          <a:prstGeom prst="rect">
+            <a:avLst/>
+          </a:prstGeom>
+        </p:spPr>
+      </p:pic>
+      <p:pic>
+        <p:nvPicPr>
+          <p:cNvPr id="3" name="Picture 2">
+            <a:extLst>
+              <a:ext uri="{FF2B5EF4-FFF2-40B4-BE49-F238E27FC236}">
+                <a16:creationId xmlns:a16="http://schemas.microsoft.com/office/drawing/2014/main" id="{536BE96E-96D5-49D7-83E7-6E4C1791115C}"/>
+              </a:ext>
+            </a:extLst>
+          </p:cNvPr>
+          <p:cNvPicPr>
+            <a:picLocks noChangeAspect="1"/>
+          </p:cNvPicPr>
+          <p:nvPr/>
+        </p:nvPicPr>
+        <p:blipFill>
+          <a:blip r:embed="rId3"/>
+          <a:stretch>
+            <a:fillRect/>
+          </a:stretch>
+        </p:blipFill>
+        <p:spPr>
+          <a:xfrm>
+            <a:off x="1114428" y="371475"/>
+            <a:ext cx="8347268" cy="3476625"/>
+          </a:xfrm>
+          <a:prstGeom prst="rect">
+            <a:avLst/>
+          </a:prstGeom>
+        </p:spPr>
+      </p:pic>
+      <p:sp>
+        <p:nvSpPr>
+          <p:cNvPr id="2" name="Title 1">
+            <a:extLst>
+              <a:ext uri="{FF2B5EF4-FFF2-40B4-BE49-F238E27FC236}">
+                <a16:creationId xmlns:a16="http://schemas.microsoft.com/office/drawing/2014/main" id="{A48FE9B8-D25E-486C-B212-26376FADE983}"/>
               </a:ext>
             </a:extLst>
           </p:cNvPr>
@@ -8550,8 +8658,8 @@
           <p:nvPr/>
         </p:nvSpPr>
         <p:spPr>
-          <a:xfrm>
-            <a:off x="740320" y="396787"/>
+          <a:xfrm rot="16200000">
+            <a:off x="-3472340" y="2208495"/>
             <a:ext cx="8855640" cy="1262520"/>
           </a:xfrm>
           <a:prstGeom prst="rect">
@@ -8581,873 +8689,45 @@
           </a:lstStyle>
           <a:p>
             <a:r>
-              <a:rPr lang="en-US" b="1" dirty="0"/>
-              <a:t>3.1 Relationship between datasets</a:t>
-            </a:r>
-            <a:endParaRPr lang="en-CA" b="1" dirty="0"/>
-          </a:p>
-        </p:txBody>
-      </p:sp>
-      <p:sp>
-        <p:nvSpPr>
-          <p:cNvPr id="8" name="Cylinder 7">
-            <a:extLst>
-              <a:ext uri="{FF2B5EF4-FFF2-40B4-BE49-F238E27FC236}">
-                <a16:creationId xmlns:a16="http://schemas.microsoft.com/office/drawing/2014/main" id="{CA0777FC-5607-408D-B00F-8E22A768AC74}"/>
-              </a:ext>
-            </a:extLst>
-          </p:cNvPr>
-          <p:cNvSpPr/>
-          <p:nvPr/>
-        </p:nvSpPr>
-        <p:spPr>
-          <a:xfrm rot="16200000">
-            <a:off x="3712050" y="2151478"/>
-            <a:ext cx="2730201" cy="1611281"/>
-          </a:xfrm>
-          <a:prstGeom prst="can">
-            <a:avLst/>
-          </a:prstGeom>
-          <a:solidFill>
-            <a:schemeClr val="accent1">
-              <a:lumMod val="75000"/>
-            </a:schemeClr>
-          </a:solidFill>
-        </p:spPr>
-        <p:style>
-          <a:lnRef idx="2">
-            <a:schemeClr val="accent1">
-              <a:shade val="50000"/>
-            </a:schemeClr>
-          </a:lnRef>
-          <a:fillRef idx="1">
-            <a:schemeClr val="accent1"/>
-          </a:fillRef>
-          <a:effectRef idx="0">
-            <a:schemeClr val="accent1"/>
-          </a:effectRef>
-          <a:fontRef idx="minor">
-            <a:schemeClr val="lt1"/>
-          </a:fontRef>
-        </p:style>
-        <p:txBody>
-          <a:bodyPr rtlCol="0" anchor="ctr"/>
-          <a:lstStyle/>
-          <a:p>
-            <a:pPr algn="ctr"/>
-            <a:endParaRPr lang="en-US" dirty="0">
-              <a:solidFill>
-                <a:schemeClr val="tx1"/>
-              </a:solidFill>
-            </a:endParaRPr>
-          </a:p>
-        </p:txBody>
-      </p:sp>
-      <p:sp>
-        <p:nvSpPr>
-          <p:cNvPr id="9" name="Cylinder 8">
-            <a:extLst>
-              <a:ext uri="{FF2B5EF4-FFF2-40B4-BE49-F238E27FC236}">
-                <a16:creationId xmlns:a16="http://schemas.microsoft.com/office/drawing/2014/main" id="{693A8F34-C1C9-4A71-A37F-954227BEA5DA}"/>
-              </a:ext>
-            </a:extLst>
-          </p:cNvPr>
-          <p:cNvSpPr/>
-          <p:nvPr/>
-        </p:nvSpPr>
-        <p:spPr>
-          <a:xfrm>
-            <a:off x="7018923" y="4086922"/>
-            <a:ext cx="1583532" cy="1225496"/>
-          </a:xfrm>
-          <a:prstGeom prst="can">
-            <a:avLst/>
-          </a:prstGeom>
-          <a:solidFill>
-            <a:schemeClr val="accent6">
-              <a:lumMod val="60000"/>
-              <a:lumOff val="40000"/>
-            </a:schemeClr>
-          </a:solidFill>
-        </p:spPr>
-        <p:style>
-          <a:lnRef idx="2">
-            <a:schemeClr val="accent1">
-              <a:shade val="50000"/>
-            </a:schemeClr>
-          </a:lnRef>
-          <a:fillRef idx="1">
-            <a:schemeClr val="accent1"/>
-          </a:fillRef>
-          <a:effectRef idx="0">
-            <a:schemeClr val="accent1"/>
-          </a:effectRef>
-          <a:fontRef idx="minor">
-            <a:schemeClr val="lt1"/>
-          </a:fontRef>
-        </p:style>
-        <p:txBody>
-          <a:bodyPr rtlCol="0" anchor="ctr"/>
-          <a:lstStyle/>
-          <a:p>
-            <a:pPr algn="ctr"/>
-            <a:r>
-              <a:rPr lang="en-US" sz="2000" dirty="0">
-                <a:solidFill>
-                  <a:schemeClr val="tx1"/>
-                </a:solidFill>
+              <a:rPr lang="en-US" sz="3600" b="1" dirty="0"/>
+              <a:t>4. Land use </a:t>
+            </a:r>
+            <a:r>
+              <a:rPr lang="en-US" sz="3600" b="1" dirty="0">
+                <a:highlight>
+                  <a:srgbClr val="FF4BF2"/>
+                </a:highlight>
               </a:rPr>
-              <a:t>Parcel-level</a:t>
-            </a:r>
-          </a:p>
-          <a:p>
-            <a:pPr algn="ctr"/>
-            <a:r>
-              <a:rPr lang="en-US" sz="2000" dirty="0">
-                <a:solidFill>
-                  <a:schemeClr val="tx1"/>
-                </a:solidFill>
-              </a:rPr>
-              <a:t>Land Use</a:t>
-            </a:r>
-          </a:p>
-        </p:txBody>
-      </p:sp>
-      <p:sp>
-        <p:nvSpPr>
-          <p:cNvPr id="3" name="TextBox 2">
-            <a:extLst>
-              <a:ext uri="{FF2B5EF4-FFF2-40B4-BE49-F238E27FC236}">
-                <a16:creationId xmlns:a16="http://schemas.microsoft.com/office/drawing/2014/main" id="{4D72BCE1-5BF6-41CD-8834-538CF797C4E0}"/>
-              </a:ext>
-            </a:extLst>
-          </p:cNvPr>
-          <p:cNvSpPr txBox="1"/>
-          <p:nvPr/>
-        </p:nvSpPr>
-        <p:spPr>
-          <a:xfrm>
-            <a:off x="4693638" y="2726285"/>
-            <a:ext cx="1127168" cy="461665"/>
-          </a:xfrm>
-          <a:prstGeom prst="rect">
-            <a:avLst/>
-          </a:prstGeom>
-          <a:noFill/>
-        </p:spPr>
-        <p:txBody>
-          <a:bodyPr wrap="none" rtlCol="0">
-            <a:spAutoFit/>
-          </a:bodyPr>
-          <a:lstStyle/>
-          <a:p>
-            <a:r>
-              <a:rPr lang="en-US" sz="2400" dirty="0">
-                <a:solidFill>
-                  <a:schemeClr val="bg1"/>
-                </a:solidFill>
-              </a:rPr>
-              <a:t>Teranet</a:t>
-            </a:r>
-            <a:endParaRPr lang="en-CA" sz="2400" dirty="0">
-              <a:solidFill>
-                <a:schemeClr val="bg1"/>
-              </a:solidFill>
-            </a:endParaRPr>
-          </a:p>
-        </p:txBody>
-      </p:sp>
-      <p:sp>
-        <p:nvSpPr>
-          <p:cNvPr id="10" name="Cylinder 9">
-            <a:extLst>
-              <a:ext uri="{FF2B5EF4-FFF2-40B4-BE49-F238E27FC236}">
-                <a16:creationId xmlns:a16="http://schemas.microsoft.com/office/drawing/2014/main" id="{29BA0622-DB6B-4338-9FE5-60A6F70C8FBA}"/>
-              </a:ext>
-            </a:extLst>
-          </p:cNvPr>
-          <p:cNvSpPr/>
-          <p:nvPr/>
-        </p:nvSpPr>
-        <p:spPr>
-          <a:xfrm>
-            <a:off x="7340670" y="6237666"/>
-            <a:ext cx="940038" cy="567778"/>
-          </a:xfrm>
-          <a:prstGeom prst="can">
-            <a:avLst/>
-          </a:prstGeom>
-          <a:solidFill>
-            <a:schemeClr val="accent2">
-              <a:lumMod val="40000"/>
-              <a:lumOff val="60000"/>
-            </a:schemeClr>
-          </a:solidFill>
-        </p:spPr>
-        <p:style>
-          <a:lnRef idx="2">
-            <a:schemeClr val="accent1">
-              <a:shade val="50000"/>
-            </a:schemeClr>
-          </a:lnRef>
-          <a:fillRef idx="1">
-            <a:schemeClr val="accent1"/>
-          </a:fillRef>
-          <a:effectRef idx="0">
-            <a:schemeClr val="accent1"/>
-          </a:effectRef>
-          <a:fontRef idx="minor">
-            <a:schemeClr val="lt1"/>
-          </a:fontRef>
-        </p:style>
-        <p:txBody>
-          <a:bodyPr rtlCol="0" anchor="ctr"/>
-          <a:lstStyle/>
-          <a:p>
-            <a:pPr algn="ctr"/>
-            <a:r>
-              <a:rPr lang="en-US" sz="2400" dirty="0">
-                <a:solidFill>
-                  <a:schemeClr val="tx1"/>
-                </a:solidFill>
-              </a:rPr>
-              <a:t>EPOI</a:t>
-            </a:r>
+              <a:t>class 3</a:t>
+            </a:r>
+            <a:r>
+              <a:rPr lang="en-US" sz="3600" b="1" dirty="0"/>
+              <a:t>: other (examples)</a:t>
+            </a:r>
+            <a:endParaRPr lang="en-CA" sz="3600" b="1" dirty="0"/>
           </a:p>
         </p:txBody>
       </p:sp>
       <p:cxnSp>
         <p:nvCxnSpPr>
-          <p:cNvPr id="12" name="Straight Connector 11">
-            <a:extLst>
-              <a:ext uri="{FF2B5EF4-FFF2-40B4-BE49-F238E27FC236}">
-                <a16:creationId xmlns:a16="http://schemas.microsoft.com/office/drawing/2014/main" id="{7B111B3C-F5BC-4DE5-9868-C77C0F4A27E1}"/>
-              </a:ext>
-            </a:extLst>
-          </p:cNvPr>
-          <p:cNvCxnSpPr>
-            <a:cxnSpLocks/>
-          </p:cNvCxnSpPr>
+          <p:cNvPr id="9" name="Straight Connector 8">
+            <a:extLst>
+              <a:ext uri="{FF2B5EF4-FFF2-40B4-BE49-F238E27FC236}">
+                <a16:creationId xmlns:a16="http://schemas.microsoft.com/office/drawing/2014/main" id="{8FBE80E9-812C-4377-8196-B822DBCA5223}"/>
+              </a:ext>
+            </a:extLst>
+          </p:cNvPr>
+          <p:cNvCxnSpPr/>
           <p:nvPr/>
         </p:nvCxnSpPr>
         <p:spPr>
-          <a:xfrm flipV="1">
-            <a:off x="5122473" y="4322219"/>
-            <a:ext cx="17285" cy="1581240"/>
+          <a:xfrm>
+            <a:off x="2035175" y="-85725"/>
+            <a:ext cx="0" cy="7515225"/>
           </a:xfrm>
           <a:prstGeom prst="line">
             <a:avLst/>
           </a:prstGeom>
-          <a:ln w="38100">
-            <a:prstDash val="dash"/>
-          </a:ln>
-        </p:spPr>
-        <p:style>
-          <a:lnRef idx="1">
-            <a:schemeClr val="accent1"/>
-          </a:lnRef>
-          <a:fillRef idx="0">
-            <a:schemeClr val="accent1"/>
-          </a:fillRef>
-          <a:effectRef idx="0">
-            <a:schemeClr val="accent1"/>
-          </a:effectRef>
-          <a:fontRef idx="minor">
-            <a:schemeClr val="tx1"/>
-          </a:fontRef>
-        </p:style>
-      </p:cxnSp>
-      <p:sp>
-        <p:nvSpPr>
-          <p:cNvPr id="14" name="TextBox 13">
-            <a:extLst>
-              <a:ext uri="{FF2B5EF4-FFF2-40B4-BE49-F238E27FC236}">
-                <a16:creationId xmlns:a16="http://schemas.microsoft.com/office/drawing/2014/main" id="{5F1D8E1C-AEC5-49B0-A3A9-F47989A66E02}"/>
-              </a:ext>
-            </a:extLst>
-          </p:cNvPr>
-          <p:cNvSpPr txBox="1"/>
-          <p:nvPr/>
-        </p:nvSpPr>
-        <p:spPr>
-          <a:xfrm>
-            <a:off x="5232952" y="4389867"/>
-            <a:ext cx="1072730" cy="369332"/>
-          </a:xfrm>
-          <a:prstGeom prst="rect">
-            <a:avLst/>
-          </a:prstGeom>
-          <a:solidFill>
-            <a:schemeClr val="accent1">
-              <a:lumMod val="40000"/>
-              <a:lumOff val="60000"/>
-            </a:schemeClr>
-          </a:solidFill>
-        </p:spPr>
-        <p:txBody>
-          <a:bodyPr wrap="none" rtlCol="0">
-            <a:spAutoFit/>
-          </a:bodyPr>
-          <a:lstStyle/>
-          <a:p>
-            <a:r>
-              <a:rPr lang="en-US" b="1" i="1" dirty="0"/>
-              <a:t>fk:</a:t>
-            </a:r>
-            <a:r>
-              <a:rPr lang="en-US" dirty="0"/>
-              <a:t> pin_lu</a:t>
-            </a:r>
-            <a:endParaRPr lang="en-CA" dirty="0"/>
-          </a:p>
-        </p:txBody>
-      </p:sp>
-      <p:sp>
-        <p:nvSpPr>
-          <p:cNvPr id="15" name="TextBox 14">
-            <a:extLst>
-              <a:ext uri="{FF2B5EF4-FFF2-40B4-BE49-F238E27FC236}">
-                <a16:creationId xmlns:a16="http://schemas.microsoft.com/office/drawing/2014/main" id="{3FC96E0A-966B-4CD0-8AFA-5BF833EA02C2}"/>
-              </a:ext>
-            </a:extLst>
-          </p:cNvPr>
-          <p:cNvSpPr txBox="1"/>
-          <p:nvPr/>
-        </p:nvSpPr>
-        <p:spPr>
-          <a:xfrm>
-            <a:off x="5612982" y="4759199"/>
-            <a:ext cx="701346" cy="369332"/>
-          </a:xfrm>
-          <a:prstGeom prst="rect">
-            <a:avLst/>
-          </a:prstGeom>
-          <a:solidFill>
-            <a:schemeClr val="bg1">
-              <a:lumMod val="75000"/>
-            </a:schemeClr>
-          </a:solidFill>
-        </p:spPr>
-        <p:txBody>
-          <a:bodyPr wrap="none" rtlCol="0">
-            <a:spAutoFit/>
-          </a:bodyPr>
-          <a:lstStyle/>
-          <a:p>
-            <a:r>
-              <a:rPr lang="en-US" dirty="0"/>
-              <a:t>many</a:t>
-            </a:r>
-            <a:endParaRPr lang="en-CA" dirty="0"/>
-          </a:p>
-        </p:txBody>
-      </p:sp>
-      <p:sp>
-        <p:nvSpPr>
-          <p:cNvPr id="16" name="TextBox 15">
-            <a:extLst>
-              <a:ext uri="{FF2B5EF4-FFF2-40B4-BE49-F238E27FC236}">
-                <a16:creationId xmlns:a16="http://schemas.microsoft.com/office/drawing/2014/main" id="{778D7843-DAFC-4B40-99A9-E730A2C36AD8}"/>
-              </a:ext>
-            </a:extLst>
-          </p:cNvPr>
-          <p:cNvSpPr txBox="1"/>
-          <p:nvPr/>
-        </p:nvSpPr>
-        <p:spPr>
-          <a:xfrm>
-            <a:off x="6891483" y="3580561"/>
-            <a:ext cx="861133" cy="369332"/>
-          </a:xfrm>
-          <a:prstGeom prst="rect">
-            <a:avLst/>
-          </a:prstGeom>
-          <a:solidFill>
-            <a:schemeClr val="accent2">
-              <a:lumMod val="60000"/>
-              <a:lumOff val="40000"/>
-            </a:schemeClr>
-          </a:solidFill>
-        </p:spPr>
-        <p:txBody>
-          <a:bodyPr wrap="none" rtlCol="0">
-            <a:spAutoFit/>
-          </a:bodyPr>
-          <a:lstStyle/>
-          <a:p>
-            <a:r>
-              <a:rPr lang="en-US" b="1" i="1" dirty="0"/>
-              <a:t>pk:</a:t>
-            </a:r>
-            <a:r>
-              <a:rPr lang="en-US" dirty="0"/>
-              <a:t> PIN</a:t>
-            </a:r>
-            <a:endParaRPr lang="en-CA" dirty="0"/>
-          </a:p>
-        </p:txBody>
-      </p:sp>
-      <p:sp>
-        <p:nvSpPr>
-          <p:cNvPr id="17" name="TextBox 16">
-            <a:extLst>
-              <a:ext uri="{FF2B5EF4-FFF2-40B4-BE49-F238E27FC236}">
-                <a16:creationId xmlns:a16="http://schemas.microsoft.com/office/drawing/2014/main" id="{D6754335-5022-4556-9B70-3E556D3B9C00}"/>
-              </a:ext>
-            </a:extLst>
-          </p:cNvPr>
-          <p:cNvSpPr txBox="1"/>
-          <p:nvPr/>
-        </p:nvSpPr>
-        <p:spPr>
-          <a:xfrm>
-            <a:off x="7889983" y="3580561"/>
-            <a:ext cx="543739" cy="369332"/>
-          </a:xfrm>
-          <a:prstGeom prst="rect">
-            <a:avLst/>
-          </a:prstGeom>
-          <a:solidFill>
-            <a:schemeClr val="accent3">
-              <a:lumMod val="20000"/>
-              <a:lumOff val="80000"/>
-            </a:schemeClr>
-          </a:solidFill>
-        </p:spPr>
-        <p:txBody>
-          <a:bodyPr wrap="none" rtlCol="0">
-            <a:spAutoFit/>
-          </a:bodyPr>
-          <a:lstStyle/>
-          <a:p>
-            <a:r>
-              <a:rPr lang="en-US" dirty="0"/>
-              <a:t>one</a:t>
-            </a:r>
-            <a:endParaRPr lang="en-CA" dirty="0"/>
-          </a:p>
-        </p:txBody>
-      </p:sp>
-      <p:cxnSp>
-        <p:nvCxnSpPr>
-          <p:cNvPr id="18" name="Straight Connector 17">
-            <a:extLst>
-              <a:ext uri="{FF2B5EF4-FFF2-40B4-BE49-F238E27FC236}">
-                <a16:creationId xmlns:a16="http://schemas.microsoft.com/office/drawing/2014/main" id="{F8555F29-1333-416E-94C7-9250D5638EAF}"/>
-              </a:ext>
-            </a:extLst>
-          </p:cNvPr>
-          <p:cNvCxnSpPr>
-            <a:cxnSpLocks/>
-            <a:stCxn id="10" idx="1"/>
-          </p:cNvCxnSpPr>
-          <p:nvPr/>
-        </p:nvCxnSpPr>
-        <p:spPr>
-          <a:xfrm flipH="1" flipV="1">
-            <a:off x="7806769" y="5256488"/>
-            <a:ext cx="3920" cy="981178"/>
-          </a:xfrm>
-          <a:prstGeom prst="line">
-            <a:avLst/>
-          </a:prstGeom>
-          <a:ln w="38100">
-            <a:solidFill>
-              <a:schemeClr val="accent6"/>
-            </a:solidFill>
-            <a:prstDash val="dash"/>
-          </a:ln>
-        </p:spPr>
-        <p:style>
-          <a:lnRef idx="1">
-            <a:schemeClr val="accent1"/>
-          </a:lnRef>
-          <a:fillRef idx="0">
-            <a:schemeClr val="accent1"/>
-          </a:fillRef>
-          <a:effectRef idx="0">
-            <a:schemeClr val="accent1"/>
-          </a:effectRef>
-          <a:fontRef idx="minor">
-            <a:schemeClr val="tx1"/>
-          </a:fontRef>
-        </p:style>
-      </p:cxnSp>
-      <p:sp>
-        <p:nvSpPr>
-          <p:cNvPr id="23" name="TextBox 22">
-            <a:extLst>
-              <a:ext uri="{FF2B5EF4-FFF2-40B4-BE49-F238E27FC236}">
-                <a16:creationId xmlns:a16="http://schemas.microsoft.com/office/drawing/2014/main" id="{F228042F-A86F-46F2-B5EA-EF531AA46810}"/>
-              </a:ext>
-            </a:extLst>
-          </p:cNvPr>
-          <p:cNvSpPr txBox="1"/>
-          <p:nvPr/>
-        </p:nvSpPr>
-        <p:spPr>
-          <a:xfrm>
-            <a:off x="7889983" y="5795168"/>
-            <a:ext cx="701346" cy="369332"/>
-          </a:xfrm>
-          <a:prstGeom prst="rect">
-            <a:avLst/>
-          </a:prstGeom>
-          <a:solidFill>
-            <a:schemeClr val="bg1">
-              <a:lumMod val="75000"/>
-            </a:schemeClr>
-          </a:solidFill>
-        </p:spPr>
-        <p:txBody>
-          <a:bodyPr wrap="none" rtlCol="0">
-            <a:spAutoFit/>
-          </a:bodyPr>
-          <a:lstStyle/>
-          <a:p>
-            <a:r>
-              <a:rPr lang="en-US" dirty="0"/>
-              <a:t>many</a:t>
-            </a:r>
-            <a:endParaRPr lang="en-CA" dirty="0"/>
-          </a:p>
-        </p:txBody>
-      </p:sp>
-      <p:sp>
-        <p:nvSpPr>
-          <p:cNvPr id="24" name="TextBox 23">
-            <a:extLst>
-              <a:ext uri="{FF2B5EF4-FFF2-40B4-BE49-F238E27FC236}">
-                <a16:creationId xmlns:a16="http://schemas.microsoft.com/office/drawing/2014/main" id="{92ADE541-4AF4-42C3-BFC0-25C289D05897}"/>
-              </a:ext>
-            </a:extLst>
-          </p:cNvPr>
-          <p:cNvSpPr txBox="1"/>
-          <p:nvPr/>
-        </p:nvSpPr>
-        <p:spPr>
-          <a:xfrm>
-            <a:off x="6931557" y="5809631"/>
-            <a:ext cx="811441" cy="369332"/>
-          </a:xfrm>
-          <a:prstGeom prst="rect">
-            <a:avLst/>
-          </a:prstGeom>
-          <a:solidFill>
-            <a:schemeClr val="accent1">
-              <a:lumMod val="40000"/>
-              <a:lumOff val="60000"/>
-            </a:schemeClr>
-          </a:solidFill>
-        </p:spPr>
-        <p:txBody>
-          <a:bodyPr wrap="none" rtlCol="0">
-            <a:spAutoFit/>
-          </a:bodyPr>
-          <a:lstStyle/>
-          <a:p>
-            <a:r>
-              <a:rPr lang="en-US" b="1" i="1" dirty="0"/>
-              <a:t>fk:</a:t>
-            </a:r>
-            <a:r>
-              <a:rPr lang="en-US" dirty="0"/>
-              <a:t> PIN</a:t>
-            </a:r>
-            <a:endParaRPr lang="en-CA" dirty="0"/>
-          </a:p>
-        </p:txBody>
-      </p:sp>
-      <p:sp>
-        <p:nvSpPr>
-          <p:cNvPr id="25" name="TextBox 24">
-            <a:extLst>
-              <a:ext uri="{FF2B5EF4-FFF2-40B4-BE49-F238E27FC236}">
-                <a16:creationId xmlns:a16="http://schemas.microsoft.com/office/drawing/2014/main" id="{8F2CD28B-2A2C-4ECD-90E7-0BE5EB3E29F2}"/>
-              </a:ext>
-            </a:extLst>
-          </p:cNvPr>
-          <p:cNvSpPr txBox="1"/>
-          <p:nvPr/>
-        </p:nvSpPr>
-        <p:spPr>
-          <a:xfrm>
-            <a:off x="7889983" y="5369127"/>
-            <a:ext cx="543739" cy="369332"/>
-          </a:xfrm>
-          <a:prstGeom prst="rect">
-            <a:avLst/>
-          </a:prstGeom>
-          <a:solidFill>
-            <a:schemeClr val="bg1">
-              <a:lumMod val="95000"/>
-            </a:schemeClr>
-          </a:solidFill>
-        </p:spPr>
-        <p:txBody>
-          <a:bodyPr wrap="none" rtlCol="0">
-            <a:spAutoFit/>
-          </a:bodyPr>
-          <a:lstStyle/>
-          <a:p>
-            <a:r>
-              <a:rPr lang="en-US" dirty="0"/>
-              <a:t>one</a:t>
-            </a:r>
-            <a:endParaRPr lang="en-CA" dirty="0"/>
-          </a:p>
-        </p:txBody>
-      </p:sp>
-      <p:cxnSp>
-        <p:nvCxnSpPr>
-          <p:cNvPr id="26" name="Straight Connector 25">
-            <a:extLst>
-              <a:ext uri="{FF2B5EF4-FFF2-40B4-BE49-F238E27FC236}">
-                <a16:creationId xmlns:a16="http://schemas.microsoft.com/office/drawing/2014/main" id="{2C6422C4-2641-40BB-8CE4-047811EC2273}"/>
-              </a:ext>
-            </a:extLst>
-          </p:cNvPr>
-          <p:cNvCxnSpPr>
-            <a:cxnSpLocks/>
-          </p:cNvCxnSpPr>
-          <p:nvPr/>
-        </p:nvCxnSpPr>
-        <p:spPr>
-          <a:xfrm flipH="1">
-            <a:off x="3993266" y="2200649"/>
-            <a:ext cx="394100" cy="0"/>
-          </a:xfrm>
-          <a:prstGeom prst="line">
-            <a:avLst/>
-          </a:prstGeom>
-          <a:ln w="38100">
-            <a:prstDash val="dash"/>
-          </a:ln>
-        </p:spPr>
-        <p:style>
-          <a:lnRef idx="1">
-            <a:schemeClr val="accent1"/>
-          </a:lnRef>
-          <a:fillRef idx="0">
-            <a:schemeClr val="accent1"/>
-          </a:fillRef>
-          <a:effectRef idx="0">
-            <a:schemeClr val="accent1"/>
-          </a:effectRef>
-          <a:fontRef idx="minor">
-            <a:schemeClr val="tx1"/>
-          </a:fontRef>
-        </p:style>
-      </p:cxnSp>
-      <p:sp>
-        <p:nvSpPr>
-          <p:cNvPr id="30" name="TextBox 29">
-            <a:extLst>
-              <a:ext uri="{FF2B5EF4-FFF2-40B4-BE49-F238E27FC236}">
-                <a16:creationId xmlns:a16="http://schemas.microsoft.com/office/drawing/2014/main" id="{9D5BF42D-9207-4A7D-A939-EBC93BE6318F}"/>
-              </a:ext>
-            </a:extLst>
-          </p:cNvPr>
-          <p:cNvSpPr txBox="1"/>
-          <p:nvPr/>
-        </p:nvSpPr>
-        <p:spPr>
-          <a:xfrm>
-            <a:off x="3186515" y="1675007"/>
-            <a:ext cx="1015021" cy="369332"/>
-          </a:xfrm>
-          <a:prstGeom prst="rect">
-            <a:avLst/>
-          </a:prstGeom>
-          <a:solidFill>
-            <a:schemeClr val="accent1">
-              <a:lumMod val="40000"/>
-              <a:lumOff val="60000"/>
-            </a:schemeClr>
-          </a:solidFill>
-        </p:spPr>
-        <p:txBody>
-          <a:bodyPr wrap="none" rtlCol="0">
-            <a:spAutoFit/>
-          </a:bodyPr>
-          <a:lstStyle/>
-          <a:p>
-            <a:r>
-              <a:rPr lang="en-US" b="1" i="1" dirty="0"/>
-              <a:t>fk:</a:t>
-            </a:r>
-            <a:r>
-              <a:rPr lang="en-US" dirty="0"/>
-              <a:t> dauid</a:t>
-            </a:r>
-            <a:endParaRPr lang="en-CA" dirty="0"/>
-          </a:p>
-        </p:txBody>
-      </p:sp>
-      <p:sp>
-        <p:nvSpPr>
-          <p:cNvPr id="32" name="TextBox 31">
-            <a:extLst>
-              <a:ext uri="{FF2B5EF4-FFF2-40B4-BE49-F238E27FC236}">
-                <a16:creationId xmlns:a16="http://schemas.microsoft.com/office/drawing/2014/main" id="{DDE8DAC6-F842-4665-A838-399F69030D97}"/>
-              </a:ext>
-            </a:extLst>
-          </p:cNvPr>
-          <p:cNvSpPr txBox="1"/>
-          <p:nvPr/>
-        </p:nvSpPr>
-        <p:spPr>
-          <a:xfrm>
-            <a:off x="2187355" y="1953048"/>
-            <a:ext cx="1895199" cy="461665"/>
-          </a:xfrm>
-          <a:prstGeom prst="rect">
-            <a:avLst/>
-          </a:prstGeom>
-          <a:noFill/>
-        </p:spPr>
-        <p:txBody>
-          <a:bodyPr wrap="none" rtlCol="0">
-            <a:spAutoFit/>
-          </a:bodyPr>
-          <a:lstStyle/>
-          <a:p>
-            <a:r>
-              <a:rPr lang="en-US" sz="2400" b="1" dirty="0"/>
-              <a:t>DA-level data</a:t>
-            </a:r>
-            <a:endParaRPr lang="en-CA" sz="2400" b="1" dirty="0"/>
-          </a:p>
-        </p:txBody>
-      </p:sp>
-      <p:sp>
-        <p:nvSpPr>
-          <p:cNvPr id="39" name="Cylinder 38">
-            <a:extLst>
-              <a:ext uri="{FF2B5EF4-FFF2-40B4-BE49-F238E27FC236}">
-                <a16:creationId xmlns:a16="http://schemas.microsoft.com/office/drawing/2014/main" id="{20C92DE8-77AD-41C6-8BE2-71BC5721CED3}"/>
-              </a:ext>
-            </a:extLst>
-          </p:cNvPr>
-          <p:cNvSpPr/>
-          <p:nvPr/>
-        </p:nvSpPr>
-        <p:spPr>
-          <a:xfrm>
-            <a:off x="346713" y="1703100"/>
-            <a:ext cx="1454768" cy="1417545"/>
-          </a:xfrm>
-          <a:prstGeom prst="can">
-            <a:avLst/>
-          </a:prstGeom>
-          <a:solidFill>
-            <a:schemeClr val="accent4">
-              <a:lumMod val="40000"/>
-              <a:lumOff val="60000"/>
-            </a:schemeClr>
-          </a:solidFill>
-        </p:spPr>
-        <p:style>
-          <a:lnRef idx="2">
-            <a:schemeClr val="accent1">
-              <a:shade val="50000"/>
-            </a:schemeClr>
-          </a:lnRef>
-          <a:fillRef idx="1">
-            <a:schemeClr val="accent1"/>
-          </a:fillRef>
-          <a:effectRef idx="0">
-            <a:schemeClr val="accent1"/>
-          </a:effectRef>
-          <a:fontRef idx="minor">
-            <a:schemeClr val="lt1"/>
-          </a:fontRef>
-        </p:style>
-        <p:txBody>
-          <a:bodyPr rtlCol="0" anchor="ctr"/>
-          <a:lstStyle/>
-          <a:p>
-            <a:pPr algn="ctr"/>
-            <a:r>
-              <a:rPr lang="en-US" sz="2000" dirty="0">
-                <a:solidFill>
-                  <a:schemeClr val="tx1"/>
-                </a:solidFill>
-              </a:rPr>
-              <a:t>Census</a:t>
-            </a:r>
-          </a:p>
-        </p:txBody>
-      </p:sp>
-      <p:sp>
-        <p:nvSpPr>
-          <p:cNvPr id="44" name="TextBox 43">
-            <a:extLst>
-              <a:ext uri="{FF2B5EF4-FFF2-40B4-BE49-F238E27FC236}">
-                <a16:creationId xmlns:a16="http://schemas.microsoft.com/office/drawing/2014/main" id="{46445020-4F12-40B3-A2E9-5BE153BF39F9}"/>
-              </a:ext>
-            </a:extLst>
-          </p:cNvPr>
-          <p:cNvSpPr txBox="1"/>
-          <p:nvPr/>
-        </p:nvSpPr>
-        <p:spPr>
-          <a:xfrm>
-            <a:off x="3968827" y="5873056"/>
-            <a:ext cx="2296013" cy="461665"/>
-          </a:xfrm>
-          <a:prstGeom prst="rect">
-            <a:avLst/>
-          </a:prstGeom>
-          <a:noFill/>
-        </p:spPr>
-        <p:txBody>
-          <a:bodyPr wrap="none" rtlCol="0">
-            <a:spAutoFit/>
-          </a:bodyPr>
-          <a:lstStyle/>
-          <a:p>
-            <a:r>
-              <a:rPr lang="en-US" sz="2400" b="1" dirty="0"/>
-              <a:t>Parcel-level data</a:t>
-            </a:r>
-            <a:endParaRPr lang="en-CA" sz="2400" b="1" dirty="0"/>
-          </a:p>
-        </p:txBody>
-      </p:sp>
-      <p:cxnSp>
-        <p:nvCxnSpPr>
-          <p:cNvPr id="59" name="Connector: Elbow 58">
-            <a:extLst>
-              <a:ext uri="{FF2B5EF4-FFF2-40B4-BE49-F238E27FC236}">
-                <a16:creationId xmlns:a16="http://schemas.microsoft.com/office/drawing/2014/main" id="{6CB32477-5625-4237-AA69-CD77E5756217}"/>
-              </a:ext>
-            </a:extLst>
-          </p:cNvPr>
-          <p:cNvCxnSpPr>
-            <a:cxnSpLocks/>
-            <a:stCxn id="150" idx="3"/>
-            <a:endCxn id="72" idx="1"/>
-          </p:cNvCxnSpPr>
-          <p:nvPr/>
-        </p:nvCxnSpPr>
-        <p:spPr>
-          <a:xfrm rot="5400000" flipH="1" flipV="1">
-            <a:off x="742659" y="3587110"/>
-            <a:ext cx="1687770" cy="1036530"/>
-          </a:xfrm>
-          <a:prstGeom prst="bentConnector4">
-            <a:avLst>
-              <a:gd name="adj1" fmla="val -13544"/>
-              <a:gd name="adj2" fmla="val 75442"/>
-            </a:avLst>
-          </a:prstGeom>
-          <a:ln w="38100">
-            <a:solidFill>
-              <a:srgbClr val="4472C4"/>
-            </a:solidFill>
-            <a:prstDash val="dash"/>
-          </a:ln>
         </p:spPr>
         <p:style>
           <a:lnRef idx="1">
@@ -9466,440 +8746,24 @@
       </p:cxnSp>
       <p:cxnSp>
         <p:nvCxnSpPr>
-          <p:cNvPr id="68" name="Straight Connector 67">
-            <a:extLst>
-              <a:ext uri="{FF2B5EF4-FFF2-40B4-BE49-F238E27FC236}">
-                <a16:creationId xmlns:a16="http://schemas.microsoft.com/office/drawing/2014/main" id="{DC63BAD4-5D1A-42D1-9075-EC74699FBE82}"/>
-              </a:ext>
-            </a:extLst>
-          </p:cNvPr>
-          <p:cNvCxnSpPr>
-            <a:cxnSpLocks/>
-          </p:cNvCxnSpPr>
+          <p:cNvPr id="10" name="Straight Connector 9">
+            <a:extLst>
+              <a:ext uri="{FF2B5EF4-FFF2-40B4-BE49-F238E27FC236}">
+                <a16:creationId xmlns:a16="http://schemas.microsoft.com/office/drawing/2014/main" id="{1F549988-DCE8-43F8-BB3A-38D2D770DCF1}"/>
+              </a:ext>
+            </a:extLst>
+          </p:cNvPr>
+          <p:cNvCxnSpPr/>
           <p:nvPr/>
         </p:nvCxnSpPr>
         <p:spPr>
-          <a:xfrm flipH="1">
-            <a:off x="1597306" y="2204037"/>
-            <a:ext cx="656505" cy="0"/>
+          <a:xfrm>
+            <a:off x="9296400" y="-247650"/>
+            <a:ext cx="0" cy="7515225"/>
           </a:xfrm>
           <a:prstGeom prst="line">
             <a:avLst/>
           </a:prstGeom>
-          <a:ln w="38100">
-            <a:prstDash val="dash"/>
-          </a:ln>
-        </p:spPr>
-        <p:style>
-          <a:lnRef idx="1">
-            <a:schemeClr val="accent1"/>
-          </a:lnRef>
-          <a:fillRef idx="0">
-            <a:schemeClr val="accent1"/>
-          </a:fillRef>
-          <a:effectRef idx="0">
-            <a:schemeClr val="accent1"/>
-          </a:effectRef>
-          <a:fontRef idx="minor">
-            <a:schemeClr val="tx1"/>
-          </a:fontRef>
-        </p:style>
-      </p:cxnSp>
-      <p:sp>
-        <p:nvSpPr>
-          <p:cNvPr id="70" name="TextBox 69">
-            <a:extLst>
-              <a:ext uri="{FF2B5EF4-FFF2-40B4-BE49-F238E27FC236}">
-                <a16:creationId xmlns:a16="http://schemas.microsoft.com/office/drawing/2014/main" id="{8C508D64-0BE5-43B5-AD94-250686AFDE0D}"/>
-              </a:ext>
-            </a:extLst>
-          </p:cNvPr>
-          <p:cNvSpPr txBox="1"/>
-          <p:nvPr/>
-        </p:nvSpPr>
-        <p:spPr>
-          <a:xfrm>
-            <a:off x="1895351" y="1675007"/>
-            <a:ext cx="1055097" cy="369332"/>
-          </a:xfrm>
-          <a:prstGeom prst="rect">
-            <a:avLst/>
-          </a:prstGeom>
-          <a:solidFill>
-            <a:schemeClr val="accent2">
-              <a:lumMod val="60000"/>
-              <a:lumOff val="40000"/>
-            </a:schemeClr>
-          </a:solidFill>
-        </p:spPr>
-        <p:txBody>
-          <a:bodyPr wrap="none" rtlCol="0">
-            <a:spAutoFit/>
-          </a:bodyPr>
-          <a:lstStyle/>
-          <a:p>
-            <a:r>
-              <a:rPr lang="en-US" b="1" i="1" dirty="0"/>
-              <a:t>pk:</a:t>
-            </a:r>
-            <a:r>
-              <a:rPr lang="en-US" dirty="0"/>
-              <a:t> dauid</a:t>
-            </a:r>
-            <a:endParaRPr lang="en-CA" dirty="0"/>
-          </a:p>
-        </p:txBody>
-      </p:sp>
-      <p:cxnSp>
-        <p:nvCxnSpPr>
-          <p:cNvPr id="71" name="Straight Connector 70">
-            <a:extLst>
-              <a:ext uri="{FF2B5EF4-FFF2-40B4-BE49-F238E27FC236}">
-                <a16:creationId xmlns:a16="http://schemas.microsoft.com/office/drawing/2014/main" id="{BC1B78F9-4E0F-474C-B41A-0F87D5421C56}"/>
-              </a:ext>
-            </a:extLst>
-          </p:cNvPr>
-          <p:cNvCxnSpPr>
-            <a:cxnSpLocks/>
-          </p:cNvCxnSpPr>
-          <p:nvPr/>
-        </p:nvCxnSpPr>
-        <p:spPr>
-          <a:xfrm flipH="1">
-            <a:off x="3990185" y="3224210"/>
-            <a:ext cx="394100" cy="0"/>
-          </a:xfrm>
-          <a:prstGeom prst="line">
-            <a:avLst/>
-          </a:prstGeom>
-          <a:ln w="38100">
-            <a:prstDash val="dash"/>
-          </a:ln>
-        </p:spPr>
-        <p:style>
-          <a:lnRef idx="1">
-            <a:schemeClr val="accent1"/>
-          </a:lnRef>
-          <a:fillRef idx="0">
-            <a:schemeClr val="accent1"/>
-          </a:fillRef>
-          <a:effectRef idx="0">
-            <a:schemeClr val="accent1"/>
-          </a:effectRef>
-          <a:fontRef idx="minor">
-            <a:schemeClr val="tx1"/>
-          </a:fontRef>
-        </p:style>
-      </p:cxnSp>
-      <p:sp>
-        <p:nvSpPr>
-          <p:cNvPr id="72" name="TextBox 71">
-            <a:extLst>
-              <a:ext uri="{FF2B5EF4-FFF2-40B4-BE49-F238E27FC236}">
-                <a16:creationId xmlns:a16="http://schemas.microsoft.com/office/drawing/2014/main" id="{91E99F9F-77BF-44D7-AC17-DBE08500AF38}"/>
-              </a:ext>
-            </a:extLst>
-          </p:cNvPr>
-          <p:cNvSpPr txBox="1"/>
-          <p:nvPr/>
-        </p:nvSpPr>
-        <p:spPr>
-          <a:xfrm>
-            <a:off x="2104809" y="3030657"/>
-            <a:ext cx="1984069" cy="461665"/>
-          </a:xfrm>
-          <a:prstGeom prst="rect">
-            <a:avLst/>
-          </a:prstGeom>
-          <a:noFill/>
-        </p:spPr>
-        <p:txBody>
-          <a:bodyPr wrap="none" rtlCol="0">
-            <a:spAutoFit/>
-          </a:bodyPr>
-          <a:lstStyle/>
-          <a:p>
-            <a:r>
-              <a:rPr lang="en-US" sz="2400" b="1" dirty="0"/>
-              <a:t>TAZ-level data</a:t>
-            </a:r>
-            <a:endParaRPr lang="en-CA" sz="2400" b="1" dirty="0"/>
-          </a:p>
-        </p:txBody>
-      </p:sp>
-      <p:sp>
-        <p:nvSpPr>
-          <p:cNvPr id="78" name="TextBox 77">
-            <a:extLst>
-              <a:ext uri="{FF2B5EF4-FFF2-40B4-BE49-F238E27FC236}">
-                <a16:creationId xmlns:a16="http://schemas.microsoft.com/office/drawing/2014/main" id="{CE1049E3-D3CC-41D4-B2C0-A03E06B7C50A}"/>
-              </a:ext>
-            </a:extLst>
-          </p:cNvPr>
-          <p:cNvSpPr txBox="1"/>
-          <p:nvPr/>
-        </p:nvSpPr>
-        <p:spPr>
-          <a:xfrm>
-            <a:off x="3184753" y="2708454"/>
-            <a:ext cx="999376" cy="369332"/>
-          </a:xfrm>
-          <a:prstGeom prst="rect">
-            <a:avLst/>
-          </a:prstGeom>
-          <a:solidFill>
-            <a:schemeClr val="accent1">
-              <a:lumMod val="40000"/>
-              <a:lumOff val="60000"/>
-            </a:schemeClr>
-          </a:solidFill>
-        </p:spPr>
-        <p:txBody>
-          <a:bodyPr wrap="none" rtlCol="0">
-            <a:spAutoFit/>
-          </a:bodyPr>
-          <a:lstStyle/>
-          <a:p>
-            <a:r>
-              <a:rPr lang="en-US" b="1" i="1" dirty="0"/>
-              <a:t>fk:</a:t>
-            </a:r>
-            <a:r>
-              <a:rPr lang="en-US" dirty="0"/>
-              <a:t> taz_o</a:t>
-            </a:r>
-            <a:endParaRPr lang="en-CA" dirty="0"/>
-          </a:p>
-        </p:txBody>
-      </p:sp>
-      <p:sp>
-        <p:nvSpPr>
-          <p:cNvPr id="82" name="TextBox 81">
-            <a:extLst>
-              <a:ext uri="{FF2B5EF4-FFF2-40B4-BE49-F238E27FC236}">
-                <a16:creationId xmlns:a16="http://schemas.microsoft.com/office/drawing/2014/main" id="{0DF59E25-C8CF-44AC-A5C9-273550449044}"/>
-              </a:ext>
-            </a:extLst>
-          </p:cNvPr>
-          <p:cNvSpPr txBox="1"/>
-          <p:nvPr/>
-        </p:nvSpPr>
-        <p:spPr>
-          <a:xfrm>
-            <a:off x="6457047" y="1229352"/>
-            <a:ext cx="3011787" cy="461665"/>
-          </a:xfrm>
-          <a:prstGeom prst="rect">
-            <a:avLst/>
-          </a:prstGeom>
-          <a:noFill/>
-        </p:spPr>
-        <p:txBody>
-          <a:bodyPr wrap="none" rtlCol="0">
-            <a:spAutoFit/>
-          </a:bodyPr>
-          <a:lstStyle/>
-          <a:p>
-            <a:r>
-              <a:rPr lang="en-US" sz="2400" b="1" dirty="0"/>
-              <a:t>postal-code-level data</a:t>
-            </a:r>
-            <a:endParaRPr lang="en-CA" sz="2400" b="1" dirty="0"/>
-          </a:p>
-        </p:txBody>
-      </p:sp>
-      <p:sp>
-        <p:nvSpPr>
-          <p:cNvPr id="83" name="TextBox 82">
-            <a:extLst>
-              <a:ext uri="{FF2B5EF4-FFF2-40B4-BE49-F238E27FC236}">
-                <a16:creationId xmlns:a16="http://schemas.microsoft.com/office/drawing/2014/main" id="{1026FC18-5BEE-48DF-A603-C4ABC109356B}"/>
-              </a:ext>
-            </a:extLst>
-          </p:cNvPr>
-          <p:cNvSpPr txBox="1"/>
-          <p:nvPr/>
-        </p:nvSpPr>
-        <p:spPr>
-          <a:xfrm>
-            <a:off x="7118873" y="905549"/>
-            <a:ext cx="1104470" cy="369332"/>
-          </a:xfrm>
-          <a:prstGeom prst="rect">
-            <a:avLst/>
-          </a:prstGeom>
-          <a:solidFill>
-            <a:schemeClr val="accent1">
-              <a:lumMod val="40000"/>
-              <a:lumOff val="60000"/>
-            </a:schemeClr>
-          </a:solidFill>
-        </p:spPr>
-        <p:txBody>
-          <a:bodyPr wrap="none" rtlCol="0">
-            <a:spAutoFit/>
-          </a:bodyPr>
-          <a:lstStyle/>
-          <a:p>
-            <a:r>
-              <a:rPr lang="en-US" b="1" i="1" dirty="0"/>
-              <a:t>fk:</a:t>
-            </a:r>
-            <a:r>
-              <a:rPr lang="en-US" dirty="0"/>
-              <a:t> pca_id</a:t>
-            </a:r>
-            <a:endParaRPr lang="en-CA" dirty="0"/>
-          </a:p>
-        </p:txBody>
-      </p:sp>
-      <p:sp>
-        <p:nvSpPr>
-          <p:cNvPr id="85" name="TextBox 84">
-            <a:extLst>
-              <a:ext uri="{FF2B5EF4-FFF2-40B4-BE49-F238E27FC236}">
-                <a16:creationId xmlns:a16="http://schemas.microsoft.com/office/drawing/2014/main" id="{80B30D05-F57B-4409-A107-D326BCD363FD}"/>
-              </a:ext>
-            </a:extLst>
-          </p:cNvPr>
-          <p:cNvSpPr txBox="1"/>
-          <p:nvPr/>
-        </p:nvSpPr>
-        <p:spPr>
-          <a:xfrm>
-            <a:off x="6469860" y="2872020"/>
-            <a:ext cx="1987595" cy="461665"/>
-          </a:xfrm>
-          <a:prstGeom prst="rect">
-            <a:avLst/>
-          </a:prstGeom>
-          <a:noFill/>
-        </p:spPr>
-        <p:txBody>
-          <a:bodyPr wrap="none" rtlCol="0">
-            <a:spAutoFit/>
-          </a:bodyPr>
-          <a:lstStyle/>
-          <a:p>
-            <a:r>
-              <a:rPr lang="en-US" sz="2400" b="1" dirty="0"/>
-              <a:t>FSA-level data</a:t>
-            </a:r>
-            <a:endParaRPr lang="en-CA" sz="2400" b="1" dirty="0"/>
-          </a:p>
-        </p:txBody>
-      </p:sp>
-      <p:cxnSp>
-        <p:nvCxnSpPr>
-          <p:cNvPr id="86" name="Straight Connector 85">
-            <a:extLst>
-              <a:ext uri="{FF2B5EF4-FFF2-40B4-BE49-F238E27FC236}">
-                <a16:creationId xmlns:a16="http://schemas.microsoft.com/office/drawing/2014/main" id="{F8920155-C79E-4677-ADC4-CA098B731CE2}"/>
-              </a:ext>
-            </a:extLst>
-          </p:cNvPr>
-          <p:cNvCxnSpPr>
-            <a:cxnSpLocks/>
-          </p:cNvCxnSpPr>
-          <p:nvPr/>
-        </p:nvCxnSpPr>
-        <p:spPr>
-          <a:xfrm flipH="1">
-            <a:off x="5882791" y="3132726"/>
-            <a:ext cx="587070" cy="0"/>
-          </a:xfrm>
-          <a:prstGeom prst="line">
-            <a:avLst/>
-          </a:prstGeom>
-          <a:ln w="38100">
-            <a:prstDash val="dash"/>
-          </a:ln>
-        </p:spPr>
-        <p:style>
-          <a:lnRef idx="1">
-            <a:schemeClr val="accent1"/>
-          </a:lnRef>
-          <a:fillRef idx="0">
-            <a:schemeClr val="accent1"/>
-          </a:fillRef>
-          <a:effectRef idx="0">
-            <a:schemeClr val="accent1"/>
-          </a:effectRef>
-          <a:fontRef idx="minor">
-            <a:schemeClr val="tx1"/>
-          </a:fontRef>
-        </p:style>
-      </p:cxnSp>
-      <p:sp>
-        <p:nvSpPr>
-          <p:cNvPr id="87" name="TextBox 86">
-            <a:extLst>
-              <a:ext uri="{FF2B5EF4-FFF2-40B4-BE49-F238E27FC236}">
-                <a16:creationId xmlns:a16="http://schemas.microsoft.com/office/drawing/2014/main" id="{DE130049-3548-408B-93BA-5D6D1EF49600}"/>
-              </a:ext>
-            </a:extLst>
-          </p:cNvPr>
-          <p:cNvSpPr txBox="1"/>
-          <p:nvPr/>
-        </p:nvSpPr>
-        <p:spPr>
-          <a:xfrm>
-            <a:off x="7109662" y="2550325"/>
-            <a:ext cx="753924" cy="369332"/>
-          </a:xfrm>
-          <a:prstGeom prst="rect">
-            <a:avLst/>
-          </a:prstGeom>
-          <a:solidFill>
-            <a:schemeClr val="accent1">
-              <a:lumMod val="40000"/>
-              <a:lumOff val="60000"/>
-            </a:schemeClr>
-          </a:solidFill>
-        </p:spPr>
-        <p:txBody>
-          <a:bodyPr wrap="none" rtlCol="0">
-            <a:spAutoFit/>
-          </a:bodyPr>
-          <a:lstStyle/>
-          <a:p>
-            <a:r>
-              <a:rPr lang="en-US" b="1" i="1" dirty="0"/>
-              <a:t>fk:</a:t>
-            </a:r>
-            <a:r>
-              <a:rPr lang="en-US" dirty="0"/>
-              <a:t> fsa</a:t>
-            </a:r>
-            <a:endParaRPr lang="en-CA" dirty="0"/>
-          </a:p>
-        </p:txBody>
-      </p:sp>
-      <p:cxnSp>
-        <p:nvCxnSpPr>
-          <p:cNvPr id="88" name="Straight Connector 87">
-            <a:extLst>
-              <a:ext uri="{FF2B5EF4-FFF2-40B4-BE49-F238E27FC236}">
-                <a16:creationId xmlns:a16="http://schemas.microsoft.com/office/drawing/2014/main" id="{F6F7CAC4-CA8D-42A4-983D-DA6F8162A7F5}"/>
-              </a:ext>
-            </a:extLst>
-          </p:cNvPr>
-          <p:cNvCxnSpPr>
-            <a:cxnSpLocks/>
-          </p:cNvCxnSpPr>
-          <p:nvPr/>
-        </p:nvCxnSpPr>
-        <p:spPr>
-          <a:xfrm flipH="1" flipV="1">
-            <a:off x="9478141" y="1476604"/>
-            <a:ext cx="392004" cy="13454"/>
-          </a:xfrm>
-          <a:prstGeom prst="line">
-            <a:avLst/>
-          </a:prstGeom>
-          <a:ln w="38100">
-            <a:prstDash val="dash"/>
-          </a:ln>
         </p:spPr>
         <p:style>
           <a:lnRef idx="1">
@@ -9918,10 +8782,10 @@
       </p:cxnSp>
       <p:cxnSp>
         <p:nvCxnSpPr>
-          <p:cNvPr id="90" name="Straight Connector 89">
-            <a:extLst>
-              <a:ext uri="{FF2B5EF4-FFF2-40B4-BE49-F238E27FC236}">
-                <a16:creationId xmlns:a16="http://schemas.microsoft.com/office/drawing/2014/main" id="{2409693F-7795-4393-ACFF-774DEDDCC1AB}"/>
+          <p:cNvPr id="11" name="Straight Connector 10">
+            <a:extLst>
+              <a:ext uri="{FF2B5EF4-FFF2-40B4-BE49-F238E27FC236}">
+                <a16:creationId xmlns:a16="http://schemas.microsoft.com/office/drawing/2014/main" id="{92618CD3-F28D-47C7-AE6C-179B06688C17}"/>
               </a:ext>
             </a:extLst>
           </p:cNvPr>
@@ -9931,143 +8795,13 @@
           <p:nvPr/>
         </p:nvCxnSpPr>
         <p:spPr>
-          <a:xfrm flipH="1" flipV="1">
-            <a:off x="8441641" y="3121030"/>
-            <a:ext cx="1419757" cy="6096"/>
+          <a:xfrm>
+            <a:off x="-618929" y="809625"/>
+            <a:ext cx="10852150" cy="0"/>
           </a:xfrm>
           <a:prstGeom prst="line">
             <a:avLst/>
           </a:prstGeom>
-          <a:ln w="38100">
-            <a:prstDash val="dash"/>
-          </a:ln>
-        </p:spPr>
-        <p:style>
-          <a:lnRef idx="1">
-            <a:schemeClr val="accent1"/>
-          </a:lnRef>
-          <a:fillRef idx="0">
-            <a:schemeClr val="accent1"/>
-          </a:fillRef>
-          <a:effectRef idx="0">
-            <a:schemeClr val="accent1"/>
-          </a:effectRef>
-          <a:fontRef idx="minor">
-            <a:schemeClr val="tx1"/>
-          </a:fontRef>
-        </p:style>
-      </p:cxnSp>
-      <p:sp>
-        <p:nvSpPr>
-          <p:cNvPr id="91" name="TextBox 90">
-            <a:extLst>
-              <a:ext uri="{FF2B5EF4-FFF2-40B4-BE49-F238E27FC236}">
-                <a16:creationId xmlns:a16="http://schemas.microsoft.com/office/drawing/2014/main" id="{895B2DF2-5FC2-48E9-8252-6EA6B3BCF8A3}"/>
-              </a:ext>
-            </a:extLst>
-          </p:cNvPr>
-          <p:cNvSpPr txBox="1"/>
-          <p:nvPr/>
-        </p:nvSpPr>
-        <p:spPr>
-          <a:xfrm>
-            <a:off x="2266870" y="5025936"/>
-            <a:ext cx="2518190" cy="461665"/>
-          </a:xfrm>
-          <a:prstGeom prst="rect">
-            <a:avLst/>
-          </a:prstGeom>
-          <a:noFill/>
-        </p:spPr>
-        <p:txBody>
-          <a:bodyPr wrap="none" rtlCol="0">
-            <a:spAutoFit/>
-          </a:bodyPr>
-          <a:lstStyle/>
-          <a:p>
-            <a:r>
-              <a:rPr lang="en-US" sz="2400" b="1" dirty="0"/>
-              <a:t>time-indexed data</a:t>
-            </a:r>
-            <a:endParaRPr lang="en-CA" sz="2400" b="1" dirty="0"/>
-          </a:p>
-        </p:txBody>
-      </p:sp>
-      <p:sp>
-        <p:nvSpPr>
-          <p:cNvPr id="93" name="TextBox 92">
-            <a:extLst>
-              <a:ext uri="{FF2B5EF4-FFF2-40B4-BE49-F238E27FC236}">
-                <a16:creationId xmlns:a16="http://schemas.microsoft.com/office/drawing/2014/main" id="{2446EA63-BFD5-4F44-9617-12AA5366D1A4}"/>
-              </a:ext>
-            </a:extLst>
-          </p:cNvPr>
-          <p:cNvSpPr txBox="1"/>
-          <p:nvPr/>
-        </p:nvSpPr>
-        <p:spPr>
-          <a:xfrm>
-            <a:off x="3329581" y="3797760"/>
-            <a:ext cx="893578" cy="369332"/>
-          </a:xfrm>
-          <a:prstGeom prst="rect">
-            <a:avLst/>
-          </a:prstGeom>
-          <a:solidFill>
-            <a:schemeClr val="accent1">
-              <a:lumMod val="40000"/>
-              <a:lumOff val="60000"/>
-            </a:schemeClr>
-          </a:solidFill>
-        </p:spPr>
-        <p:txBody>
-          <a:bodyPr wrap="none" rtlCol="0">
-            <a:spAutoFit/>
-          </a:bodyPr>
-          <a:lstStyle/>
-          <a:p>
-            <a:r>
-              <a:rPr lang="en-US" b="1" i="1" dirty="0"/>
-              <a:t>fk:</a:t>
-            </a:r>
-            <a:r>
-              <a:rPr lang="en-US" dirty="0"/>
-              <a:t> year</a:t>
-            </a:r>
-            <a:endParaRPr lang="en-CA" dirty="0"/>
-          </a:p>
-        </p:txBody>
-      </p:sp>
-      <p:cxnSp>
-        <p:nvCxnSpPr>
-          <p:cNvPr id="98" name="Straight Connector 97">
-            <a:extLst>
-              <a:ext uri="{FF2B5EF4-FFF2-40B4-BE49-F238E27FC236}">
-                <a16:creationId xmlns:a16="http://schemas.microsoft.com/office/drawing/2014/main" id="{7D407F3C-219D-458B-A01D-563D58C740D1}"/>
-              </a:ext>
-            </a:extLst>
-          </p:cNvPr>
-          <p:cNvCxnSpPr>
-            <a:cxnSpLocks/>
-          </p:cNvCxnSpPr>
-          <p:nvPr/>
-        </p:nvCxnSpPr>
-        <p:spPr>
-          <a:xfrm flipH="1">
-            <a:off x="1213261" y="1459018"/>
-            <a:ext cx="189717" cy="400654"/>
-          </a:xfrm>
-          <a:prstGeom prst="line">
-            <a:avLst/>
-          </a:prstGeom>
-          <a:ln w="38100">
-            <a:solidFill>
-              <a:schemeClr val="accent2">
-                <a:lumMod val="75000"/>
-              </a:schemeClr>
-            </a:solidFill>
-            <a:prstDash val="solid"/>
-          </a:ln>
         </p:spPr>
         <p:style>
           <a:lnRef idx="1">
@@ -10086,10 +8820,10 @@
       </p:cxnSp>
       <p:cxnSp>
         <p:nvCxnSpPr>
-          <p:cNvPr id="102" name="Straight Connector 101">
-            <a:extLst>
-              <a:ext uri="{FF2B5EF4-FFF2-40B4-BE49-F238E27FC236}">
-                <a16:creationId xmlns:a16="http://schemas.microsoft.com/office/drawing/2014/main" id="{34B7E372-B6E7-4846-A3C8-FCF25244EE74}"/>
+          <p:cNvPr id="14" name="Straight Connector 13">
+            <a:extLst>
+              <a:ext uri="{FF2B5EF4-FFF2-40B4-BE49-F238E27FC236}">
+                <a16:creationId xmlns:a16="http://schemas.microsoft.com/office/drawing/2014/main" id="{8EDE8C4E-5190-4998-B12C-58CF783648C3}"/>
               </a:ext>
             </a:extLst>
           </p:cNvPr>
@@ -10100,20 +8834,12 @@
         </p:nvCxnSpPr>
         <p:spPr>
           <a:xfrm>
-            <a:off x="850177" y="1501309"/>
-            <a:ext cx="44011" cy="423977"/>
+            <a:off x="-685604" y="3333750"/>
+            <a:ext cx="10852150" cy="0"/>
           </a:xfrm>
           <a:prstGeom prst="line">
             <a:avLst/>
           </a:prstGeom>
-          <a:ln w="38100">
-            <a:solidFill>
-              <a:schemeClr val="accent2">
-                <a:lumMod val="75000"/>
-              </a:schemeClr>
-            </a:solidFill>
-            <a:prstDash val="solid"/>
-          </a:ln>
         </p:spPr>
         <p:style>
           <a:lnRef idx="1">
@@ -10132,35 +8858,26 @@
       </p:cxnSp>
       <p:cxnSp>
         <p:nvCxnSpPr>
-          <p:cNvPr id="104" name="Straight Connector 103">
-            <a:extLst>
-              <a:ext uri="{FF2B5EF4-FFF2-40B4-BE49-F238E27FC236}">
-                <a16:creationId xmlns:a16="http://schemas.microsoft.com/office/drawing/2014/main" id="{326492C3-E31E-463C-B284-0A6DB83D3701}"/>
+          <p:cNvPr id="15" name="Straight Connector 14">
+            <a:extLst>
+              <a:ext uri="{FF2B5EF4-FFF2-40B4-BE49-F238E27FC236}">
+                <a16:creationId xmlns:a16="http://schemas.microsoft.com/office/drawing/2014/main" id="{E4F68A1A-416C-4A37-918E-D6EC4C1830E1}"/>
               </a:ext>
             </a:extLst>
           </p:cNvPr>
           <p:cNvCxnSpPr>
             <a:cxnSpLocks/>
-            <a:stCxn id="97" idx="1"/>
           </p:cNvCxnSpPr>
           <p:nvPr/>
         </p:nvCxnSpPr>
         <p:spPr>
-          <a:xfrm flipH="1">
-            <a:off x="842253" y="1214934"/>
-            <a:ext cx="273362" cy="286375"/>
+          <a:xfrm>
+            <a:off x="-476054" y="4333875"/>
+            <a:ext cx="10852150" cy="0"/>
           </a:xfrm>
           <a:prstGeom prst="line">
             <a:avLst/>
           </a:prstGeom>
-          <a:ln w="38100">
-            <a:solidFill>
-              <a:schemeClr val="accent2">
-                <a:lumMod val="75000"/>
-              </a:schemeClr>
-            </a:solidFill>
-            <a:prstDash val="solid"/>
-          </a:ln>
         </p:spPr>
         <p:style>
           <a:lnRef idx="1">
@@ -10179,35 +8896,26 @@
       </p:cxnSp>
       <p:cxnSp>
         <p:nvCxnSpPr>
-          <p:cNvPr id="106" name="Straight Connector 105">
-            <a:extLst>
-              <a:ext uri="{FF2B5EF4-FFF2-40B4-BE49-F238E27FC236}">
-                <a16:creationId xmlns:a16="http://schemas.microsoft.com/office/drawing/2014/main" id="{C7D2438E-6018-4B40-9C1B-9C726E111FFE}"/>
+          <p:cNvPr id="16" name="Straight Connector 15">
+            <a:extLst>
+              <a:ext uri="{FF2B5EF4-FFF2-40B4-BE49-F238E27FC236}">
+                <a16:creationId xmlns:a16="http://schemas.microsoft.com/office/drawing/2014/main" id="{7EEF9148-DDC1-4ECF-933B-868900D10B3E}"/>
               </a:ext>
             </a:extLst>
           </p:cNvPr>
           <p:cNvCxnSpPr>
             <a:cxnSpLocks/>
-            <a:stCxn id="97" idx="1"/>
           </p:cNvCxnSpPr>
           <p:nvPr/>
         </p:nvCxnSpPr>
         <p:spPr>
           <a:xfrm>
-            <a:off x="1115615" y="1214934"/>
-            <a:ext cx="315414" cy="286375"/>
+            <a:off x="-476690" y="6867525"/>
+            <a:ext cx="10852150" cy="0"/>
           </a:xfrm>
           <a:prstGeom prst="line">
             <a:avLst/>
           </a:prstGeom>
-          <a:ln w="38100">
-            <a:solidFill>
-              <a:schemeClr val="accent2">
-                <a:lumMod val="75000"/>
-              </a:schemeClr>
-            </a:solidFill>
-            <a:prstDash val="solid"/>
-          </a:ln>
         </p:spPr>
         <p:style>
           <a:lnRef idx="1">
@@ -10224,1242 +8932,10 @@
           </a:fontRef>
         </p:style>
       </p:cxnSp>
-      <p:sp>
-        <p:nvSpPr>
-          <p:cNvPr id="150" name="Cylinder 149">
-            <a:extLst>
-              <a:ext uri="{FF2B5EF4-FFF2-40B4-BE49-F238E27FC236}">
-                <a16:creationId xmlns:a16="http://schemas.microsoft.com/office/drawing/2014/main" id="{5A6E7D69-2DE8-4B6C-80CD-0439A7EE6DCA}"/>
-              </a:ext>
-            </a:extLst>
-          </p:cNvPr>
-          <p:cNvSpPr/>
-          <p:nvPr/>
-        </p:nvSpPr>
-        <p:spPr>
-          <a:xfrm>
-            <a:off x="540840" y="4232350"/>
-            <a:ext cx="1054877" cy="716910"/>
-          </a:xfrm>
-          <a:prstGeom prst="can">
-            <a:avLst/>
-          </a:prstGeom>
-          <a:solidFill>
-            <a:srgbClr val="FFA7D5"/>
-          </a:solidFill>
-        </p:spPr>
-        <p:style>
-          <a:lnRef idx="2">
-            <a:schemeClr val="accent1">
-              <a:shade val="50000"/>
-            </a:schemeClr>
-          </a:lnRef>
-          <a:fillRef idx="1">
-            <a:schemeClr val="accent1"/>
-          </a:fillRef>
-          <a:effectRef idx="0">
-            <a:schemeClr val="accent1"/>
-          </a:effectRef>
-          <a:fontRef idx="minor">
-            <a:schemeClr val="lt1"/>
-          </a:fontRef>
-        </p:style>
-        <p:txBody>
-          <a:bodyPr rtlCol="0" anchor="ctr"/>
-          <a:lstStyle/>
-          <a:p>
-            <a:pPr algn="ctr"/>
-            <a:r>
-              <a:rPr lang="en-US" sz="2000" dirty="0">
-                <a:solidFill>
-                  <a:schemeClr val="tx1"/>
-                </a:solidFill>
-              </a:rPr>
-              <a:t>Number of jobs</a:t>
-            </a:r>
-          </a:p>
-        </p:txBody>
-      </p:sp>
-      <p:cxnSp>
-        <p:nvCxnSpPr>
-          <p:cNvPr id="161" name="Connector: Elbow 160">
-            <a:extLst>
-              <a:ext uri="{FF2B5EF4-FFF2-40B4-BE49-F238E27FC236}">
-                <a16:creationId xmlns:a16="http://schemas.microsoft.com/office/drawing/2014/main" id="{9F1E4FD9-C41C-4CC8-8C99-CF38B5560683}"/>
-              </a:ext>
-            </a:extLst>
-          </p:cNvPr>
-          <p:cNvCxnSpPr>
-            <a:cxnSpLocks/>
-          </p:cNvCxnSpPr>
-          <p:nvPr/>
-        </p:nvCxnSpPr>
-        <p:spPr>
-          <a:xfrm rot="5400000" flipH="1" flipV="1">
-            <a:off x="3818578" y="4030183"/>
-            <a:ext cx="716909" cy="1300980"/>
-          </a:xfrm>
-          <a:prstGeom prst="bentConnector3">
-            <a:avLst>
-              <a:gd name="adj1" fmla="val 50000"/>
-            </a:avLst>
-          </a:prstGeom>
-          <a:ln w="38100">
-            <a:solidFill>
-              <a:srgbClr val="4472C4"/>
-            </a:solidFill>
-            <a:prstDash val="dash"/>
-          </a:ln>
-        </p:spPr>
-        <p:style>
-          <a:lnRef idx="1">
-            <a:schemeClr val="accent1"/>
-          </a:lnRef>
-          <a:fillRef idx="0">
-            <a:schemeClr val="accent1"/>
-          </a:fillRef>
-          <a:effectRef idx="0">
-            <a:schemeClr val="accent1"/>
-          </a:effectRef>
-          <a:fontRef idx="minor">
-            <a:schemeClr val="tx1"/>
-          </a:fontRef>
-        </p:style>
-      </p:cxnSp>
-      <p:sp>
-        <p:nvSpPr>
-          <p:cNvPr id="169" name="TextBox 168">
-            <a:extLst>
-              <a:ext uri="{FF2B5EF4-FFF2-40B4-BE49-F238E27FC236}">
-                <a16:creationId xmlns:a16="http://schemas.microsoft.com/office/drawing/2014/main" id="{3C230E8C-8A26-4416-8C11-4633D4DAC0BC}"/>
-              </a:ext>
-            </a:extLst>
-          </p:cNvPr>
-          <p:cNvSpPr txBox="1"/>
-          <p:nvPr/>
-        </p:nvSpPr>
-        <p:spPr>
-          <a:xfrm>
-            <a:off x="2510617" y="2708454"/>
-            <a:ext cx="701346" cy="369332"/>
-          </a:xfrm>
-          <a:prstGeom prst="rect">
-            <a:avLst/>
-          </a:prstGeom>
-          <a:solidFill>
-            <a:schemeClr val="bg1">
-              <a:lumMod val="75000"/>
-            </a:schemeClr>
-          </a:solidFill>
-        </p:spPr>
-        <p:txBody>
-          <a:bodyPr wrap="none" rtlCol="0">
-            <a:spAutoFit/>
-          </a:bodyPr>
-          <a:lstStyle/>
-          <a:p>
-            <a:r>
-              <a:rPr lang="en-US" dirty="0"/>
-              <a:t>many</a:t>
-            </a:r>
-            <a:endParaRPr lang="en-CA" dirty="0"/>
-          </a:p>
-        </p:txBody>
-      </p:sp>
-      <p:sp>
-        <p:nvSpPr>
-          <p:cNvPr id="170" name="TextBox 169">
-            <a:extLst>
-              <a:ext uri="{FF2B5EF4-FFF2-40B4-BE49-F238E27FC236}">
-                <a16:creationId xmlns:a16="http://schemas.microsoft.com/office/drawing/2014/main" id="{651D0C5B-58F0-4DC1-B7C3-1ED122BBCE4C}"/>
-              </a:ext>
-            </a:extLst>
-          </p:cNvPr>
-          <p:cNvSpPr txBox="1"/>
-          <p:nvPr/>
-        </p:nvSpPr>
-        <p:spPr>
-          <a:xfrm>
-            <a:off x="3491981" y="1318159"/>
-            <a:ext cx="701346" cy="369332"/>
-          </a:xfrm>
-          <a:prstGeom prst="rect">
-            <a:avLst/>
-          </a:prstGeom>
-          <a:solidFill>
-            <a:schemeClr val="bg1">
-              <a:lumMod val="75000"/>
-            </a:schemeClr>
-          </a:solidFill>
-        </p:spPr>
-        <p:txBody>
-          <a:bodyPr wrap="none" rtlCol="0">
-            <a:spAutoFit/>
-          </a:bodyPr>
-          <a:lstStyle/>
-          <a:p>
-            <a:r>
-              <a:rPr lang="en-US" dirty="0"/>
-              <a:t>many</a:t>
-            </a:r>
-            <a:endParaRPr lang="en-CA" dirty="0"/>
-          </a:p>
-        </p:txBody>
-      </p:sp>
-      <p:sp>
-        <p:nvSpPr>
-          <p:cNvPr id="171" name="TextBox 170">
-            <a:extLst>
-              <a:ext uri="{FF2B5EF4-FFF2-40B4-BE49-F238E27FC236}">
-                <a16:creationId xmlns:a16="http://schemas.microsoft.com/office/drawing/2014/main" id="{FED7A035-E759-48DC-91EA-9435944F30D5}"/>
-              </a:ext>
-            </a:extLst>
-          </p:cNvPr>
-          <p:cNvSpPr txBox="1"/>
-          <p:nvPr/>
-        </p:nvSpPr>
-        <p:spPr>
-          <a:xfrm>
-            <a:off x="1892340" y="1318159"/>
-            <a:ext cx="543739" cy="369332"/>
-          </a:xfrm>
-          <a:prstGeom prst="rect">
-            <a:avLst/>
-          </a:prstGeom>
-          <a:solidFill>
-            <a:schemeClr val="accent3">
-              <a:lumMod val="20000"/>
-              <a:lumOff val="80000"/>
-            </a:schemeClr>
-          </a:solidFill>
-        </p:spPr>
-        <p:txBody>
-          <a:bodyPr wrap="none" rtlCol="0">
-            <a:spAutoFit/>
-          </a:bodyPr>
-          <a:lstStyle/>
-          <a:p>
-            <a:r>
-              <a:rPr lang="en-US" dirty="0"/>
-              <a:t>one</a:t>
-            </a:r>
-            <a:endParaRPr lang="en-CA" dirty="0"/>
-          </a:p>
-        </p:txBody>
-      </p:sp>
-      <p:sp>
-        <p:nvSpPr>
-          <p:cNvPr id="172" name="TextBox 171">
-            <a:extLst>
-              <a:ext uri="{FF2B5EF4-FFF2-40B4-BE49-F238E27FC236}">
-                <a16:creationId xmlns:a16="http://schemas.microsoft.com/office/drawing/2014/main" id="{978212EA-76A8-48BB-B28E-E59753E63A41}"/>
-              </a:ext>
-            </a:extLst>
-          </p:cNvPr>
-          <p:cNvSpPr txBox="1"/>
-          <p:nvPr/>
-        </p:nvSpPr>
-        <p:spPr>
-          <a:xfrm>
-            <a:off x="2005216" y="3500480"/>
-            <a:ext cx="543739" cy="369332"/>
-          </a:xfrm>
-          <a:prstGeom prst="rect">
-            <a:avLst/>
-          </a:prstGeom>
-          <a:solidFill>
-            <a:schemeClr val="accent3">
-              <a:lumMod val="20000"/>
-              <a:lumOff val="80000"/>
-            </a:schemeClr>
-          </a:solidFill>
-        </p:spPr>
-        <p:txBody>
-          <a:bodyPr wrap="none" rtlCol="0">
-            <a:spAutoFit/>
-          </a:bodyPr>
-          <a:lstStyle/>
-          <a:p>
-            <a:r>
-              <a:rPr lang="en-US" dirty="0"/>
-              <a:t>one</a:t>
-            </a:r>
-            <a:endParaRPr lang="en-CA" dirty="0"/>
-          </a:p>
-        </p:txBody>
-      </p:sp>
-      <p:sp>
-        <p:nvSpPr>
-          <p:cNvPr id="173" name="TextBox 172">
-            <a:extLst>
-              <a:ext uri="{FF2B5EF4-FFF2-40B4-BE49-F238E27FC236}">
-                <a16:creationId xmlns:a16="http://schemas.microsoft.com/office/drawing/2014/main" id="{1C1CA893-C2FB-4779-9971-756E6D6404BF}"/>
-              </a:ext>
-            </a:extLst>
-          </p:cNvPr>
-          <p:cNvSpPr txBox="1"/>
-          <p:nvPr/>
-        </p:nvSpPr>
-        <p:spPr>
-          <a:xfrm>
-            <a:off x="2008435" y="3863018"/>
-            <a:ext cx="1055097" cy="369332"/>
-          </a:xfrm>
-          <a:prstGeom prst="rect">
-            <a:avLst/>
-          </a:prstGeom>
-          <a:solidFill>
-            <a:schemeClr val="accent2">
-              <a:lumMod val="60000"/>
-              <a:lumOff val="40000"/>
-            </a:schemeClr>
-          </a:solidFill>
-        </p:spPr>
-        <p:txBody>
-          <a:bodyPr wrap="none" rtlCol="0">
-            <a:spAutoFit/>
-          </a:bodyPr>
-          <a:lstStyle/>
-          <a:p>
-            <a:r>
-              <a:rPr lang="en-US" b="1" i="1" dirty="0"/>
-              <a:t>pk:</a:t>
-            </a:r>
-            <a:r>
-              <a:rPr lang="en-US" dirty="0"/>
-              <a:t> dauid</a:t>
-            </a:r>
-            <a:endParaRPr lang="en-CA" dirty="0"/>
-          </a:p>
-        </p:txBody>
-      </p:sp>
-      <p:sp>
-        <p:nvSpPr>
-          <p:cNvPr id="177" name="TextBox 176">
-            <a:extLst>
-              <a:ext uri="{FF2B5EF4-FFF2-40B4-BE49-F238E27FC236}">
-                <a16:creationId xmlns:a16="http://schemas.microsoft.com/office/drawing/2014/main" id="{7466953F-65A4-4F74-A8DD-6CA9A7B698E5}"/>
-              </a:ext>
-            </a:extLst>
-          </p:cNvPr>
-          <p:cNvSpPr txBox="1"/>
-          <p:nvPr/>
-        </p:nvSpPr>
-        <p:spPr>
-          <a:xfrm>
-            <a:off x="3510592" y="4174983"/>
-            <a:ext cx="701346" cy="369332"/>
-          </a:xfrm>
-          <a:prstGeom prst="rect">
-            <a:avLst/>
-          </a:prstGeom>
-          <a:solidFill>
-            <a:schemeClr val="bg1">
-              <a:lumMod val="75000"/>
-            </a:schemeClr>
-          </a:solidFill>
-        </p:spPr>
-        <p:txBody>
-          <a:bodyPr wrap="none" rtlCol="0">
-            <a:spAutoFit/>
-          </a:bodyPr>
-          <a:lstStyle/>
-          <a:p>
-            <a:r>
-              <a:rPr lang="en-US" dirty="0"/>
-              <a:t>many</a:t>
-            </a:r>
-            <a:endParaRPr lang="en-CA" dirty="0"/>
-          </a:p>
-        </p:txBody>
-      </p:sp>
-      <p:sp>
-        <p:nvSpPr>
-          <p:cNvPr id="185" name="TextBox 184">
-            <a:extLst>
-              <a:ext uri="{FF2B5EF4-FFF2-40B4-BE49-F238E27FC236}">
-                <a16:creationId xmlns:a16="http://schemas.microsoft.com/office/drawing/2014/main" id="{EE2DF2AA-2D17-4AC4-830A-6641619219EE}"/>
-              </a:ext>
-            </a:extLst>
-          </p:cNvPr>
-          <p:cNvSpPr txBox="1"/>
-          <p:nvPr/>
-        </p:nvSpPr>
-        <p:spPr>
-          <a:xfrm>
-            <a:off x="6424921" y="905549"/>
-            <a:ext cx="701346" cy="369332"/>
-          </a:xfrm>
-          <a:prstGeom prst="rect">
-            <a:avLst/>
-          </a:prstGeom>
-          <a:solidFill>
-            <a:schemeClr val="bg1">
-              <a:lumMod val="75000"/>
-            </a:schemeClr>
-          </a:solidFill>
-        </p:spPr>
-        <p:txBody>
-          <a:bodyPr wrap="none" rtlCol="0">
-            <a:spAutoFit/>
-          </a:bodyPr>
-          <a:lstStyle/>
-          <a:p>
-            <a:r>
-              <a:rPr lang="en-US" dirty="0"/>
-              <a:t>many</a:t>
-            </a:r>
-            <a:endParaRPr lang="en-CA" dirty="0"/>
-          </a:p>
-        </p:txBody>
-      </p:sp>
-      <p:sp>
-        <p:nvSpPr>
-          <p:cNvPr id="186" name="TextBox 185">
-            <a:extLst>
-              <a:ext uri="{FF2B5EF4-FFF2-40B4-BE49-F238E27FC236}">
-                <a16:creationId xmlns:a16="http://schemas.microsoft.com/office/drawing/2014/main" id="{9AEFCB6E-6EAB-4229-88F6-131C7A2969B9}"/>
-              </a:ext>
-            </a:extLst>
-          </p:cNvPr>
-          <p:cNvSpPr txBox="1"/>
-          <p:nvPr/>
-        </p:nvSpPr>
-        <p:spPr>
-          <a:xfrm>
-            <a:off x="6416620" y="2550325"/>
-            <a:ext cx="701346" cy="369332"/>
-          </a:xfrm>
-          <a:prstGeom prst="rect">
-            <a:avLst/>
-          </a:prstGeom>
-          <a:solidFill>
-            <a:schemeClr val="bg1">
-              <a:lumMod val="75000"/>
-            </a:schemeClr>
-          </a:solidFill>
-        </p:spPr>
-        <p:txBody>
-          <a:bodyPr wrap="none" rtlCol="0">
-            <a:spAutoFit/>
-          </a:bodyPr>
-          <a:lstStyle/>
-          <a:p>
-            <a:r>
-              <a:rPr lang="en-US" dirty="0"/>
-              <a:t>many</a:t>
-            </a:r>
-            <a:endParaRPr lang="en-CA" dirty="0"/>
-          </a:p>
-        </p:txBody>
-      </p:sp>
-      <p:sp>
-        <p:nvSpPr>
-          <p:cNvPr id="187" name="TextBox 186">
-            <a:extLst>
-              <a:ext uri="{FF2B5EF4-FFF2-40B4-BE49-F238E27FC236}">
-                <a16:creationId xmlns:a16="http://schemas.microsoft.com/office/drawing/2014/main" id="{ABD31F7E-60C1-4F90-8491-DEBDBF93E059}"/>
-              </a:ext>
-            </a:extLst>
-          </p:cNvPr>
-          <p:cNvSpPr txBox="1"/>
-          <p:nvPr/>
-        </p:nvSpPr>
-        <p:spPr>
-          <a:xfrm>
-            <a:off x="4312883" y="1153726"/>
-            <a:ext cx="1872692" cy="369332"/>
-          </a:xfrm>
-          <a:prstGeom prst="rect">
-            <a:avLst/>
-          </a:prstGeom>
-          <a:solidFill>
-            <a:schemeClr val="accent2">
-              <a:lumMod val="60000"/>
-              <a:lumOff val="40000"/>
-            </a:schemeClr>
-          </a:solidFill>
-        </p:spPr>
-        <p:txBody>
-          <a:bodyPr wrap="none" rtlCol="0">
-            <a:spAutoFit/>
-          </a:bodyPr>
-          <a:lstStyle/>
-          <a:p>
-            <a:r>
-              <a:rPr lang="en-US" b="1" i="1" dirty="0"/>
-              <a:t>pk:</a:t>
-            </a:r>
-            <a:r>
-              <a:rPr lang="en-US" dirty="0"/>
-              <a:t> transaction_id</a:t>
-            </a:r>
-            <a:endParaRPr lang="en-CA" dirty="0"/>
-          </a:p>
-        </p:txBody>
-      </p:sp>
-      <p:cxnSp>
-        <p:nvCxnSpPr>
-          <p:cNvPr id="192" name="Connector: Elbow 191">
-            <a:extLst>
-              <a:ext uri="{FF2B5EF4-FFF2-40B4-BE49-F238E27FC236}">
-                <a16:creationId xmlns:a16="http://schemas.microsoft.com/office/drawing/2014/main" id="{69801B0F-0321-4C46-B8D4-0CDD02756403}"/>
-              </a:ext>
-            </a:extLst>
-          </p:cNvPr>
-          <p:cNvCxnSpPr>
-            <a:cxnSpLocks/>
-            <a:stCxn id="197" idx="3"/>
-            <a:endCxn id="91" idx="2"/>
-          </p:cNvCxnSpPr>
-          <p:nvPr/>
-        </p:nvCxnSpPr>
-        <p:spPr>
-          <a:xfrm rot="5400000" flipH="1" flipV="1">
-            <a:off x="1781203" y="4822013"/>
-            <a:ext cx="1079173" cy="2410350"/>
-          </a:xfrm>
-          <a:prstGeom prst="bentConnector3">
-            <a:avLst>
-              <a:gd name="adj1" fmla="val -21183"/>
-            </a:avLst>
-          </a:prstGeom>
-          <a:ln w="38100">
-            <a:solidFill>
-              <a:srgbClr val="4472C4"/>
-            </a:solidFill>
-            <a:prstDash val="dash"/>
-          </a:ln>
-        </p:spPr>
-        <p:style>
-          <a:lnRef idx="1">
-            <a:schemeClr val="accent1"/>
-          </a:lnRef>
-          <a:fillRef idx="0">
-            <a:schemeClr val="accent1"/>
-          </a:fillRef>
-          <a:effectRef idx="0">
-            <a:schemeClr val="accent1"/>
-          </a:effectRef>
-          <a:fontRef idx="minor">
-            <a:schemeClr val="tx1"/>
-          </a:fontRef>
-        </p:style>
-      </p:cxnSp>
-      <p:sp>
-        <p:nvSpPr>
-          <p:cNvPr id="197" name="Cylinder 196">
-            <a:extLst>
-              <a:ext uri="{FF2B5EF4-FFF2-40B4-BE49-F238E27FC236}">
-                <a16:creationId xmlns:a16="http://schemas.microsoft.com/office/drawing/2014/main" id="{4079BA01-51A7-4DDE-93CC-AB7D9E9BC6C3}"/>
-              </a:ext>
-            </a:extLst>
-          </p:cNvPr>
-          <p:cNvSpPr/>
-          <p:nvPr/>
-        </p:nvSpPr>
-        <p:spPr>
-          <a:xfrm>
-            <a:off x="645596" y="5717230"/>
-            <a:ext cx="940038" cy="849544"/>
-          </a:xfrm>
-          <a:prstGeom prst="can">
-            <a:avLst/>
-          </a:prstGeom>
-          <a:solidFill>
-            <a:srgbClr val="9EF8E7"/>
-          </a:solidFill>
-        </p:spPr>
-        <p:style>
-          <a:lnRef idx="2">
-            <a:schemeClr val="accent1">
-              <a:shade val="50000"/>
-            </a:schemeClr>
-          </a:lnRef>
-          <a:fillRef idx="1">
-            <a:schemeClr val="accent1"/>
-          </a:fillRef>
-          <a:effectRef idx="0">
-            <a:schemeClr val="accent1"/>
-          </a:effectRef>
-          <a:fontRef idx="minor">
-            <a:schemeClr val="lt1"/>
-          </a:fontRef>
-        </p:style>
-        <p:txBody>
-          <a:bodyPr rtlCol="0" anchor="ctr"/>
-          <a:lstStyle/>
-          <a:p>
-            <a:pPr algn="ctr"/>
-            <a:r>
-              <a:rPr lang="en-US" sz="2000" dirty="0">
-                <a:solidFill>
-                  <a:schemeClr val="tx1"/>
-                </a:solidFill>
-              </a:rPr>
-              <a:t>Fuel prices</a:t>
-            </a:r>
-          </a:p>
-        </p:txBody>
-      </p:sp>
-      <p:cxnSp>
-        <p:nvCxnSpPr>
-          <p:cNvPr id="221" name="Connector: Elbow 220">
-            <a:extLst>
-              <a:ext uri="{FF2B5EF4-FFF2-40B4-BE49-F238E27FC236}">
-                <a16:creationId xmlns:a16="http://schemas.microsoft.com/office/drawing/2014/main" id="{7AAF710A-470B-46E0-9176-1EFAA3AB2107}"/>
-              </a:ext>
-            </a:extLst>
-          </p:cNvPr>
-          <p:cNvCxnSpPr>
-            <a:cxnSpLocks/>
-            <a:stCxn id="44" idx="2"/>
-            <a:endCxn id="9" idx="1"/>
-          </p:cNvCxnSpPr>
-          <p:nvPr/>
-        </p:nvCxnSpPr>
-        <p:spPr>
-          <a:xfrm rot="5400000" flipH="1" flipV="1">
-            <a:off x="5339861" y="3863894"/>
-            <a:ext cx="2247799" cy="2693855"/>
-          </a:xfrm>
-          <a:prstGeom prst="bentConnector5">
-            <a:avLst>
-              <a:gd name="adj1" fmla="val -10170"/>
-              <a:gd name="adj2" fmla="val 49399"/>
-              <a:gd name="adj3" fmla="val 128476"/>
-            </a:avLst>
-          </a:prstGeom>
-          <a:ln w="38100">
-            <a:solidFill>
-              <a:srgbClr val="4472C4"/>
-            </a:solidFill>
-            <a:prstDash val="dash"/>
-          </a:ln>
-        </p:spPr>
-        <p:style>
-          <a:lnRef idx="1">
-            <a:schemeClr val="accent1"/>
-          </a:lnRef>
-          <a:fillRef idx="0">
-            <a:schemeClr val="accent1"/>
-          </a:fillRef>
-          <a:effectRef idx="0">
-            <a:schemeClr val="accent1"/>
-          </a:effectRef>
-          <a:fontRef idx="minor">
-            <a:schemeClr val="tx1"/>
-          </a:fontRef>
-        </p:style>
-      </p:cxnSp>
-      <p:sp>
-        <p:nvSpPr>
-          <p:cNvPr id="236" name="Cylinder 235">
-            <a:extLst>
-              <a:ext uri="{FF2B5EF4-FFF2-40B4-BE49-F238E27FC236}">
-                <a16:creationId xmlns:a16="http://schemas.microsoft.com/office/drawing/2014/main" id="{D8010D55-A33E-40FB-BEE8-9D5006E0035A}"/>
-              </a:ext>
-            </a:extLst>
-          </p:cNvPr>
-          <p:cNvSpPr/>
-          <p:nvPr/>
-        </p:nvSpPr>
-        <p:spPr>
-          <a:xfrm>
-            <a:off x="413112" y="3176258"/>
-            <a:ext cx="1232024" cy="888744"/>
-          </a:xfrm>
-          <a:prstGeom prst="can">
-            <a:avLst/>
-          </a:prstGeom>
-          <a:solidFill>
-            <a:srgbClr val="FF61B4"/>
-          </a:solidFill>
-        </p:spPr>
-        <p:style>
-          <a:lnRef idx="2">
-            <a:schemeClr val="accent1">
-              <a:shade val="50000"/>
-            </a:schemeClr>
-          </a:lnRef>
-          <a:fillRef idx="1">
-            <a:schemeClr val="accent1"/>
-          </a:fillRef>
-          <a:effectRef idx="0">
-            <a:schemeClr val="accent1"/>
-          </a:effectRef>
-          <a:fontRef idx="minor">
-            <a:schemeClr val="lt1"/>
-          </a:fontRef>
-        </p:style>
-        <p:txBody>
-          <a:bodyPr rtlCol="0" anchor="ctr"/>
-          <a:lstStyle/>
-          <a:p>
-            <a:pPr algn="ctr"/>
-            <a:r>
-              <a:rPr lang="en-US" sz="2000" dirty="0">
-                <a:solidFill>
-                  <a:schemeClr val="tx1"/>
-                </a:solidFill>
-              </a:rPr>
-              <a:t>TTS</a:t>
-            </a:r>
-          </a:p>
-          <a:p>
-            <a:pPr algn="ctr"/>
-            <a:r>
-              <a:rPr lang="en-US" sz="2000" dirty="0">
-                <a:solidFill>
-                  <a:schemeClr val="tx1"/>
-                </a:solidFill>
-              </a:rPr>
-              <a:t>variables</a:t>
-            </a:r>
-          </a:p>
-        </p:txBody>
-      </p:sp>
-      <p:cxnSp>
-        <p:nvCxnSpPr>
-          <p:cNvPr id="240" name="Connector: Elbow 239">
-            <a:extLst>
-              <a:ext uri="{FF2B5EF4-FFF2-40B4-BE49-F238E27FC236}">
-                <a16:creationId xmlns:a16="http://schemas.microsoft.com/office/drawing/2014/main" id="{E3E799E2-B969-4EAC-A229-EDA6D8C945CE}"/>
-              </a:ext>
-            </a:extLst>
-          </p:cNvPr>
-          <p:cNvCxnSpPr>
-            <a:cxnSpLocks/>
-            <a:stCxn id="236" idx="3"/>
-          </p:cNvCxnSpPr>
-          <p:nvPr/>
-        </p:nvCxnSpPr>
-        <p:spPr>
-          <a:xfrm rot="5400000" flipH="1" flipV="1">
-            <a:off x="1029851" y="3260762"/>
-            <a:ext cx="803513" cy="804968"/>
-          </a:xfrm>
-          <a:prstGeom prst="bentConnector4">
-            <a:avLst>
-              <a:gd name="adj1" fmla="val -11380"/>
-              <a:gd name="adj2" fmla="val 88263"/>
-            </a:avLst>
-          </a:prstGeom>
-          <a:ln w="38100">
-            <a:solidFill>
-              <a:srgbClr val="4472C4"/>
-            </a:solidFill>
-            <a:prstDash val="dash"/>
-          </a:ln>
-        </p:spPr>
-        <p:style>
-          <a:lnRef idx="1">
-            <a:schemeClr val="accent1"/>
-          </a:lnRef>
-          <a:fillRef idx="0">
-            <a:schemeClr val="accent1"/>
-          </a:fillRef>
-          <a:effectRef idx="0">
-            <a:schemeClr val="accent1"/>
-          </a:effectRef>
-          <a:fontRef idx="minor">
-            <a:schemeClr val="tx1"/>
-          </a:fontRef>
-        </p:style>
-      </p:cxnSp>
-      <p:sp>
-        <p:nvSpPr>
-          <p:cNvPr id="64" name="Cylinder 63">
-            <a:extLst>
-              <a:ext uri="{FF2B5EF4-FFF2-40B4-BE49-F238E27FC236}">
-                <a16:creationId xmlns:a16="http://schemas.microsoft.com/office/drawing/2014/main" id="{DE99BF34-EF5D-4612-A20F-1931AA3785CB}"/>
-              </a:ext>
-            </a:extLst>
-          </p:cNvPr>
-          <p:cNvSpPr/>
-          <p:nvPr/>
-        </p:nvSpPr>
-        <p:spPr>
-          <a:xfrm>
-            <a:off x="1665602" y="5717829"/>
-            <a:ext cx="1068038" cy="849544"/>
-          </a:xfrm>
-          <a:prstGeom prst="can">
-            <a:avLst/>
-          </a:prstGeom>
-          <a:solidFill>
-            <a:srgbClr val="AFEBF7"/>
-          </a:solidFill>
-        </p:spPr>
-        <p:style>
-          <a:lnRef idx="2">
-            <a:schemeClr val="accent1">
-              <a:shade val="50000"/>
-            </a:schemeClr>
-          </a:lnRef>
-          <a:fillRef idx="1">
-            <a:schemeClr val="accent1"/>
-          </a:fillRef>
-          <a:effectRef idx="0">
-            <a:schemeClr val="accent1"/>
-          </a:effectRef>
-          <a:fontRef idx="minor">
-            <a:schemeClr val="lt1"/>
-          </a:fontRef>
-        </p:style>
-        <p:txBody>
-          <a:bodyPr rtlCol="0" anchor="ctr"/>
-          <a:lstStyle/>
-          <a:p>
-            <a:pPr algn="ctr"/>
-            <a:r>
-              <a:rPr lang="en-US" sz="2000" dirty="0">
-                <a:solidFill>
-                  <a:schemeClr val="tx1"/>
-                </a:solidFill>
-              </a:rPr>
-              <a:t>Inflation</a:t>
-            </a:r>
-          </a:p>
-          <a:p>
-            <a:pPr algn="ctr"/>
-            <a:r>
-              <a:rPr lang="en-US" sz="2000" dirty="0">
-                <a:solidFill>
-                  <a:schemeClr val="tx1"/>
-                </a:solidFill>
-              </a:rPr>
-              <a:t>coefs.</a:t>
-            </a:r>
-          </a:p>
-        </p:txBody>
-      </p:sp>
-      <p:cxnSp>
-        <p:nvCxnSpPr>
-          <p:cNvPr id="66" name="Straight Connector 65">
-            <a:extLst>
-              <a:ext uri="{FF2B5EF4-FFF2-40B4-BE49-F238E27FC236}">
-                <a16:creationId xmlns:a16="http://schemas.microsoft.com/office/drawing/2014/main" id="{10E6E392-F601-4E34-949C-5291A06FA967}"/>
-              </a:ext>
-            </a:extLst>
-          </p:cNvPr>
-          <p:cNvCxnSpPr>
-            <a:cxnSpLocks/>
-            <a:endCxn id="64" idx="3"/>
-          </p:cNvCxnSpPr>
-          <p:nvPr/>
-        </p:nvCxnSpPr>
-        <p:spPr>
-          <a:xfrm flipV="1">
-            <a:off x="2196388" y="6567373"/>
-            <a:ext cx="3233" cy="204390"/>
-          </a:xfrm>
-          <a:prstGeom prst="line">
-            <a:avLst/>
-          </a:prstGeom>
-          <a:ln w="38100">
-            <a:prstDash val="dash"/>
-          </a:ln>
-        </p:spPr>
-        <p:style>
-          <a:lnRef idx="1">
-            <a:schemeClr val="accent1"/>
-          </a:lnRef>
-          <a:fillRef idx="0">
-            <a:schemeClr val="accent1"/>
-          </a:fillRef>
-          <a:effectRef idx="0">
-            <a:schemeClr val="accent1"/>
-          </a:effectRef>
-          <a:fontRef idx="minor">
-            <a:schemeClr val="tx1"/>
-          </a:fontRef>
-        </p:style>
-      </p:cxnSp>
-      <p:sp>
-        <p:nvSpPr>
-          <p:cNvPr id="73" name="TextBox 72">
-            <a:extLst>
-              <a:ext uri="{FF2B5EF4-FFF2-40B4-BE49-F238E27FC236}">
-                <a16:creationId xmlns:a16="http://schemas.microsoft.com/office/drawing/2014/main" id="{C19EF442-5797-421F-8E35-BC339BA30554}"/>
-              </a:ext>
-            </a:extLst>
-          </p:cNvPr>
-          <p:cNvSpPr txBox="1"/>
-          <p:nvPr/>
-        </p:nvSpPr>
-        <p:spPr>
-          <a:xfrm>
-            <a:off x="1373266" y="6919851"/>
-            <a:ext cx="543739" cy="369332"/>
-          </a:xfrm>
-          <a:prstGeom prst="rect">
-            <a:avLst/>
-          </a:prstGeom>
-          <a:solidFill>
-            <a:schemeClr val="accent3">
-              <a:lumMod val="20000"/>
-              <a:lumOff val="80000"/>
-            </a:schemeClr>
-          </a:solidFill>
-        </p:spPr>
-        <p:txBody>
-          <a:bodyPr wrap="none" rtlCol="0">
-            <a:spAutoFit/>
-          </a:bodyPr>
-          <a:lstStyle/>
-          <a:p>
-            <a:r>
-              <a:rPr lang="en-US" dirty="0"/>
-              <a:t>one</a:t>
-            </a:r>
-            <a:endParaRPr lang="en-CA" dirty="0"/>
-          </a:p>
-        </p:txBody>
-      </p:sp>
-      <p:sp>
-        <p:nvSpPr>
-          <p:cNvPr id="74" name="TextBox 73">
-            <a:extLst>
-              <a:ext uri="{FF2B5EF4-FFF2-40B4-BE49-F238E27FC236}">
-                <a16:creationId xmlns:a16="http://schemas.microsoft.com/office/drawing/2014/main" id="{972462BF-E606-4EED-8CB9-FA205E3E6912}"/>
-              </a:ext>
-            </a:extLst>
-          </p:cNvPr>
-          <p:cNvSpPr txBox="1"/>
-          <p:nvPr/>
-        </p:nvSpPr>
-        <p:spPr>
-          <a:xfrm>
-            <a:off x="1892340" y="6920450"/>
-            <a:ext cx="941668" cy="369332"/>
-          </a:xfrm>
-          <a:prstGeom prst="rect">
-            <a:avLst/>
-          </a:prstGeom>
-          <a:solidFill>
-            <a:schemeClr val="accent2">
-              <a:lumMod val="60000"/>
-              <a:lumOff val="40000"/>
-            </a:schemeClr>
-          </a:solidFill>
-        </p:spPr>
-        <p:txBody>
-          <a:bodyPr wrap="none" rtlCol="0">
-            <a:spAutoFit/>
-          </a:bodyPr>
-          <a:lstStyle/>
-          <a:p>
-            <a:r>
-              <a:rPr lang="en-US" b="1" i="1" dirty="0"/>
-              <a:t>pk: </a:t>
-            </a:r>
-            <a:r>
-              <a:rPr lang="en-US" dirty="0"/>
-              <a:t>year</a:t>
-            </a:r>
-            <a:endParaRPr lang="en-CA" dirty="0"/>
-          </a:p>
-        </p:txBody>
-      </p:sp>
-      <p:sp>
-        <p:nvSpPr>
-          <p:cNvPr id="65" name="TextBox 64">
-            <a:extLst>
-              <a:ext uri="{FF2B5EF4-FFF2-40B4-BE49-F238E27FC236}">
-                <a16:creationId xmlns:a16="http://schemas.microsoft.com/office/drawing/2014/main" id="{242A1F07-C130-49C3-8722-D5EDBE8D6493}"/>
-              </a:ext>
-            </a:extLst>
-          </p:cNvPr>
-          <p:cNvSpPr txBox="1"/>
-          <p:nvPr/>
-        </p:nvSpPr>
-        <p:spPr>
-          <a:xfrm>
-            <a:off x="6434399" y="2115438"/>
-            <a:ext cx="3103094" cy="461665"/>
-          </a:xfrm>
-          <a:prstGeom prst="rect">
-            <a:avLst/>
-          </a:prstGeom>
-          <a:noFill/>
-        </p:spPr>
-        <p:txBody>
-          <a:bodyPr wrap="none" rtlCol="0">
-            <a:spAutoFit/>
-          </a:bodyPr>
-          <a:lstStyle/>
-          <a:p>
-            <a:r>
-              <a:rPr lang="en-US" sz="2400" b="1" dirty="0"/>
-              <a:t>municipality-level data</a:t>
-            </a:r>
-            <a:endParaRPr lang="en-CA" sz="2400" b="1" dirty="0"/>
-          </a:p>
-        </p:txBody>
-      </p:sp>
-      <p:sp>
-        <p:nvSpPr>
-          <p:cNvPr id="67" name="TextBox 66">
-            <a:extLst>
-              <a:ext uri="{FF2B5EF4-FFF2-40B4-BE49-F238E27FC236}">
-                <a16:creationId xmlns:a16="http://schemas.microsoft.com/office/drawing/2014/main" id="{E9CCE005-0D35-4884-92BA-F7E6894046BF}"/>
-              </a:ext>
-            </a:extLst>
-          </p:cNvPr>
-          <p:cNvSpPr txBox="1"/>
-          <p:nvPr/>
-        </p:nvSpPr>
-        <p:spPr>
-          <a:xfrm>
-            <a:off x="7136332" y="1782979"/>
-            <a:ext cx="1091966" cy="369332"/>
-          </a:xfrm>
-          <a:prstGeom prst="rect">
-            <a:avLst/>
-          </a:prstGeom>
-          <a:solidFill>
-            <a:schemeClr val="accent1">
-              <a:lumMod val="40000"/>
-              <a:lumOff val="60000"/>
-            </a:schemeClr>
-          </a:solidFill>
-        </p:spPr>
-        <p:txBody>
-          <a:bodyPr wrap="none" rtlCol="0">
-            <a:spAutoFit/>
-          </a:bodyPr>
-          <a:lstStyle/>
-          <a:p>
-            <a:r>
-              <a:rPr lang="en-US" b="1" i="1" dirty="0"/>
-              <a:t>fk:</a:t>
-            </a:r>
-            <a:r>
-              <a:rPr lang="en-US" dirty="0"/>
-              <a:t> csduid</a:t>
-            </a:r>
-            <a:endParaRPr lang="en-CA" dirty="0"/>
-          </a:p>
-        </p:txBody>
-      </p:sp>
-      <p:cxnSp>
-        <p:nvCxnSpPr>
-          <p:cNvPr id="69" name="Straight Connector 68">
-            <a:extLst>
-              <a:ext uri="{FF2B5EF4-FFF2-40B4-BE49-F238E27FC236}">
-                <a16:creationId xmlns:a16="http://schemas.microsoft.com/office/drawing/2014/main" id="{79951F3E-F022-4843-B6B8-A3410AA457EE}"/>
-              </a:ext>
-            </a:extLst>
-          </p:cNvPr>
-          <p:cNvCxnSpPr>
-            <a:cxnSpLocks/>
-          </p:cNvCxnSpPr>
-          <p:nvPr/>
-        </p:nvCxnSpPr>
-        <p:spPr>
-          <a:xfrm flipH="1">
-            <a:off x="5836707" y="2376144"/>
-            <a:ext cx="597693" cy="0"/>
-          </a:xfrm>
-          <a:prstGeom prst="line">
-            <a:avLst/>
-          </a:prstGeom>
-          <a:ln w="38100">
-            <a:prstDash val="dash"/>
-          </a:ln>
-        </p:spPr>
-        <p:style>
-          <a:lnRef idx="1">
-            <a:schemeClr val="accent1"/>
-          </a:lnRef>
-          <a:fillRef idx="0">
-            <a:schemeClr val="accent1"/>
-          </a:fillRef>
-          <a:effectRef idx="0">
-            <a:schemeClr val="accent1"/>
-          </a:effectRef>
-          <a:fontRef idx="minor">
-            <a:schemeClr val="tx1"/>
-          </a:fontRef>
-        </p:style>
-      </p:cxnSp>
-      <p:cxnSp>
-        <p:nvCxnSpPr>
-          <p:cNvPr id="75" name="Straight Connector 74">
-            <a:extLst>
-              <a:ext uri="{FF2B5EF4-FFF2-40B4-BE49-F238E27FC236}">
-                <a16:creationId xmlns:a16="http://schemas.microsoft.com/office/drawing/2014/main" id="{BEF571C6-4140-413B-BC4F-C9E3F843EF7C}"/>
-              </a:ext>
-            </a:extLst>
-          </p:cNvPr>
-          <p:cNvCxnSpPr>
-            <a:cxnSpLocks/>
-          </p:cNvCxnSpPr>
-          <p:nvPr/>
-        </p:nvCxnSpPr>
-        <p:spPr>
-          <a:xfrm flipH="1" flipV="1">
-            <a:off x="9455493" y="2362690"/>
-            <a:ext cx="392004" cy="13454"/>
-          </a:xfrm>
-          <a:prstGeom prst="line">
-            <a:avLst/>
-          </a:prstGeom>
-          <a:ln w="38100">
-            <a:prstDash val="dash"/>
-          </a:ln>
-        </p:spPr>
-        <p:style>
-          <a:lnRef idx="1">
-            <a:schemeClr val="accent1"/>
-          </a:lnRef>
-          <a:fillRef idx="0">
-            <a:schemeClr val="accent1"/>
-          </a:fillRef>
-          <a:effectRef idx="0">
-            <a:schemeClr val="accent1"/>
-          </a:effectRef>
-          <a:fontRef idx="minor">
-            <a:schemeClr val="tx1"/>
-          </a:fontRef>
-        </p:style>
-      </p:cxnSp>
-      <p:cxnSp>
-        <p:nvCxnSpPr>
-          <p:cNvPr id="76" name="Connector: Elbow 75">
-            <a:extLst>
-              <a:ext uri="{FF2B5EF4-FFF2-40B4-BE49-F238E27FC236}">
-                <a16:creationId xmlns:a16="http://schemas.microsoft.com/office/drawing/2014/main" id="{36D6BAB1-264F-4A59-97EF-5613E3EDBD3E}"/>
-              </a:ext>
-            </a:extLst>
-          </p:cNvPr>
-          <p:cNvCxnSpPr>
-            <a:cxnSpLocks/>
-          </p:cNvCxnSpPr>
-          <p:nvPr/>
-        </p:nvCxnSpPr>
-        <p:spPr>
-          <a:xfrm flipV="1">
-            <a:off x="5836707" y="1522351"/>
-            <a:ext cx="643776" cy="531606"/>
-          </a:xfrm>
-          <a:prstGeom prst="bentConnector3">
-            <a:avLst>
-              <a:gd name="adj1" fmla="val 84030"/>
-            </a:avLst>
-          </a:prstGeom>
-          <a:ln w="38100">
-            <a:solidFill>
-              <a:srgbClr val="4472C4"/>
-            </a:solidFill>
-            <a:prstDash val="dash"/>
-          </a:ln>
-        </p:spPr>
-        <p:style>
-          <a:lnRef idx="1">
-            <a:schemeClr val="accent1"/>
-          </a:lnRef>
-          <a:fillRef idx="0">
-            <a:schemeClr val="accent1"/>
-          </a:fillRef>
-          <a:effectRef idx="0">
-            <a:schemeClr val="accent1"/>
-          </a:effectRef>
-          <a:fontRef idx="minor">
-            <a:schemeClr val="tx1"/>
-          </a:fontRef>
-        </p:style>
-      </p:cxnSp>
-      <p:sp>
-        <p:nvSpPr>
-          <p:cNvPr id="77" name="TextBox 76">
-            <a:extLst>
-              <a:ext uri="{FF2B5EF4-FFF2-40B4-BE49-F238E27FC236}">
-                <a16:creationId xmlns:a16="http://schemas.microsoft.com/office/drawing/2014/main" id="{461C3A57-FE73-49FB-A540-50FCB25C22BA}"/>
-              </a:ext>
-            </a:extLst>
-          </p:cNvPr>
-          <p:cNvSpPr txBox="1"/>
-          <p:nvPr/>
-        </p:nvSpPr>
-        <p:spPr>
-          <a:xfrm>
-            <a:off x="6881865" y="5371121"/>
-            <a:ext cx="861133" cy="369332"/>
-          </a:xfrm>
-          <a:prstGeom prst="rect">
-            <a:avLst/>
-          </a:prstGeom>
-          <a:solidFill>
-            <a:schemeClr val="accent2">
-              <a:lumMod val="60000"/>
-              <a:lumOff val="40000"/>
-            </a:schemeClr>
-          </a:solidFill>
-        </p:spPr>
-        <p:txBody>
-          <a:bodyPr wrap="none" rtlCol="0">
-            <a:spAutoFit/>
-          </a:bodyPr>
-          <a:lstStyle/>
-          <a:p>
-            <a:r>
-              <a:rPr lang="en-US" b="1" i="1" dirty="0"/>
-              <a:t>pk:</a:t>
-            </a:r>
-            <a:r>
-              <a:rPr lang="en-US" dirty="0"/>
-              <a:t> PIN</a:t>
-            </a:r>
-            <a:endParaRPr lang="en-CA" dirty="0"/>
-          </a:p>
-        </p:txBody>
-      </p:sp>
-      <p:sp>
-        <p:nvSpPr>
-          <p:cNvPr id="79" name="TextBox 78">
-            <a:extLst>
-              <a:ext uri="{FF2B5EF4-FFF2-40B4-BE49-F238E27FC236}">
-                <a16:creationId xmlns:a16="http://schemas.microsoft.com/office/drawing/2014/main" id="{5C65E138-5AF1-437E-9811-42B94446B7BC}"/>
-              </a:ext>
-            </a:extLst>
-          </p:cNvPr>
-          <p:cNvSpPr txBox="1"/>
-          <p:nvPr/>
-        </p:nvSpPr>
-        <p:spPr>
-          <a:xfrm>
-            <a:off x="6437263" y="1782504"/>
-            <a:ext cx="701346" cy="369332"/>
-          </a:xfrm>
-          <a:prstGeom prst="rect">
-            <a:avLst/>
-          </a:prstGeom>
-          <a:solidFill>
-            <a:schemeClr val="bg1">
-              <a:lumMod val="75000"/>
-            </a:schemeClr>
-          </a:solidFill>
-        </p:spPr>
-        <p:txBody>
-          <a:bodyPr wrap="none" rtlCol="0">
-            <a:spAutoFit/>
-          </a:bodyPr>
-          <a:lstStyle/>
-          <a:p>
-            <a:r>
-              <a:rPr lang="en-US" dirty="0"/>
-              <a:t>many</a:t>
-            </a:r>
-            <a:endParaRPr lang="en-CA" dirty="0"/>
-          </a:p>
-        </p:txBody>
-      </p:sp>
     </p:spTree>
     <p:extLst>
       <p:ext uri="{BB962C8B-B14F-4D97-AF65-F5344CB8AC3E}">
-        <p14:creationId xmlns:p14="http://schemas.microsoft.com/office/powerpoint/2010/main" val="3919664037"/>
+        <p14:creationId xmlns:p14="http://schemas.microsoft.com/office/powerpoint/2010/main" val="3640519529"/>
       </p:ext>
     </p:extLst>
   </p:cSld>
@@ -11469,17 +8945,9 @@
 </p:sld>
 </file>
 
-<file path=ppt/slides/slide19.xml><?xml version="1.0" encoding="utf-8"?>
+<file path=ppt/slides/slide18.xml><?xml version="1.0" encoding="utf-8"?>
 <p:sld xmlns:a="http://schemas.openxmlformats.org/drawingml/2006/main" xmlns:r="http://schemas.openxmlformats.org/officeDocument/2006/relationships" xmlns:p="http://schemas.openxmlformats.org/presentationml/2006/main">
   <p:cSld>
-    <p:bg>
-      <p:bgPr>
-        <a:solidFill>
-          <a:srgbClr val="292D3E"/>
-        </a:solidFill>
-        <a:effectLst/>
-      </p:bgPr>
-    </p:bg>
     <p:spTree>
       <p:nvGrpSpPr>
         <p:cNvPr id="1" name=""/>
@@ -11496,10 +8964,10 @@
       </p:grpSpPr>
       <p:pic>
         <p:nvPicPr>
-          <p:cNvPr id="22" name="Picture 21">
-            <a:extLst>
-              <a:ext uri="{FF2B5EF4-FFF2-40B4-BE49-F238E27FC236}">
-                <a16:creationId xmlns:a16="http://schemas.microsoft.com/office/drawing/2014/main" id="{7FAD6D1E-C0E0-41CD-BABC-700A1F14BED0}"/>
+          <p:cNvPr id="6" name="Picture 5">
+            <a:extLst>
+              <a:ext uri="{FF2B5EF4-FFF2-40B4-BE49-F238E27FC236}">
+                <a16:creationId xmlns:a16="http://schemas.microsoft.com/office/drawing/2014/main" id="{4D2A2BE3-1899-4C4D-8597-4E2459348CFE}"/>
               </a:ext>
             </a:extLst>
           </p:cNvPr>
@@ -11516,20 +8984,50 @@
         </p:blipFill>
         <p:spPr>
           <a:xfrm>
-            <a:off x="0" y="2255810"/>
-            <a:ext cx="10080625" cy="4071364"/>
+            <a:off x="965400" y="3924300"/>
+            <a:ext cx="8496295" cy="3419475"/>
           </a:xfrm>
           <a:prstGeom prst="rect">
             <a:avLst/>
           </a:prstGeom>
         </p:spPr>
       </p:pic>
+      <p:pic>
+        <p:nvPicPr>
+          <p:cNvPr id="5" name="Picture 4">
+            <a:extLst>
+              <a:ext uri="{FF2B5EF4-FFF2-40B4-BE49-F238E27FC236}">
+                <a16:creationId xmlns:a16="http://schemas.microsoft.com/office/drawing/2014/main" id="{E2D16700-49B0-444E-8849-497C01C5F2BA}"/>
+              </a:ext>
+            </a:extLst>
+          </p:cNvPr>
+          <p:cNvPicPr>
+            <a:picLocks noChangeAspect="1"/>
+          </p:cNvPicPr>
+          <p:nvPr/>
+        </p:nvPicPr>
+        <p:blipFill>
+          <a:blip r:embed="rId3"/>
+          <a:stretch>
+            <a:fillRect/>
+          </a:stretch>
+        </p:blipFill>
+        <p:spPr>
+          <a:xfrm>
+            <a:off x="1038226" y="361950"/>
+            <a:ext cx="8496294" cy="3495669"/>
+          </a:xfrm>
+          <a:prstGeom prst="rect">
+            <a:avLst/>
+          </a:prstGeom>
+        </p:spPr>
+      </p:pic>
       <p:sp>
         <p:nvSpPr>
           <p:cNvPr id="2" name="Title 1">
             <a:extLst>
               <a:ext uri="{FF2B5EF4-FFF2-40B4-BE49-F238E27FC236}">
-                <a16:creationId xmlns:a16="http://schemas.microsoft.com/office/drawing/2014/main" id="{7D64BF54-ECC0-4B95-96D7-653241F79184}"/>
+                <a16:creationId xmlns:a16="http://schemas.microsoft.com/office/drawing/2014/main" id="{A48FE9B8-D25E-486C-B212-26376FADE983}"/>
               </a:ext>
             </a:extLst>
           </p:cNvPr>
@@ -11539,8 +9037,8 @@
           <p:nvPr/>
         </p:nvSpPr>
         <p:spPr>
-          <a:xfrm>
-            <a:off x="740320" y="396787"/>
+          <a:xfrm rot="16200000">
+            <a:off x="-3472340" y="2208495"/>
             <a:ext cx="8855640" cy="1262520"/>
           </a:xfrm>
           <a:prstGeom prst="rect">
@@ -11570,816 +9068,332 @@
           </a:lstStyle>
           <a:p>
             <a:r>
-              <a:rPr lang="en-US" dirty="0">
-                <a:solidFill>
-                  <a:schemeClr val="bg1"/>
-                </a:solidFill>
+              <a:rPr lang="en-US" sz="3600" b="1" dirty="0"/>
+              <a:t>4. Land use </a:t>
+            </a:r>
+            <a:r>
+              <a:rPr lang="en-US" sz="3600" b="1" dirty="0">
+                <a:highlight>
+                  <a:srgbClr val="FF4BF2"/>
+                </a:highlight>
               </a:rPr>
-              <a:t>3.2 Entity relationship (ER) diagram</a:t>
-            </a:r>
-            <a:endParaRPr lang="en-CA" dirty="0">
-              <a:solidFill>
-                <a:schemeClr val="bg1"/>
-              </a:solidFill>
-            </a:endParaRPr>
-          </a:p>
-        </p:txBody>
-      </p:sp>
-      <p:sp>
-        <p:nvSpPr>
-          <p:cNvPr id="4" name="Rectangle 3">
-            <a:extLst>
-              <a:ext uri="{FF2B5EF4-FFF2-40B4-BE49-F238E27FC236}">
-                <a16:creationId xmlns:a16="http://schemas.microsoft.com/office/drawing/2014/main" id="{180AC833-FD88-49FA-B386-8D07A7B2817C}"/>
-              </a:ext>
-            </a:extLst>
-          </p:cNvPr>
-          <p:cNvSpPr/>
-          <p:nvPr/>
-        </p:nvSpPr>
-        <p:spPr>
-          <a:xfrm>
-            <a:off x="37221" y="2158127"/>
-            <a:ext cx="1486780" cy="1722068"/>
-          </a:xfrm>
-          <a:prstGeom prst="rect">
-            <a:avLst/>
-          </a:prstGeom>
-          <a:noFill/>
-          <a:ln w="38100">
-            <a:solidFill>
-              <a:srgbClr val="9EF8E7"/>
-            </a:solidFill>
-            <a:prstDash val="dash"/>
-          </a:ln>
+              <a:t>class 3</a:t>
+            </a:r>
+            <a:r>
+              <a:rPr lang="en-US" sz="3600" b="1" dirty="0"/>
+              <a:t>: other (examples)</a:t>
+            </a:r>
+            <a:endParaRPr lang="en-CA" sz="3600" b="1" dirty="0"/>
+          </a:p>
+        </p:txBody>
+      </p:sp>
+      <p:cxnSp>
+        <p:nvCxnSpPr>
+          <p:cNvPr id="9" name="Straight Connector 8">
+            <a:extLst>
+              <a:ext uri="{FF2B5EF4-FFF2-40B4-BE49-F238E27FC236}">
+                <a16:creationId xmlns:a16="http://schemas.microsoft.com/office/drawing/2014/main" id="{8FBE80E9-812C-4377-8196-B822DBCA5223}"/>
+              </a:ext>
+            </a:extLst>
+          </p:cNvPr>
+          <p:cNvCxnSpPr/>
+          <p:nvPr/>
+        </p:nvCxnSpPr>
+        <p:spPr>
+          <a:xfrm>
+            <a:off x="2035175" y="-85725"/>
+            <a:ext cx="0" cy="7515225"/>
+          </a:xfrm>
+          <a:prstGeom prst="line">
+            <a:avLst/>
+          </a:prstGeom>
         </p:spPr>
         <p:style>
-          <a:lnRef idx="2">
-            <a:schemeClr val="accent1">
-              <a:shade val="50000"/>
-            </a:schemeClr>
+          <a:lnRef idx="1">
+            <a:schemeClr val="accent1"/>
           </a:lnRef>
-          <a:fillRef idx="1">
+          <a:fillRef idx="0">
             <a:schemeClr val="accent1"/>
           </a:fillRef>
           <a:effectRef idx="0">
             <a:schemeClr val="accent1"/>
           </a:effectRef>
           <a:fontRef idx="minor">
-            <a:schemeClr val="lt1"/>
+            <a:schemeClr val="tx1"/>
           </a:fontRef>
         </p:style>
-        <p:txBody>
-          <a:bodyPr rtlCol="0" anchor="ctr"/>
-          <a:lstStyle/>
-          <a:p>
-            <a:pPr algn="ctr"/>
-            <a:endParaRPr lang="en-CA"/>
-          </a:p>
-        </p:txBody>
-      </p:sp>
-      <p:sp>
-        <p:nvSpPr>
-          <p:cNvPr id="5" name="TextBox 4">
-            <a:extLst>
-              <a:ext uri="{FF2B5EF4-FFF2-40B4-BE49-F238E27FC236}">
-                <a16:creationId xmlns:a16="http://schemas.microsoft.com/office/drawing/2014/main" id="{39CA3BBE-C43F-4A15-8184-AA1EE09D9B01}"/>
-              </a:ext>
-            </a:extLst>
-          </p:cNvPr>
-          <p:cNvSpPr txBox="1"/>
-          <p:nvPr/>
-        </p:nvSpPr>
-        <p:spPr>
-          <a:xfrm>
-            <a:off x="60098" y="1197642"/>
-            <a:ext cx="1608133" cy="923330"/>
-          </a:xfrm>
-          <a:prstGeom prst="rect">
-            <a:avLst/>
-          </a:prstGeom>
-          <a:noFill/>
-        </p:spPr>
-        <p:txBody>
-          <a:bodyPr wrap="none" rtlCol="0">
-            <a:spAutoFit/>
-          </a:bodyPr>
-          <a:lstStyle/>
-          <a:p>
-            <a:pPr algn="ctr"/>
-            <a:r>
-              <a:rPr lang="en-US" dirty="0">
-                <a:solidFill>
-                  <a:srgbClr val="9EF8E7"/>
-                </a:solidFill>
-              </a:rPr>
-              <a:t>PIN-level data</a:t>
-            </a:r>
-          </a:p>
-          <a:p>
-            <a:pPr algn="ctr"/>
-            <a:r>
-              <a:rPr lang="en-US" dirty="0">
-                <a:solidFill>
-                  <a:srgbClr val="9EF8E7"/>
-                </a:solidFill>
-              </a:rPr>
-              <a:t>(</a:t>
-            </a:r>
-            <a:r>
-              <a:rPr lang="en-US" i="1" dirty="0">
-                <a:solidFill>
-                  <a:srgbClr val="9EF8E7"/>
-                </a:solidFill>
-              </a:rPr>
-              <a:t>e.g., </a:t>
-            </a:r>
-            <a:r>
-              <a:rPr lang="en-US" dirty="0">
-                <a:solidFill>
-                  <a:srgbClr val="9EF8E7"/>
-                </a:solidFill>
-              </a:rPr>
-              <a:t>land use, </a:t>
-            </a:r>
-          </a:p>
-          <a:p>
-            <a:pPr algn="ctr"/>
-            <a:r>
-              <a:rPr lang="en-US" dirty="0">
-                <a:solidFill>
-                  <a:srgbClr val="9EF8E7"/>
-                </a:solidFill>
-              </a:rPr>
-              <a:t>EPOI, </a:t>
-            </a:r>
-            <a:r>
-              <a:rPr lang="en-US" i="1" dirty="0">
-                <a:solidFill>
-                  <a:srgbClr val="9EF8E7"/>
-                </a:solidFill>
-              </a:rPr>
-              <a:t>etc.</a:t>
-            </a:r>
-            <a:r>
-              <a:rPr lang="en-US" dirty="0">
-                <a:solidFill>
-                  <a:srgbClr val="9EF8E7"/>
-                </a:solidFill>
-              </a:rPr>
-              <a:t>)</a:t>
-            </a:r>
-            <a:endParaRPr lang="en-CA" dirty="0">
-              <a:solidFill>
-                <a:srgbClr val="9EF8E7"/>
-              </a:solidFill>
-            </a:endParaRPr>
-          </a:p>
-        </p:txBody>
-      </p:sp>
-      <p:sp>
-        <p:nvSpPr>
-          <p:cNvPr id="8" name="Rectangle 7">
-            <a:extLst>
-              <a:ext uri="{FF2B5EF4-FFF2-40B4-BE49-F238E27FC236}">
-                <a16:creationId xmlns:a16="http://schemas.microsoft.com/office/drawing/2014/main" id="{FBD4A752-0962-493A-A3C3-5229860F5C73}"/>
-              </a:ext>
-            </a:extLst>
-          </p:cNvPr>
-          <p:cNvSpPr/>
-          <p:nvPr/>
-        </p:nvSpPr>
-        <p:spPr>
-          <a:xfrm>
-            <a:off x="1647234" y="2152486"/>
-            <a:ext cx="1696041" cy="1752305"/>
-          </a:xfrm>
-          <a:prstGeom prst="rect">
-            <a:avLst/>
-          </a:prstGeom>
-          <a:noFill/>
-          <a:ln w="38100">
-            <a:solidFill>
-              <a:srgbClr val="FF4BF2"/>
-            </a:solidFill>
-            <a:prstDash val="dash"/>
-          </a:ln>
+      </p:cxnSp>
+      <p:cxnSp>
+        <p:nvCxnSpPr>
+          <p:cNvPr id="10" name="Straight Connector 9">
+            <a:extLst>
+              <a:ext uri="{FF2B5EF4-FFF2-40B4-BE49-F238E27FC236}">
+                <a16:creationId xmlns:a16="http://schemas.microsoft.com/office/drawing/2014/main" id="{1F549988-DCE8-43F8-BB3A-38D2D770DCF1}"/>
+              </a:ext>
+            </a:extLst>
+          </p:cNvPr>
+          <p:cNvCxnSpPr/>
+          <p:nvPr/>
+        </p:nvCxnSpPr>
+        <p:spPr>
+          <a:xfrm>
+            <a:off x="9296400" y="-247650"/>
+            <a:ext cx="0" cy="7515225"/>
+          </a:xfrm>
+          <a:prstGeom prst="line">
+            <a:avLst/>
+          </a:prstGeom>
         </p:spPr>
         <p:style>
-          <a:lnRef idx="2">
-            <a:schemeClr val="accent1">
-              <a:shade val="50000"/>
-            </a:schemeClr>
+          <a:lnRef idx="1">
+            <a:schemeClr val="accent1"/>
           </a:lnRef>
-          <a:fillRef idx="1">
+          <a:fillRef idx="0">
             <a:schemeClr val="accent1"/>
           </a:fillRef>
           <a:effectRef idx="0">
             <a:schemeClr val="accent1"/>
           </a:effectRef>
           <a:fontRef idx="minor">
-            <a:schemeClr val="lt1"/>
+            <a:schemeClr val="tx1"/>
           </a:fontRef>
         </p:style>
-        <p:txBody>
-          <a:bodyPr rtlCol="0" anchor="ctr"/>
-          <a:lstStyle/>
-          <a:p>
-            <a:pPr algn="ctr"/>
-            <a:endParaRPr lang="en-CA">
-              <a:solidFill>
-                <a:srgbClr val="FF4BF2"/>
-              </a:solidFill>
-            </a:endParaRPr>
-          </a:p>
-        </p:txBody>
-      </p:sp>
-      <p:sp>
-        <p:nvSpPr>
-          <p:cNvPr id="9" name="TextBox 8">
-            <a:extLst>
-              <a:ext uri="{FF2B5EF4-FFF2-40B4-BE49-F238E27FC236}">
-                <a16:creationId xmlns:a16="http://schemas.microsoft.com/office/drawing/2014/main" id="{9B78A223-C970-44E4-B4DD-82C2496072AE}"/>
-              </a:ext>
-            </a:extLst>
-          </p:cNvPr>
-          <p:cNvSpPr txBox="1"/>
-          <p:nvPr/>
-        </p:nvSpPr>
-        <p:spPr>
-          <a:xfrm>
-            <a:off x="1859856" y="1461098"/>
-            <a:ext cx="1270796" cy="646331"/>
-          </a:xfrm>
-          <a:prstGeom prst="rect">
-            <a:avLst/>
-          </a:prstGeom>
-          <a:noFill/>
-        </p:spPr>
-        <p:txBody>
-          <a:bodyPr wrap="none" rtlCol="0">
-            <a:spAutoFit/>
-          </a:bodyPr>
-          <a:lstStyle/>
-          <a:p>
-            <a:pPr algn="ctr"/>
-            <a:r>
-              <a:rPr lang="en-US" dirty="0">
-                <a:solidFill>
-                  <a:srgbClr val="FF4BF2"/>
-                </a:solidFill>
-              </a:rPr>
-              <a:t>Postal-code</a:t>
-            </a:r>
-          </a:p>
-          <a:p>
-            <a:pPr algn="ctr"/>
-            <a:r>
-              <a:rPr lang="en-US" dirty="0">
-                <a:solidFill>
-                  <a:srgbClr val="FF4BF2"/>
-                </a:solidFill>
-              </a:rPr>
-              <a:t>level data</a:t>
-            </a:r>
-          </a:p>
-        </p:txBody>
-      </p:sp>
-      <p:sp>
-        <p:nvSpPr>
-          <p:cNvPr id="11" name="Rectangle 10">
-            <a:extLst>
-              <a:ext uri="{FF2B5EF4-FFF2-40B4-BE49-F238E27FC236}">
-                <a16:creationId xmlns:a16="http://schemas.microsoft.com/office/drawing/2014/main" id="{A9CFC2AA-7D8F-4CF8-A194-4140088E30FD}"/>
-              </a:ext>
-            </a:extLst>
-          </p:cNvPr>
-          <p:cNvSpPr/>
-          <p:nvPr/>
-        </p:nvSpPr>
-        <p:spPr>
-          <a:xfrm>
-            <a:off x="5304832" y="2168257"/>
-            <a:ext cx="1108658" cy="1736534"/>
-          </a:xfrm>
-          <a:prstGeom prst="rect">
-            <a:avLst/>
-          </a:prstGeom>
-          <a:noFill/>
-          <a:ln w="38100">
-            <a:solidFill>
-              <a:srgbClr val="FF0000"/>
-            </a:solidFill>
-            <a:prstDash val="dash"/>
-          </a:ln>
+      </p:cxnSp>
+      <p:cxnSp>
+        <p:nvCxnSpPr>
+          <p:cNvPr id="11" name="Straight Connector 10">
+            <a:extLst>
+              <a:ext uri="{FF2B5EF4-FFF2-40B4-BE49-F238E27FC236}">
+                <a16:creationId xmlns:a16="http://schemas.microsoft.com/office/drawing/2014/main" id="{92618CD3-F28D-47C7-AE6C-179B06688C17}"/>
+              </a:ext>
+            </a:extLst>
+          </p:cNvPr>
+          <p:cNvCxnSpPr>
+            <a:cxnSpLocks/>
+          </p:cNvCxnSpPr>
+          <p:nvPr/>
+        </p:nvCxnSpPr>
+        <p:spPr>
+          <a:xfrm>
+            <a:off x="-618929" y="809625"/>
+            <a:ext cx="10852150" cy="0"/>
+          </a:xfrm>
+          <a:prstGeom prst="line">
+            <a:avLst/>
+          </a:prstGeom>
         </p:spPr>
         <p:style>
-          <a:lnRef idx="2">
-            <a:schemeClr val="accent1">
-              <a:shade val="50000"/>
-            </a:schemeClr>
+          <a:lnRef idx="1">
+            <a:schemeClr val="accent1"/>
           </a:lnRef>
-          <a:fillRef idx="1">
+          <a:fillRef idx="0">
             <a:schemeClr val="accent1"/>
           </a:fillRef>
           <a:effectRef idx="0">
             <a:schemeClr val="accent1"/>
           </a:effectRef>
           <a:fontRef idx="minor">
-            <a:schemeClr val="lt1"/>
+            <a:schemeClr val="tx1"/>
           </a:fontRef>
         </p:style>
-        <p:txBody>
-          <a:bodyPr rtlCol="0" anchor="ctr"/>
-          <a:lstStyle/>
-          <a:p>
-            <a:pPr algn="ctr"/>
-            <a:endParaRPr lang="en-CA">
-              <a:solidFill>
-                <a:srgbClr val="FF4BF2"/>
-              </a:solidFill>
-            </a:endParaRPr>
-          </a:p>
-        </p:txBody>
-      </p:sp>
-      <p:sp>
-        <p:nvSpPr>
-          <p:cNvPr id="12" name="TextBox 11">
-            <a:extLst>
-              <a:ext uri="{FF2B5EF4-FFF2-40B4-BE49-F238E27FC236}">
-                <a16:creationId xmlns:a16="http://schemas.microsoft.com/office/drawing/2014/main" id="{1E87B7BD-B207-404C-8C9B-71D91935B8BD}"/>
-              </a:ext>
-            </a:extLst>
-          </p:cNvPr>
-          <p:cNvSpPr txBox="1"/>
-          <p:nvPr/>
-        </p:nvSpPr>
-        <p:spPr>
-          <a:xfrm>
-            <a:off x="5255441" y="1481353"/>
-            <a:ext cx="1207440" cy="646331"/>
-          </a:xfrm>
-          <a:prstGeom prst="rect">
-            <a:avLst/>
-          </a:prstGeom>
-          <a:noFill/>
-        </p:spPr>
-        <p:txBody>
-          <a:bodyPr wrap="square" rtlCol="0">
-            <a:spAutoFit/>
-          </a:bodyPr>
-          <a:lstStyle/>
-          <a:p>
-            <a:pPr algn="ctr"/>
-            <a:r>
-              <a:rPr lang="en-US" dirty="0">
-                <a:solidFill>
-                  <a:srgbClr val="FF0000"/>
-                </a:solidFill>
-              </a:rPr>
-              <a:t>FSA-level </a:t>
-            </a:r>
-          </a:p>
-          <a:p>
-            <a:pPr algn="ctr"/>
-            <a:r>
-              <a:rPr lang="en-US" dirty="0">
-                <a:solidFill>
-                  <a:srgbClr val="FF0000"/>
-                </a:solidFill>
-              </a:rPr>
-              <a:t>data</a:t>
-            </a:r>
-          </a:p>
-        </p:txBody>
-      </p:sp>
-      <p:sp>
-        <p:nvSpPr>
-          <p:cNvPr id="13" name="Rectangle 12">
-            <a:extLst>
-              <a:ext uri="{FF2B5EF4-FFF2-40B4-BE49-F238E27FC236}">
-                <a16:creationId xmlns:a16="http://schemas.microsoft.com/office/drawing/2014/main" id="{124E8F1B-2A1F-41D7-B445-5D4EA805DC17}"/>
-              </a:ext>
-            </a:extLst>
-          </p:cNvPr>
-          <p:cNvSpPr/>
-          <p:nvPr/>
-        </p:nvSpPr>
-        <p:spPr>
-          <a:xfrm>
-            <a:off x="3683392" y="2154803"/>
-            <a:ext cx="1498207" cy="1749988"/>
-          </a:xfrm>
-          <a:prstGeom prst="rect">
-            <a:avLst/>
-          </a:prstGeom>
-          <a:noFill/>
-          <a:ln w="38100">
-            <a:solidFill>
-              <a:srgbClr val="00B0F0"/>
-            </a:solidFill>
-            <a:prstDash val="dash"/>
-          </a:ln>
+      </p:cxnSp>
+      <p:cxnSp>
+        <p:nvCxnSpPr>
+          <p:cNvPr id="14" name="Straight Connector 13">
+            <a:extLst>
+              <a:ext uri="{FF2B5EF4-FFF2-40B4-BE49-F238E27FC236}">
+                <a16:creationId xmlns:a16="http://schemas.microsoft.com/office/drawing/2014/main" id="{8EDE8C4E-5190-4998-B12C-58CF783648C3}"/>
+              </a:ext>
+            </a:extLst>
+          </p:cNvPr>
+          <p:cNvCxnSpPr>
+            <a:cxnSpLocks/>
+          </p:cNvCxnSpPr>
+          <p:nvPr/>
+        </p:nvCxnSpPr>
+        <p:spPr>
+          <a:xfrm>
+            <a:off x="-685604" y="3333750"/>
+            <a:ext cx="10852150" cy="0"/>
+          </a:xfrm>
+          <a:prstGeom prst="line">
+            <a:avLst/>
+          </a:prstGeom>
         </p:spPr>
         <p:style>
-          <a:lnRef idx="2">
-            <a:schemeClr val="accent1">
-              <a:shade val="50000"/>
-            </a:schemeClr>
+          <a:lnRef idx="1">
+            <a:schemeClr val="accent1"/>
           </a:lnRef>
-          <a:fillRef idx="1">
+          <a:fillRef idx="0">
             <a:schemeClr val="accent1"/>
           </a:fillRef>
           <a:effectRef idx="0">
             <a:schemeClr val="accent1"/>
           </a:effectRef>
           <a:fontRef idx="minor">
-            <a:schemeClr val="lt1"/>
+            <a:schemeClr val="tx1"/>
           </a:fontRef>
         </p:style>
-        <p:txBody>
-          <a:bodyPr rtlCol="0" anchor="ctr"/>
-          <a:lstStyle/>
-          <a:p>
-            <a:pPr algn="ctr"/>
-            <a:endParaRPr lang="en-CA">
-              <a:solidFill>
-                <a:srgbClr val="FF4BF2"/>
-              </a:solidFill>
-            </a:endParaRPr>
-          </a:p>
-        </p:txBody>
-      </p:sp>
-      <p:sp>
-        <p:nvSpPr>
-          <p:cNvPr id="14" name="TextBox 13">
-            <a:extLst>
-              <a:ext uri="{FF2B5EF4-FFF2-40B4-BE49-F238E27FC236}">
-                <a16:creationId xmlns:a16="http://schemas.microsoft.com/office/drawing/2014/main" id="{B9493821-569F-4B21-9D32-EF59D77DD333}"/>
-              </a:ext>
-            </a:extLst>
-          </p:cNvPr>
-          <p:cNvSpPr txBox="1"/>
-          <p:nvPr/>
-        </p:nvSpPr>
-        <p:spPr>
-          <a:xfrm>
-            <a:off x="3790908" y="1461099"/>
-            <a:ext cx="1461365" cy="646331"/>
-          </a:xfrm>
-          <a:prstGeom prst="rect">
-            <a:avLst/>
-          </a:prstGeom>
-          <a:noFill/>
-        </p:spPr>
-        <p:txBody>
-          <a:bodyPr wrap="square" rtlCol="0">
-            <a:spAutoFit/>
-          </a:bodyPr>
-          <a:lstStyle/>
-          <a:p>
-            <a:pPr algn="ctr"/>
-            <a:r>
-              <a:rPr lang="en-US" dirty="0">
-                <a:solidFill>
-                  <a:srgbClr val="00B0F0"/>
-                </a:solidFill>
-              </a:rPr>
-              <a:t>TAZ-level data</a:t>
-            </a:r>
-          </a:p>
-        </p:txBody>
-      </p:sp>
-      <p:sp>
-        <p:nvSpPr>
-          <p:cNvPr id="15" name="Rectangle 14">
-            <a:extLst>
-              <a:ext uri="{FF2B5EF4-FFF2-40B4-BE49-F238E27FC236}">
-                <a16:creationId xmlns:a16="http://schemas.microsoft.com/office/drawing/2014/main" id="{62197D34-FB90-4C98-A0CF-DE2C8BCC1412}"/>
-              </a:ext>
-            </a:extLst>
-          </p:cNvPr>
-          <p:cNvSpPr/>
-          <p:nvPr/>
-        </p:nvSpPr>
-        <p:spPr>
-          <a:xfrm>
-            <a:off x="6619420" y="2158127"/>
-            <a:ext cx="2088893" cy="1714740"/>
-          </a:xfrm>
-          <a:prstGeom prst="rect">
-            <a:avLst/>
-          </a:prstGeom>
-          <a:noFill/>
-          <a:ln w="38100">
-            <a:solidFill>
-              <a:srgbClr val="FFC000"/>
-            </a:solidFill>
-            <a:prstDash val="dash"/>
-          </a:ln>
+      </p:cxnSp>
+      <p:cxnSp>
+        <p:nvCxnSpPr>
+          <p:cNvPr id="15" name="Straight Connector 14">
+            <a:extLst>
+              <a:ext uri="{FF2B5EF4-FFF2-40B4-BE49-F238E27FC236}">
+                <a16:creationId xmlns:a16="http://schemas.microsoft.com/office/drawing/2014/main" id="{E4F68A1A-416C-4A37-918E-D6EC4C1830E1}"/>
+              </a:ext>
+            </a:extLst>
+          </p:cNvPr>
+          <p:cNvCxnSpPr>
+            <a:cxnSpLocks/>
+          </p:cNvCxnSpPr>
+          <p:nvPr/>
+        </p:nvCxnSpPr>
+        <p:spPr>
+          <a:xfrm>
+            <a:off x="-476054" y="4333875"/>
+            <a:ext cx="10852150" cy="0"/>
+          </a:xfrm>
+          <a:prstGeom prst="line">
+            <a:avLst/>
+          </a:prstGeom>
         </p:spPr>
         <p:style>
-          <a:lnRef idx="2">
-            <a:schemeClr val="accent1">
-              <a:shade val="50000"/>
-            </a:schemeClr>
+          <a:lnRef idx="1">
+            <a:schemeClr val="accent1"/>
           </a:lnRef>
-          <a:fillRef idx="1">
+          <a:fillRef idx="0">
             <a:schemeClr val="accent1"/>
           </a:fillRef>
           <a:effectRef idx="0">
             <a:schemeClr val="accent1"/>
           </a:effectRef>
           <a:fontRef idx="minor">
-            <a:schemeClr val="lt1"/>
+            <a:schemeClr val="tx1"/>
           </a:fontRef>
         </p:style>
-        <p:txBody>
-          <a:bodyPr rtlCol="0" anchor="ctr"/>
-          <a:lstStyle/>
-          <a:p>
-            <a:pPr algn="ctr"/>
-            <a:endParaRPr lang="en-CA">
-              <a:solidFill>
-                <a:srgbClr val="FFC000"/>
-              </a:solidFill>
-            </a:endParaRPr>
-          </a:p>
-        </p:txBody>
-      </p:sp>
-      <p:sp>
-        <p:nvSpPr>
-          <p:cNvPr id="16" name="TextBox 15">
-            <a:extLst>
-              <a:ext uri="{FF2B5EF4-FFF2-40B4-BE49-F238E27FC236}">
-                <a16:creationId xmlns:a16="http://schemas.microsoft.com/office/drawing/2014/main" id="{55749B39-4F3B-48B6-AD6A-14B6792040C3}"/>
-              </a:ext>
-            </a:extLst>
-          </p:cNvPr>
-          <p:cNvSpPr txBox="1"/>
-          <p:nvPr/>
-        </p:nvSpPr>
-        <p:spPr>
-          <a:xfrm>
-            <a:off x="6025677" y="1183979"/>
-            <a:ext cx="2986178" cy="923330"/>
-          </a:xfrm>
-          <a:prstGeom prst="rect">
-            <a:avLst/>
-          </a:prstGeom>
-          <a:noFill/>
-        </p:spPr>
-        <p:txBody>
-          <a:bodyPr wrap="square" rtlCol="0">
-            <a:spAutoFit/>
-          </a:bodyPr>
-          <a:lstStyle/>
-          <a:p>
-            <a:pPr algn="ctr"/>
-            <a:r>
-              <a:rPr lang="en-US" dirty="0">
-                <a:solidFill>
-                  <a:srgbClr val="FFC000"/>
-                </a:solidFill>
-              </a:rPr>
-              <a:t>DA-level data</a:t>
-            </a:r>
-          </a:p>
-          <a:p>
-            <a:pPr algn="ctr"/>
-            <a:r>
-              <a:rPr lang="en-US" dirty="0">
-                <a:solidFill>
-                  <a:srgbClr val="FFC000"/>
-                </a:solidFill>
-              </a:rPr>
-              <a:t>(</a:t>
-            </a:r>
-            <a:r>
-              <a:rPr lang="en-US" i="1" dirty="0">
-                <a:solidFill>
-                  <a:srgbClr val="FFC000"/>
-                </a:solidFill>
-              </a:rPr>
-              <a:t>e.g.,</a:t>
-            </a:r>
-            <a:r>
-              <a:rPr lang="en-US" dirty="0">
-                <a:solidFill>
-                  <a:srgbClr val="FFC000"/>
-                </a:solidFill>
-              </a:rPr>
-              <a:t> select </a:t>
-            </a:r>
-          </a:p>
-          <a:p>
-            <a:pPr algn="ctr"/>
-            <a:r>
-              <a:rPr lang="en-US" dirty="0">
-                <a:solidFill>
-                  <a:srgbClr val="FFC000"/>
-                </a:solidFill>
-              </a:rPr>
-              <a:t>Census variables)</a:t>
-            </a:r>
-          </a:p>
-        </p:txBody>
-      </p:sp>
-      <p:sp>
-        <p:nvSpPr>
-          <p:cNvPr id="17" name="Rectangle 16">
-            <a:extLst>
-              <a:ext uri="{FF2B5EF4-FFF2-40B4-BE49-F238E27FC236}">
-                <a16:creationId xmlns:a16="http://schemas.microsoft.com/office/drawing/2014/main" id="{7AFC47CE-43EC-4223-B888-2A30E3AEA9C6}"/>
-              </a:ext>
-            </a:extLst>
-          </p:cNvPr>
-          <p:cNvSpPr/>
-          <p:nvPr/>
-        </p:nvSpPr>
-        <p:spPr>
-          <a:xfrm>
-            <a:off x="8839201" y="2152486"/>
-            <a:ext cx="1183702" cy="1727709"/>
-          </a:xfrm>
-          <a:prstGeom prst="rect">
-            <a:avLst/>
-          </a:prstGeom>
-          <a:noFill/>
-          <a:ln w="38100">
-            <a:solidFill>
-              <a:srgbClr val="FFA7D5"/>
-            </a:solidFill>
-            <a:prstDash val="dash"/>
-          </a:ln>
+      </p:cxnSp>
+      <p:cxnSp>
+        <p:nvCxnSpPr>
+          <p:cNvPr id="16" name="Straight Connector 15">
+            <a:extLst>
+              <a:ext uri="{FF2B5EF4-FFF2-40B4-BE49-F238E27FC236}">
+                <a16:creationId xmlns:a16="http://schemas.microsoft.com/office/drawing/2014/main" id="{7EEF9148-DDC1-4ECF-933B-868900D10B3E}"/>
+              </a:ext>
+            </a:extLst>
+          </p:cNvPr>
+          <p:cNvCxnSpPr>
+            <a:cxnSpLocks/>
+          </p:cNvCxnSpPr>
+          <p:nvPr/>
+        </p:nvCxnSpPr>
+        <p:spPr>
+          <a:xfrm>
+            <a:off x="-476690" y="6867525"/>
+            <a:ext cx="10852150" cy="0"/>
+          </a:xfrm>
+          <a:prstGeom prst="line">
+            <a:avLst/>
+          </a:prstGeom>
         </p:spPr>
         <p:style>
-          <a:lnRef idx="2">
-            <a:schemeClr val="accent1">
-              <a:shade val="50000"/>
-            </a:schemeClr>
+          <a:lnRef idx="1">
+            <a:schemeClr val="accent1"/>
           </a:lnRef>
-          <a:fillRef idx="1">
+          <a:fillRef idx="0">
             <a:schemeClr val="accent1"/>
           </a:fillRef>
           <a:effectRef idx="0">
             <a:schemeClr val="accent1"/>
           </a:effectRef>
           <a:fontRef idx="minor">
-            <a:schemeClr val="lt1"/>
+            <a:schemeClr val="tx1"/>
           </a:fontRef>
         </p:style>
-        <p:txBody>
-          <a:bodyPr rtlCol="0" anchor="ctr"/>
-          <a:lstStyle/>
-          <a:p>
-            <a:pPr algn="ctr"/>
-            <a:endParaRPr lang="en-CA">
-              <a:solidFill>
-                <a:srgbClr val="FFC000"/>
-              </a:solidFill>
-            </a:endParaRPr>
-          </a:p>
-        </p:txBody>
-      </p:sp>
-      <p:sp>
-        <p:nvSpPr>
-          <p:cNvPr id="18" name="TextBox 17">
-            <a:extLst>
-              <a:ext uri="{FF2B5EF4-FFF2-40B4-BE49-F238E27FC236}">
-                <a16:creationId xmlns:a16="http://schemas.microsoft.com/office/drawing/2014/main" id="{709E809C-DCA1-40EF-82E3-5BCC6C750A57}"/>
-              </a:ext>
-            </a:extLst>
-          </p:cNvPr>
-          <p:cNvSpPr txBox="1"/>
-          <p:nvPr/>
-        </p:nvSpPr>
-        <p:spPr>
-          <a:xfrm>
-            <a:off x="8232024" y="1204970"/>
-            <a:ext cx="2084936" cy="923330"/>
-          </a:xfrm>
-          <a:prstGeom prst="rect">
-            <a:avLst/>
-          </a:prstGeom>
-          <a:noFill/>
-        </p:spPr>
-        <p:txBody>
-          <a:bodyPr wrap="square" rtlCol="0">
-            <a:spAutoFit/>
-          </a:bodyPr>
-          <a:lstStyle/>
-          <a:p>
-            <a:pPr algn="ctr"/>
-            <a:r>
-              <a:rPr lang="en-US" dirty="0">
-                <a:solidFill>
-                  <a:srgbClr val="FFA7D5"/>
-                </a:solidFill>
-              </a:rPr>
-              <a:t>Time-indexed </a:t>
-            </a:r>
-          </a:p>
-          <a:p>
-            <a:pPr algn="ctr"/>
-            <a:r>
-              <a:rPr lang="en-US" dirty="0">
-                <a:solidFill>
-                  <a:srgbClr val="FFA7D5"/>
-                </a:solidFill>
-              </a:rPr>
-              <a:t>data</a:t>
-            </a:r>
-          </a:p>
-          <a:p>
-            <a:pPr algn="ctr"/>
-            <a:r>
-              <a:rPr lang="en-US" dirty="0">
-                <a:solidFill>
-                  <a:srgbClr val="FFA7D5"/>
-                </a:solidFill>
-              </a:rPr>
-              <a:t>(</a:t>
-            </a:r>
-            <a:r>
-              <a:rPr lang="en-US" i="1" dirty="0">
-                <a:solidFill>
-                  <a:srgbClr val="FFA7D5"/>
-                </a:solidFill>
-              </a:rPr>
-              <a:t>e.g.,</a:t>
-            </a:r>
-            <a:r>
-              <a:rPr lang="en-US" dirty="0">
-                <a:solidFill>
-                  <a:srgbClr val="FFA7D5"/>
-                </a:solidFill>
-              </a:rPr>
-              <a:t> fuel prices)</a:t>
-            </a:r>
-          </a:p>
-        </p:txBody>
-      </p:sp>
-      <p:sp>
-        <p:nvSpPr>
-          <p:cNvPr id="19" name="TextBox 18">
-            <a:extLst>
-              <a:ext uri="{FF2B5EF4-FFF2-40B4-BE49-F238E27FC236}">
-                <a16:creationId xmlns:a16="http://schemas.microsoft.com/office/drawing/2014/main" id="{2809ABEF-CCB0-4480-8E0B-5403DD0E9830}"/>
-              </a:ext>
-            </a:extLst>
-          </p:cNvPr>
-          <p:cNvSpPr txBox="1"/>
-          <p:nvPr/>
-        </p:nvSpPr>
-        <p:spPr>
-          <a:xfrm>
-            <a:off x="1436376" y="6424857"/>
-            <a:ext cx="7207871" cy="830997"/>
-          </a:xfrm>
-          <a:prstGeom prst="rect">
-            <a:avLst/>
-          </a:prstGeom>
-          <a:noFill/>
-        </p:spPr>
-        <p:txBody>
-          <a:bodyPr wrap="none" rtlCol="0">
-            <a:spAutoFit/>
-          </a:bodyPr>
-          <a:lstStyle/>
-          <a:p>
-            <a:pPr algn="ctr"/>
-            <a:r>
-              <a:rPr lang="en-US" sz="2400" dirty="0">
-                <a:solidFill>
-                  <a:schemeClr val="bg1"/>
-                </a:solidFill>
-              </a:rPr>
-              <a:t>Teranet dataset is related to multiple groups of datasets </a:t>
-            </a:r>
-          </a:p>
-          <a:p>
-            <a:pPr algn="ctr"/>
-            <a:r>
-              <a:rPr lang="en-US" sz="2400" dirty="0">
-                <a:solidFill>
-                  <a:schemeClr val="bg1"/>
-                </a:solidFill>
-              </a:rPr>
-              <a:t>based on different spatial and temporal relationships.</a:t>
-            </a:r>
-            <a:endParaRPr lang="en-CA" sz="2400" dirty="0">
-              <a:solidFill>
-                <a:schemeClr val="bg1"/>
-              </a:solidFill>
-            </a:endParaRPr>
-          </a:p>
-        </p:txBody>
-      </p:sp>
+      </p:cxnSp>
     </p:spTree>
     <p:extLst>
       <p:ext uri="{BB962C8B-B14F-4D97-AF65-F5344CB8AC3E}">
-        <p14:creationId xmlns:p14="http://schemas.microsoft.com/office/powerpoint/2010/main" val="2272263660"/>
+        <p14:creationId xmlns:p14="http://schemas.microsoft.com/office/powerpoint/2010/main" val="1591204208"/>
+      </p:ext>
+    </p:extLst>
+  </p:cSld>
+  <p:clrMapOvr>
+    <a:masterClrMapping/>
+  </p:clrMapOvr>
+</p:sld>
+</file>
+
+<file path=ppt/slides/slide19.xml><?xml version="1.0" encoding="utf-8"?>
+<p:sld xmlns:a="http://schemas.openxmlformats.org/drawingml/2006/main" xmlns:r="http://schemas.openxmlformats.org/officeDocument/2006/relationships" xmlns:p="http://schemas.openxmlformats.org/presentationml/2006/main">
+  <p:cSld>
+    <p:spTree>
+      <p:nvGrpSpPr>
+        <p:cNvPr id="1" name=""/>
+        <p:cNvGrpSpPr/>
+        <p:nvPr/>
+      </p:nvGrpSpPr>
+      <p:grpSpPr>
+        <a:xfrm>
+          <a:off x="0" y="0"/>
+          <a:ext cx="0" cy="0"/>
+          <a:chOff x="0" y="0"/>
+          <a:chExt cx="0" cy="0"/>
+        </a:xfrm>
+      </p:grpSpPr>
+      <p:sp>
+        <p:nvSpPr>
+          <p:cNvPr id="2" name="Subtitle 1">
+            <a:extLst>
+              <a:ext uri="{FF2B5EF4-FFF2-40B4-BE49-F238E27FC236}">
+                <a16:creationId xmlns:a16="http://schemas.microsoft.com/office/drawing/2014/main" id="{BD4BF09A-490F-48B9-A320-54FACCF2BD24}"/>
+              </a:ext>
+            </a:extLst>
+          </p:cNvPr>
+          <p:cNvSpPr txBox="1">
+            <a:spLocks noGrp="1"/>
+          </p:cNvSpPr>
+          <p:nvPr>
+            <p:ph type="subTitle" idx="4294967295"/>
+          </p:nvPr>
+        </p:nvSpPr>
+        <p:spPr>
+          <a:xfrm>
+            <a:off x="0" y="0"/>
+            <a:ext cx="10080625" cy="7559675"/>
+          </a:xfrm>
+        </p:spPr>
+        <p:txBody>
+          <a:bodyPr anchor="ctr"/>
+          <a:lstStyle/>
+          <a:p>
+            <a:pPr marL="0" lvl="0" indent="0" algn="ctr">
+              <a:buNone/>
+            </a:pPr>
+            <a:r>
+              <a:rPr lang="en-CA" sz="3200" dirty="0">
+                <a:latin typeface="Liberation Sans" pitchFamily="18"/>
+              </a:rPr>
+              <a:t>Section 5:</a:t>
+            </a:r>
+          </a:p>
+          <a:p>
+            <a:pPr marL="0" lvl="0" indent="0" algn="ctr">
+              <a:buNone/>
+            </a:pPr>
+            <a:r>
+              <a:rPr lang="en-CA" sz="3200" dirty="0">
+                <a:latin typeface="Liberation Sans" pitchFamily="18"/>
+              </a:rPr>
+              <a:t>Interpretation of results</a:t>
+            </a:r>
+          </a:p>
+        </p:txBody>
+      </p:sp>
+    </p:spTree>
+    <p:extLst>
+      <p:ext uri="{BB962C8B-B14F-4D97-AF65-F5344CB8AC3E}">
+        <p14:creationId xmlns:p14="http://schemas.microsoft.com/office/powerpoint/2010/main" val="2474918554"/>
       </p:ext>
     </p:extLst>
   </p:cSld>
@@ -12619,7 +9633,7 @@
               <a:rPr lang="en-CA" sz="3200" dirty="0">
                 <a:latin typeface="Liberation Sans" pitchFamily="18"/>
               </a:rPr>
-              <a:t>Section 7:</a:t>
+              <a:t>Section 6:</a:t>
             </a:r>
           </a:p>
           <a:p>
@@ -12630,7 +9644,7 @@
               <a:rPr lang="en-CA" sz="3200" dirty="0">
                 <a:latin typeface="Liberation Sans" pitchFamily="18"/>
               </a:rPr>
-              <a:t>Conclusion</a:t>
+              <a:t>RDBMS design</a:t>
             </a:r>
           </a:p>
         </p:txBody>
@@ -12638,7 +9652,7 @@
     </p:spTree>
     <p:extLst>
       <p:ext uri="{BB962C8B-B14F-4D97-AF65-F5344CB8AC3E}">
-        <p14:creationId xmlns:p14="http://schemas.microsoft.com/office/powerpoint/2010/main" val="3670250273"/>
+        <p14:creationId xmlns:p14="http://schemas.microsoft.com/office/powerpoint/2010/main" val="4171679265"/>
       </p:ext>
     </p:extLst>
   </p:cSld>
@@ -12651,6 +9665,14 @@
 <file path=ppt/slides/slide21.xml><?xml version="1.0" encoding="utf-8"?>
 <p:sld xmlns:a="http://schemas.openxmlformats.org/drawingml/2006/main" xmlns:r="http://schemas.openxmlformats.org/officeDocument/2006/relationships" xmlns:p="http://schemas.openxmlformats.org/presentationml/2006/main">
   <p:cSld>
+    <p:bg>
+      <p:bgPr>
+        <a:solidFill>
+          <a:schemeClr val="bg1"/>
+        </a:solidFill>
+        <a:effectLst/>
+      </p:bgPr>
+    </p:bg>
     <p:spTree>
       <p:nvGrpSpPr>
         <p:cNvPr id="1" name=""/>
@@ -12667,57 +9689,3097 @@
       </p:grpSpPr>
       <p:sp>
         <p:nvSpPr>
-          <p:cNvPr id="2" name="Subtitle 1">
-            <a:extLst>
-              <a:ext uri="{FF2B5EF4-FFF2-40B4-BE49-F238E27FC236}">
-                <a16:creationId xmlns:a16="http://schemas.microsoft.com/office/drawing/2014/main" id="{BD4BF09A-490F-48B9-A320-54FACCF2BD24}"/>
+          <p:cNvPr id="97" name="Cylinder 96">
+            <a:extLst>
+              <a:ext uri="{FF2B5EF4-FFF2-40B4-BE49-F238E27FC236}">
+                <a16:creationId xmlns:a16="http://schemas.microsoft.com/office/drawing/2014/main" id="{26A4696C-A566-42E5-A24B-5F38D1103A86}"/>
+              </a:ext>
+            </a:extLst>
+          </p:cNvPr>
+          <p:cNvSpPr/>
+          <p:nvPr/>
+        </p:nvSpPr>
+        <p:spPr>
+          <a:xfrm>
+            <a:off x="770260" y="1214934"/>
+            <a:ext cx="690709" cy="888745"/>
+          </a:xfrm>
+          <a:prstGeom prst="can">
+            <a:avLst/>
+          </a:prstGeom>
+          <a:solidFill>
+            <a:schemeClr val="accent4">
+              <a:lumMod val="40000"/>
+              <a:lumOff val="60000"/>
+            </a:schemeClr>
+          </a:solidFill>
+        </p:spPr>
+        <p:style>
+          <a:lnRef idx="2">
+            <a:schemeClr val="accent1">
+              <a:shade val="50000"/>
+            </a:schemeClr>
+          </a:lnRef>
+          <a:fillRef idx="1">
+            <a:schemeClr val="accent1"/>
+          </a:fillRef>
+          <a:effectRef idx="0">
+            <a:schemeClr val="accent1"/>
+          </a:effectRef>
+          <a:fontRef idx="minor">
+            <a:schemeClr val="lt1"/>
+          </a:fontRef>
+        </p:style>
+        <p:txBody>
+          <a:bodyPr rtlCol="0" anchor="ctr"/>
+          <a:lstStyle/>
+          <a:p>
+            <a:pPr algn="ctr"/>
+            <a:endParaRPr lang="en-US" sz="2000" dirty="0">
+              <a:solidFill>
+                <a:schemeClr val="tx1"/>
+              </a:solidFill>
+            </a:endParaRPr>
+          </a:p>
+        </p:txBody>
+      </p:sp>
+      <p:sp>
+        <p:nvSpPr>
+          <p:cNvPr id="96" name="Cylinder 95">
+            <a:extLst>
+              <a:ext uri="{FF2B5EF4-FFF2-40B4-BE49-F238E27FC236}">
+                <a16:creationId xmlns:a16="http://schemas.microsoft.com/office/drawing/2014/main" id="{E286D335-C755-45D1-A4CE-16B069D6CF5C}"/>
+              </a:ext>
+            </a:extLst>
+          </p:cNvPr>
+          <p:cNvSpPr/>
+          <p:nvPr/>
+        </p:nvSpPr>
+        <p:spPr>
+          <a:xfrm>
+            <a:off x="411136" y="1416725"/>
+            <a:ext cx="690709" cy="888745"/>
+          </a:xfrm>
+          <a:prstGeom prst="can">
+            <a:avLst/>
+          </a:prstGeom>
+          <a:solidFill>
+            <a:schemeClr val="accent4">
+              <a:lumMod val="40000"/>
+              <a:lumOff val="60000"/>
+            </a:schemeClr>
+          </a:solidFill>
+        </p:spPr>
+        <p:style>
+          <a:lnRef idx="2">
+            <a:schemeClr val="accent1">
+              <a:shade val="50000"/>
+            </a:schemeClr>
+          </a:lnRef>
+          <a:fillRef idx="1">
+            <a:schemeClr val="accent1"/>
+          </a:fillRef>
+          <a:effectRef idx="0">
+            <a:schemeClr val="accent1"/>
+          </a:effectRef>
+          <a:fontRef idx="minor">
+            <a:schemeClr val="lt1"/>
+          </a:fontRef>
+        </p:style>
+        <p:txBody>
+          <a:bodyPr rtlCol="0" anchor="ctr"/>
+          <a:lstStyle/>
+          <a:p>
+            <a:pPr algn="ctr"/>
+            <a:endParaRPr lang="en-US" sz="2000" dirty="0">
+              <a:solidFill>
+                <a:schemeClr val="tx1"/>
+              </a:solidFill>
+            </a:endParaRPr>
+          </a:p>
+        </p:txBody>
+      </p:sp>
+      <p:sp>
+        <p:nvSpPr>
+          <p:cNvPr id="95" name="Cylinder 94">
+            <a:extLst>
+              <a:ext uri="{FF2B5EF4-FFF2-40B4-BE49-F238E27FC236}">
+                <a16:creationId xmlns:a16="http://schemas.microsoft.com/office/drawing/2014/main" id="{33A8C9B9-B654-4072-864C-816AC3472896}"/>
+              </a:ext>
+            </a:extLst>
+          </p:cNvPr>
+          <p:cNvSpPr/>
+          <p:nvPr/>
+        </p:nvSpPr>
+        <p:spPr>
+          <a:xfrm>
+            <a:off x="1160076" y="1415300"/>
+            <a:ext cx="690709" cy="888745"/>
+          </a:xfrm>
+          <a:prstGeom prst="can">
+            <a:avLst/>
+          </a:prstGeom>
+          <a:solidFill>
+            <a:schemeClr val="accent4">
+              <a:lumMod val="40000"/>
+              <a:lumOff val="60000"/>
+            </a:schemeClr>
+          </a:solidFill>
+        </p:spPr>
+        <p:style>
+          <a:lnRef idx="2">
+            <a:schemeClr val="accent1">
+              <a:shade val="50000"/>
+            </a:schemeClr>
+          </a:lnRef>
+          <a:fillRef idx="1">
+            <a:schemeClr val="accent1"/>
+          </a:fillRef>
+          <a:effectRef idx="0">
+            <a:schemeClr val="accent1"/>
+          </a:effectRef>
+          <a:fontRef idx="minor">
+            <a:schemeClr val="lt1"/>
+          </a:fontRef>
+        </p:style>
+        <p:txBody>
+          <a:bodyPr rtlCol="0" anchor="ctr"/>
+          <a:lstStyle/>
+          <a:p>
+            <a:pPr algn="ctr"/>
+            <a:endParaRPr lang="en-US" sz="2000" dirty="0">
+              <a:solidFill>
+                <a:schemeClr val="tx1"/>
+              </a:solidFill>
+            </a:endParaRPr>
+          </a:p>
+        </p:txBody>
+      </p:sp>
+      <p:sp>
+        <p:nvSpPr>
+          <p:cNvPr id="4" name="Title 1">
+            <a:extLst>
+              <a:ext uri="{FF2B5EF4-FFF2-40B4-BE49-F238E27FC236}">
+                <a16:creationId xmlns:a16="http://schemas.microsoft.com/office/drawing/2014/main" id="{AF54D5D0-A2E8-4E37-AD39-FA8941CF6F25}"/>
               </a:ext>
             </a:extLst>
           </p:cNvPr>
           <p:cNvSpPr txBox="1">
-            <a:spLocks noGrp="1"/>
+            <a:spLocks/>
           </p:cNvSpPr>
-          <p:nvPr>
-            <p:ph type="subTitle" idx="4294967295"/>
-          </p:nvPr>
-        </p:nvSpPr>
-        <p:spPr>
-          <a:xfrm>
-            <a:off x="0" y="0"/>
-            <a:ext cx="10080625" cy="7559675"/>
-          </a:xfrm>
-        </p:spPr>
-        <p:txBody>
-          <a:bodyPr anchor="ctr"/>
-          <a:lstStyle/>
-          <a:p>
-            <a:pPr marL="0" lvl="0" indent="0" algn="ctr">
+          <p:nvPr/>
+        </p:nvSpPr>
+        <p:spPr>
+          <a:xfrm>
+            <a:off x="740320" y="396787"/>
+            <a:ext cx="8855640" cy="1262520"/>
+          </a:xfrm>
+          <a:prstGeom prst="rect">
+            <a:avLst/>
+          </a:prstGeom>
+        </p:spPr>
+        <p:txBody>
+          <a:bodyPr/>
+          <a:lstStyle>
+            <a:lvl1pPr algn="l" defTabSz="756026" rtl="0" eaLnBrk="1" latinLnBrk="0" hangingPunct="1">
+              <a:lnSpc>
+                <a:spcPct val="90000"/>
+              </a:lnSpc>
+              <a:spcBef>
+                <a:spcPct val="0"/>
+              </a:spcBef>
               <a:buNone/>
-            </a:pPr>
-            <a:r>
-              <a:rPr lang="en-CA" sz="3200" dirty="0">
-                <a:latin typeface="Liberation Sans" pitchFamily="18"/>
+              <a:defRPr sz="3638" kern="1200">
+                <a:solidFill>
+                  <a:schemeClr val="tx1"/>
+                </a:solidFill>
+                <a:latin typeface="+mj-lt"/>
+                <a:ea typeface="+mj-ea"/>
+                <a:cs typeface="+mj-cs"/>
+              </a:defRPr>
+            </a:lvl1pPr>
+          </a:lstStyle>
+          <a:p>
+            <a:r>
+              <a:rPr lang="en-US" b="1" dirty="0"/>
+              <a:t>3.1 Relationship between datasets</a:t>
+            </a:r>
+            <a:endParaRPr lang="en-CA" b="1" dirty="0"/>
+          </a:p>
+        </p:txBody>
+      </p:sp>
+      <p:sp>
+        <p:nvSpPr>
+          <p:cNvPr id="8" name="Cylinder 7">
+            <a:extLst>
+              <a:ext uri="{FF2B5EF4-FFF2-40B4-BE49-F238E27FC236}">
+                <a16:creationId xmlns:a16="http://schemas.microsoft.com/office/drawing/2014/main" id="{CA0777FC-5607-408D-B00F-8E22A768AC74}"/>
+              </a:ext>
+            </a:extLst>
+          </p:cNvPr>
+          <p:cNvSpPr/>
+          <p:nvPr/>
+        </p:nvSpPr>
+        <p:spPr>
+          <a:xfrm rot="16200000">
+            <a:off x="3712050" y="2151478"/>
+            <a:ext cx="2730201" cy="1611281"/>
+          </a:xfrm>
+          <a:prstGeom prst="can">
+            <a:avLst/>
+          </a:prstGeom>
+          <a:solidFill>
+            <a:schemeClr val="accent1">
+              <a:lumMod val="75000"/>
+            </a:schemeClr>
+          </a:solidFill>
+        </p:spPr>
+        <p:style>
+          <a:lnRef idx="2">
+            <a:schemeClr val="accent1">
+              <a:shade val="50000"/>
+            </a:schemeClr>
+          </a:lnRef>
+          <a:fillRef idx="1">
+            <a:schemeClr val="accent1"/>
+          </a:fillRef>
+          <a:effectRef idx="0">
+            <a:schemeClr val="accent1"/>
+          </a:effectRef>
+          <a:fontRef idx="minor">
+            <a:schemeClr val="lt1"/>
+          </a:fontRef>
+        </p:style>
+        <p:txBody>
+          <a:bodyPr rtlCol="0" anchor="ctr"/>
+          <a:lstStyle/>
+          <a:p>
+            <a:pPr algn="ctr"/>
+            <a:endParaRPr lang="en-US" dirty="0">
+              <a:solidFill>
+                <a:schemeClr val="tx1"/>
+              </a:solidFill>
+            </a:endParaRPr>
+          </a:p>
+        </p:txBody>
+      </p:sp>
+      <p:sp>
+        <p:nvSpPr>
+          <p:cNvPr id="9" name="Cylinder 8">
+            <a:extLst>
+              <a:ext uri="{FF2B5EF4-FFF2-40B4-BE49-F238E27FC236}">
+                <a16:creationId xmlns:a16="http://schemas.microsoft.com/office/drawing/2014/main" id="{693A8F34-C1C9-4A71-A37F-954227BEA5DA}"/>
+              </a:ext>
+            </a:extLst>
+          </p:cNvPr>
+          <p:cNvSpPr/>
+          <p:nvPr/>
+        </p:nvSpPr>
+        <p:spPr>
+          <a:xfrm>
+            <a:off x="7018923" y="4086922"/>
+            <a:ext cx="1583532" cy="1225496"/>
+          </a:xfrm>
+          <a:prstGeom prst="can">
+            <a:avLst/>
+          </a:prstGeom>
+          <a:solidFill>
+            <a:schemeClr val="accent6">
+              <a:lumMod val="60000"/>
+              <a:lumOff val="40000"/>
+            </a:schemeClr>
+          </a:solidFill>
+        </p:spPr>
+        <p:style>
+          <a:lnRef idx="2">
+            <a:schemeClr val="accent1">
+              <a:shade val="50000"/>
+            </a:schemeClr>
+          </a:lnRef>
+          <a:fillRef idx="1">
+            <a:schemeClr val="accent1"/>
+          </a:fillRef>
+          <a:effectRef idx="0">
+            <a:schemeClr val="accent1"/>
+          </a:effectRef>
+          <a:fontRef idx="minor">
+            <a:schemeClr val="lt1"/>
+          </a:fontRef>
+        </p:style>
+        <p:txBody>
+          <a:bodyPr rtlCol="0" anchor="ctr"/>
+          <a:lstStyle/>
+          <a:p>
+            <a:pPr algn="ctr"/>
+            <a:r>
+              <a:rPr lang="en-US" sz="2000" dirty="0">
+                <a:solidFill>
+                  <a:schemeClr val="tx1"/>
+                </a:solidFill>
               </a:rPr>
-              <a:t>Thank you!</a:t>
-            </a:r>
-          </a:p>
-          <a:p>
-            <a:pPr marL="0" lvl="0" indent="0" algn="ctr">
-              <a:buNone/>
-            </a:pPr>
-            <a:r>
-              <a:rPr lang="en-CA" sz="3200" dirty="0">
-                <a:latin typeface="Liberation Sans" pitchFamily="18"/>
+              <a:t>Parcel-level</a:t>
+            </a:r>
+          </a:p>
+          <a:p>
+            <a:pPr algn="ctr"/>
+            <a:r>
+              <a:rPr lang="en-US" sz="2000" dirty="0">
+                <a:solidFill>
+                  <a:schemeClr val="tx1"/>
+                </a:solidFill>
               </a:rPr>
-              <a:t>Questions?</a:t>
-            </a:r>
+              <a:t>Land Use</a:t>
+            </a:r>
+          </a:p>
+        </p:txBody>
+      </p:sp>
+      <p:sp>
+        <p:nvSpPr>
+          <p:cNvPr id="3" name="TextBox 2">
+            <a:extLst>
+              <a:ext uri="{FF2B5EF4-FFF2-40B4-BE49-F238E27FC236}">
+                <a16:creationId xmlns:a16="http://schemas.microsoft.com/office/drawing/2014/main" id="{4D72BCE1-5BF6-41CD-8834-538CF797C4E0}"/>
+              </a:ext>
+            </a:extLst>
+          </p:cNvPr>
+          <p:cNvSpPr txBox="1"/>
+          <p:nvPr/>
+        </p:nvSpPr>
+        <p:spPr>
+          <a:xfrm>
+            <a:off x="4693638" y="2726285"/>
+            <a:ext cx="1127168" cy="461665"/>
+          </a:xfrm>
+          <a:prstGeom prst="rect">
+            <a:avLst/>
+          </a:prstGeom>
+          <a:noFill/>
+        </p:spPr>
+        <p:txBody>
+          <a:bodyPr wrap="none" rtlCol="0">
+            <a:spAutoFit/>
+          </a:bodyPr>
+          <a:lstStyle/>
+          <a:p>
+            <a:r>
+              <a:rPr lang="en-US" sz="2400" dirty="0">
+                <a:solidFill>
+                  <a:schemeClr val="bg1"/>
+                </a:solidFill>
+              </a:rPr>
+              <a:t>Teranet</a:t>
+            </a:r>
+            <a:endParaRPr lang="en-CA" sz="2400" dirty="0">
+              <a:solidFill>
+                <a:schemeClr val="bg1"/>
+              </a:solidFill>
+            </a:endParaRPr>
+          </a:p>
+        </p:txBody>
+      </p:sp>
+      <p:sp>
+        <p:nvSpPr>
+          <p:cNvPr id="10" name="Cylinder 9">
+            <a:extLst>
+              <a:ext uri="{FF2B5EF4-FFF2-40B4-BE49-F238E27FC236}">
+                <a16:creationId xmlns:a16="http://schemas.microsoft.com/office/drawing/2014/main" id="{29BA0622-DB6B-4338-9FE5-60A6F70C8FBA}"/>
+              </a:ext>
+            </a:extLst>
+          </p:cNvPr>
+          <p:cNvSpPr/>
+          <p:nvPr/>
+        </p:nvSpPr>
+        <p:spPr>
+          <a:xfrm>
+            <a:off x="7340670" y="6237666"/>
+            <a:ext cx="940038" cy="567778"/>
+          </a:xfrm>
+          <a:prstGeom prst="can">
+            <a:avLst/>
+          </a:prstGeom>
+          <a:solidFill>
+            <a:schemeClr val="accent2">
+              <a:lumMod val="40000"/>
+              <a:lumOff val="60000"/>
+            </a:schemeClr>
+          </a:solidFill>
+        </p:spPr>
+        <p:style>
+          <a:lnRef idx="2">
+            <a:schemeClr val="accent1">
+              <a:shade val="50000"/>
+            </a:schemeClr>
+          </a:lnRef>
+          <a:fillRef idx="1">
+            <a:schemeClr val="accent1"/>
+          </a:fillRef>
+          <a:effectRef idx="0">
+            <a:schemeClr val="accent1"/>
+          </a:effectRef>
+          <a:fontRef idx="minor">
+            <a:schemeClr val="lt1"/>
+          </a:fontRef>
+        </p:style>
+        <p:txBody>
+          <a:bodyPr rtlCol="0" anchor="ctr"/>
+          <a:lstStyle/>
+          <a:p>
+            <a:pPr algn="ctr"/>
+            <a:r>
+              <a:rPr lang="en-US" sz="2400" dirty="0">
+                <a:solidFill>
+                  <a:schemeClr val="tx1"/>
+                </a:solidFill>
+              </a:rPr>
+              <a:t>EPOI</a:t>
+            </a:r>
+          </a:p>
+        </p:txBody>
+      </p:sp>
+      <p:cxnSp>
+        <p:nvCxnSpPr>
+          <p:cNvPr id="12" name="Straight Connector 11">
+            <a:extLst>
+              <a:ext uri="{FF2B5EF4-FFF2-40B4-BE49-F238E27FC236}">
+                <a16:creationId xmlns:a16="http://schemas.microsoft.com/office/drawing/2014/main" id="{7B111B3C-F5BC-4DE5-9868-C77C0F4A27E1}"/>
+              </a:ext>
+            </a:extLst>
+          </p:cNvPr>
+          <p:cNvCxnSpPr>
+            <a:cxnSpLocks/>
+          </p:cNvCxnSpPr>
+          <p:nvPr/>
+        </p:nvCxnSpPr>
+        <p:spPr>
+          <a:xfrm flipV="1">
+            <a:off x="5122473" y="4322219"/>
+            <a:ext cx="17285" cy="1581240"/>
+          </a:xfrm>
+          <a:prstGeom prst="line">
+            <a:avLst/>
+          </a:prstGeom>
+          <a:ln w="38100">
+            <a:prstDash val="dash"/>
+          </a:ln>
+        </p:spPr>
+        <p:style>
+          <a:lnRef idx="1">
+            <a:schemeClr val="accent1"/>
+          </a:lnRef>
+          <a:fillRef idx="0">
+            <a:schemeClr val="accent1"/>
+          </a:fillRef>
+          <a:effectRef idx="0">
+            <a:schemeClr val="accent1"/>
+          </a:effectRef>
+          <a:fontRef idx="minor">
+            <a:schemeClr val="tx1"/>
+          </a:fontRef>
+        </p:style>
+      </p:cxnSp>
+      <p:sp>
+        <p:nvSpPr>
+          <p:cNvPr id="14" name="TextBox 13">
+            <a:extLst>
+              <a:ext uri="{FF2B5EF4-FFF2-40B4-BE49-F238E27FC236}">
+                <a16:creationId xmlns:a16="http://schemas.microsoft.com/office/drawing/2014/main" id="{5F1D8E1C-AEC5-49B0-A3A9-F47989A66E02}"/>
+              </a:ext>
+            </a:extLst>
+          </p:cNvPr>
+          <p:cNvSpPr txBox="1"/>
+          <p:nvPr/>
+        </p:nvSpPr>
+        <p:spPr>
+          <a:xfrm>
+            <a:off x="5232952" y="4389867"/>
+            <a:ext cx="1072730" cy="369332"/>
+          </a:xfrm>
+          <a:prstGeom prst="rect">
+            <a:avLst/>
+          </a:prstGeom>
+          <a:solidFill>
+            <a:schemeClr val="accent1">
+              <a:lumMod val="40000"/>
+              <a:lumOff val="60000"/>
+            </a:schemeClr>
+          </a:solidFill>
+        </p:spPr>
+        <p:txBody>
+          <a:bodyPr wrap="none" rtlCol="0">
+            <a:spAutoFit/>
+          </a:bodyPr>
+          <a:lstStyle/>
+          <a:p>
+            <a:r>
+              <a:rPr lang="en-US" b="1" i="1" dirty="0"/>
+              <a:t>fk:</a:t>
+            </a:r>
+            <a:r>
+              <a:rPr lang="en-US" dirty="0"/>
+              <a:t> pin_lu</a:t>
+            </a:r>
+            <a:endParaRPr lang="en-CA" dirty="0"/>
+          </a:p>
+        </p:txBody>
+      </p:sp>
+      <p:sp>
+        <p:nvSpPr>
+          <p:cNvPr id="15" name="TextBox 14">
+            <a:extLst>
+              <a:ext uri="{FF2B5EF4-FFF2-40B4-BE49-F238E27FC236}">
+                <a16:creationId xmlns:a16="http://schemas.microsoft.com/office/drawing/2014/main" id="{3FC96E0A-966B-4CD0-8AFA-5BF833EA02C2}"/>
+              </a:ext>
+            </a:extLst>
+          </p:cNvPr>
+          <p:cNvSpPr txBox="1"/>
+          <p:nvPr/>
+        </p:nvSpPr>
+        <p:spPr>
+          <a:xfrm>
+            <a:off x="5612982" y="4759199"/>
+            <a:ext cx="701346" cy="369332"/>
+          </a:xfrm>
+          <a:prstGeom prst="rect">
+            <a:avLst/>
+          </a:prstGeom>
+          <a:solidFill>
+            <a:schemeClr val="bg1">
+              <a:lumMod val="75000"/>
+            </a:schemeClr>
+          </a:solidFill>
+        </p:spPr>
+        <p:txBody>
+          <a:bodyPr wrap="none" rtlCol="0">
+            <a:spAutoFit/>
+          </a:bodyPr>
+          <a:lstStyle/>
+          <a:p>
+            <a:r>
+              <a:rPr lang="en-US" dirty="0"/>
+              <a:t>many</a:t>
+            </a:r>
+            <a:endParaRPr lang="en-CA" dirty="0"/>
+          </a:p>
+        </p:txBody>
+      </p:sp>
+      <p:sp>
+        <p:nvSpPr>
+          <p:cNvPr id="16" name="TextBox 15">
+            <a:extLst>
+              <a:ext uri="{FF2B5EF4-FFF2-40B4-BE49-F238E27FC236}">
+                <a16:creationId xmlns:a16="http://schemas.microsoft.com/office/drawing/2014/main" id="{778D7843-DAFC-4B40-99A9-E730A2C36AD8}"/>
+              </a:ext>
+            </a:extLst>
+          </p:cNvPr>
+          <p:cNvSpPr txBox="1"/>
+          <p:nvPr/>
+        </p:nvSpPr>
+        <p:spPr>
+          <a:xfrm>
+            <a:off x="6891483" y="3580561"/>
+            <a:ext cx="861133" cy="369332"/>
+          </a:xfrm>
+          <a:prstGeom prst="rect">
+            <a:avLst/>
+          </a:prstGeom>
+          <a:solidFill>
+            <a:schemeClr val="accent2">
+              <a:lumMod val="60000"/>
+              <a:lumOff val="40000"/>
+            </a:schemeClr>
+          </a:solidFill>
+        </p:spPr>
+        <p:txBody>
+          <a:bodyPr wrap="none" rtlCol="0">
+            <a:spAutoFit/>
+          </a:bodyPr>
+          <a:lstStyle/>
+          <a:p>
+            <a:r>
+              <a:rPr lang="en-US" b="1" i="1" dirty="0"/>
+              <a:t>pk:</a:t>
+            </a:r>
+            <a:r>
+              <a:rPr lang="en-US" dirty="0"/>
+              <a:t> PIN</a:t>
+            </a:r>
+            <a:endParaRPr lang="en-CA" dirty="0"/>
+          </a:p>
+        </p:txBody>
+      </p:sp>
+      <p:sp>
+        <p:nvSpPr>
+          <p:cNvPr id="17" name="TextBox 16">
+            <a:extLst>
+              <a:ext uri="{FF2B5EF4-FFF2-40B4-BE49-F238E27FC236}">
+                <a16:creationId xmlns:a16="http://schemas.microsoft.com/office/drawing/2014/main" id="{D6754335-5022-4556-9B70-3E556D3B9C00}"/>
+              </a:ext>
+            </a:extLst>
+          </p:cNvPr>
+          <p:cNvSpPr txBox="1"/>
+          <p:nvPr/>
+        </p:nvSpPr>
+        <p:spPr>
+          <a:xfrm>
+            <a:off x="7889983" y="3580561"/>
+            <a:ext cx="543739" cy="369332"/>
+          </a:xfrm>
+          <a:prstGeom prst="rect">
+            <a:avLst/>
+          </a:prstGeom>
+          <a:solidFill>
+            <a:schemeClr val="accent3">
+              <a:lumMod val="20000"/>
+              <a:lumOff val="80000"/>
+            </a:schemeClr>
+          </a:solidFill>
+        </p:spPr>
+        <p:txBody>
+          <a:bodyPr wrap="none" rtlCol="0">
+            <a:spAutoFit/>
+          </a:bodyPr>
+          <a:lstStyle/>
+          <a:p>
+            <a:r>
+              <a:rPr lang="en-US" dirty="0"/>
+              <a:t>one</a:t>
+            </a:r>
+            <a:endParaRPr lang="en-CA" dirty="0"/>
+          </a:p>
+        </p:txBody>
+      </p:sp>
+      <p:cxnSp>
+        <p:nvCxnSpPr>
+          <p:cNvPr id="18" name="Straight Connector 17">
+            <a:extLst>
+              <a:ext uri="{FF2B5EF4-FFF2-40B4-BE49-F238E27FC236}">
+                <a16:creationId xmlns:a16="http://schemas.microsoft.com/office/drawing/2014/main" id="{F8555F29-1333-416E-94C7-9250D5638EAF}"/>
+              </a:ext>
+            </a:extLst>
+          </p:cNvPr>
+          <p:cNvCxnSpPr>
+            <a:cxnSpLocks/>
+            <a:stCxn id="10" idx="1"/>
+          </p:cNvCxnSpPr>
+          <p:nvPr/>
+        </p:nvCxnSpPr>
+        <p:spPr>
+          <a:xfrm flipH="1" flipV="1">
+            <a:off x="7806769" y="5256488"/>
+            <a:ext cx="3920" cy="981178"/>
+          </a:xfrm>
+          <a:prstGeom prst="line">
+            <a:avLst/>
+          </a:prstGeom>
+          <a:ln w="38100">
+            <a:solidFill>
+              <a:schemeClr val="accent6"/>
+            </a:solidFill>
+            <a:prstDash val="dash"/>
+          </a:ln>
+        </p:spPr>
+        <p:style>
+          <a:lnRef idx="1">
+            <a:schemeClr val="accent1"/>
+          </a:lnRef>
+          <a:fillRef idx="0">
+            <a:schemeClr val="accent1"/>
+          </a:fillRef>
+          <a:effectRef idx="0">
+            <a:schemeClr val="accent1"/>
+          </a:effectRef>
+          <a:fontRef idx="minor">
+            <a:schemeClr val="tx1"/>
+          </a:fontRef>
+        </p:style>
+      </p:cxnSp>
+      <p:sp>
+        <p:nvSpPr>
+          <p:cNvPr id="23" name="TextBox 22">
+            <a:extLst>
+              <a:ext uri="{FF2B5EF4-FFF2-40B4-BE49-F238E27FC236}">
+                <a16:creationId xmlns:a16="http://schemas.microsoft.com/office/drawing/2014/main" id="{F228042F-A86F-46F2-B5EA-EF531AA46810}"/>
+              </a:ext>
+            </a:extLst>
+          </p:cNvPr>
+          <p:cNvSpPr txBox="1"/>
+          <p:nvPr/>
+        </p:nvSpPr>
+        <p:spPr>
+          <a:xfrm>
+            <a:off x="7889983" y="5795168"/>
+            <a:ext cx="701346" cy="369332"/>
+          </a:xfrm>
+          <a:prstGeom prst="rect">
+            <a:avLst/>
+          </a:prstGeom>
+          <a:solidFill>
+            <a:schemeClr val="bg1">
+              <a:lumMod val="75000"/>
+            </a:schemeClr>
+          </a:solidFill>
+        </p:spPr>
+        <p:txBody>
+          <a:bodyPr wrap="none" rtlCol="0">
+            <a:spAutoFit/>
+          </a:bodyPr>
+          <a:lstStyle/>
+          <a:p>
+            <a:r>
+              <a:rPr lang="en-US" dirty="0"/>
+              <a:t>many</a:t>
+            </a:r>
+            <a:endParaRPr lang="en-CA" dirty="0"/>
+          </a:p>
+        </p:txBody>
+      </p:sp>
+      <p:sp>
+        <p:nvSpPr>
+          <p:cNvPr id="24" name="TextBox 23">
+            <a:extLst>
+              <a:ext uri="{FF2B5EF4-FFF2-40B4-BE49-F238E27FC236}">
+                <a16:creationId xmlns:a16="http://schemas.microsoft.com/office/drawing/2014/main" id="{92ADE541-4AF4-42C3-BFC0-25C289D05897}"/>
+              </a:ext>
+            </a:extLst>
+          </p:cNvPr>
+          <p:cNvSpPr txBox="1"/>
+          <p:nvPr/>
+        </p:nvSpPr>
+        <p:spPr>
+          <a:xfrm>
+            <a:off x="6931557" y="5809631"/>
+            <a:ext cx="811441" cy="369332"/>
+          </a:xfrm>
+          <a:prstGeom prst="rect">
+            <a:avLst/>
+          </a:prstGeom>
+          <a:solidFill>
+            <a:schemeClr val="accent1">
+              <a:lumMod val="40000"/>
+              <a:lumOff val="60000"/>
+            </a:schemeClr>
+          </a:solidFill>
+        </p:spPr>
+        <p:txBody>
+          <a:bodyPr wrap="none" rtlCol="0">
+            <a:spAutoFit/>
+          </a:bodyPr>
+          <a:lstStyle/>
+          <a:p>
+            <a:r>
+              <a:rPr lang="en-US" b="1" i="1" dirty="0"/>
+              <a:t>fk:</a:t>
+            </a:r>
+            <a:r>
+              <a:rPr lang="en-US" dirty="0"/>
+              <a:t> PIN</a:t>
+            </a:r>
+            <a:endParaRPr lang="en-CA" dirty="0"/>
+          </a:p>
+        </p:txBody>
+      </p:sp>
+      <p:sp>
+        <p:nvSpPr>
+          <p:cNvPr id="25" name="TextBox 24">
+            <a:extLst>
+              <a:ext uri="{FF2B5EF4-FFF2-40B4-BE49-F238E27FC236}">
+                <a16:creationId xmlns:a16="http://schemas.microsoft.com/office/drawing/2014/main" id="{8F2CD28B-2A2C-4ECD-90E7-0BE5EB3E29F2}"/>
+              </a:ext>
+            </a:extLst>
+          </p:cNvPr>
+          <p:cNvSpPr txBox="1"/>
+          <p:nvPr/>
+        </p:nvSpPr>
+        <p:spPr>
+          <a:xfrm>
+            <a:off x="7889983" y="5369127"/>
+            <a:ext cx="543739" cy="369332"/>
+          </a:xfrm>
+          <a:prstGeom prst="rect">
+            <a:avLst/>
+          </a:prstGeom>
+          <a:solidFill>
+            <a:schemeClr val="bg1">
+              <a:lumMod val="95000"/>
+            </a:schemeClr>
+          </a:solidFill>
+        </p:spPr>
+        <p:txBody>
+          <a:bodyPr wrap="none" rtlCol="0">
+            <a:spAutoFit/>
+          </a:bodyPr>
+          <a:lstStyle/>
+          <a:p>
+            <a:r>
+              <a:rPr lang="en-US" dirty="0"/>
+              <a:t>one</a:t>
+            </a:r>
+            <a:endParaRPr lang="en-CA" dirty="0"/>
+          </a:p>
+        </p:txBody>
+      </p:sp>
+      <p:cxnSp>
+        <p:nvCxnSpPr>
+          <p:cNvPr id="26" name="Straight Connector 25">
+            <a:extLst>
+              <a:ext uri="{FF2B5EF4-FFF2-40B4-BE49-F238E27FC236}">
+                <a16:creationId xmlns:a16="http://schemas.microsoft.com/office/drawing/2014/main" id="{2C6422C4-2641-40BB-8CE4-047811EC2273}"/>
+              </a:ext>
+            </a:extLst>
+          </p:cNvPr>
+          <p:cNvCxnSpPr>
+            <a:cxnSpLocks/>
+          </p:cNvCxnSpPr>
+          <p:nvPr/>
+        </p:nvCxnSpPr>
+        <p:spPr>
+          <a:xfrm flipH="1">
+            <a:off x="3993266" y="2200649"/>
+            <a:ext cx="394100" cy="0"/>
+          </a:xfrm>
+          <a:prstGeom prst="line">
+            <a:avLst/>
+          </a:prstGeom>
+          <a:ln w="38100">
+            <a:prstDash val="dash"/>
+          </a:ln>
+        </p:spPr>
+        <p:style>
+          <a:lnRef idx="1">
+            <a:schemeClr val="accent1"/>
+          </a:lnRef>
+          <a:fillRef idx="0">
+            <a:schemeClr val="accent1"/>
+          </a:fillRef>
+          <a:effectRef idx="0">
+            <a:schemeClr val="accent1"/>
+          </a:effectRef>
+          <a:fontRef idx="minor">
+            <a:schemeClr val="tx1"/>
+          </a:fontRef>
+        </p:style>
+      </p:cxnSp>
+      <p:sp>
+        <p:nvSpPr>
+          <p:cNvPr id="30" name="TextBox 29">
+            <a:extLst>
+              <a:ext uri="{FF2B5EF4-FFF2-40B4-BE49-F238E27FC236}">
+                <a16:creationId xmlns:a16="http://schemas.microsoft.com/office/drawing/2014/main" id="{9D5BF42D-9207-4A7D-A939-EBC93BE6318F}"/>
+              </a:ext>
+            </a:extLst>
+          </p:cNvPr>
+          <p:cNvSpPr txBox="1"/>
+          <p:nvPr/>
+        </p:nvSpPr>
+        <p:spPr>
+          <a:xfrm>
+            <a:off x="3186515" y="1675007"/>
+            <a:ext cx="1015021" cy="369332"/>
+          </a:xfrm>
+          <a:prstGeom prst="rect">
+            <a:avLst/>
+          </a:prstGeom>
+          <a:solidFill>
+            <a:schemeClr val="accent1">
+              <a:lumMod val="40000"/>
+              <a:lumOff val="60000"/>
+            </a:schemeClr>
+          </a:solidFill>
+        </p:spPr>
+        <p:txBody>
+          <a:bodyPr wrap="none" rtlCol="0">
+            <a:spAutoFit/>
+          </a:bodyPr>
+          <a:lstStyle/>
+          <a:p>
+            <a:r>
+              <a:rPr lang="en-US" b="1" i="1" dirty="0"/>
+              <a:t>fk:</a:t>
+            </a:r>
+            <a:r>
+              <a:rPr lang="en-US" dirty="0"/>
+              <a:t> dauid</a:t>
+            </a:r>
+            <a:endParaRPr lang="en-CA" dirty="0"/>
+          </a:p>
+        </p:txBody>
+      </p:sp>
+      <p:sp>
+        <p:nvSpPr>
+          <p:cNvPr id="32" name="TextBox 31">
+            <a:extLst>
+              <a:ext uri="{FF2B5EF4-FFF2-40B4-BE49-F238E27FC236}">
+                <a16:creationId xmlns:a16="http://schemas.microsoft.com/office/drawing/2014/main" id="{DDE8DAC6-F842-4665-A838-399F69030D97}"/>
+              </a:ext>
+            </a:extLst>
+          </p:cNvPr>
+          <p:cNvSpPr txBox="1"/>
+          <p:nvPr/>
+        </p:nvSpPr>
+        <p:spPr>
+          <a:xfrm>
+            <a:off x="2187355" y="1953048"/>
+            <a:ext cx="1895199" cy="461665"/>
+          </a:xfrm>
+          <a:prstGeom prst="rect">
+            <a:avLst/>
+          </a:prstGeom>
+          <a:noFill/>
+        </p:spPr>
+        <p:txBody>
+          <a:bodyPr wrap="none" rtlCol="0">
+            <a:spAutoFit/>
+          </a:bodyPr>
+          <a:lstStyle/>
+          <a:p>
+            <a:r>
+              <a:rPr lang="en-US" sz="2400" b="1" dirty="0"/>
+              <a:t>DA-level data</a:t>
+            </a:r>
+            <a:endParaRPr lang="en-CA" sz="2400" b="1" dirty="0"/>
+          </a:p>
+        </p:txBody>
+      </p:sp>
+      <p:sp>
+        <p:nvSpPr>
+          <p:cNvPr id="39" name="Cylinder 38">
+            <a:extLst>
+              <a:ext uri="{FF2B5EF4-FFF2-40B4-BE49-F238E27FC236}">
+                <a16:creationId xmlns:a16="http://schemas.microsoft.com/office/drawing/2014/main" id="{20C92DE8-77AD-41C6-8BE2-71BC5721CED3}"/>
+              </a:ext>
+            </a:extLst>
+          </p:cNvPr>
+          <p:cNvSpPr/>
+          <p:nvPr/>
+        </p:nvSpPr>
+        <p:spPr>
+          <a:xfrm>
+            <a:off x="346713" y="1703100"/>
+            <a:ext cx="1454768" cy="1417545"/>
+          </a:xfrm>
+          <a:prstGeom prst="can">
+            <a:avLst/>
+          </a:prstGeom>
+          <a:solidFill>
+            <a:schemeClr val="accent4">
+              <a:lumMod val="40000"/>
+              <a:lumOff val="60000"/>
+            </a:schemeClr>
+          </a:solidFill>
+        </p:spPr>
+        <p:style>
+          <a:lnRef idx="2">
+            <a:schemeClr val="accent1">
+              <a:shade val="50000"/>
+            </a:schemeClr>
+          </a:lnRef>
+          <a:fillRef idx="1">
+            <a:schemeClr val="accent1"/>
+          </a:fillRef>
+          <a:effectRef idx="0">
+            <a:schemeClr val="accent1"/>
+          </a:effectRef>
+          <a:fontRef idx="minor">
+            <a:schemeClr val="lt1"/>
+          </a:fontRef>
+        </p:style>
+        <p:txBody>
+          <a:bodyPr rtlCol="0" anchor="ctr"/>
+          <a:lstStyle/>
+          <a:p>
+            <a:pPr algn="ctr"/>
+            <a:r>
+              <a:rPr lang="en-US" sz="2000" dirty="0">
+                <a:solidFill>
+                  <a:schemeClr val="tx1"/>
+                </a:solidFill>
+              </a:rPr>
+              <a:t>Census</a:t>
+            </a:r>
+          </a:p>
+        </p:txBody>
+      </p:sp>
+      <p:sp>
+        <p:nvSpPr>
+          <p:cNvPr id="44" name="TextBox 43">
+            <a:extLst>
+              <a:ext uri="{FF2B5EF4-FFF2-40B4-BE49-F238E27FC236}">
+                <a16:creationId xmlns:a16="http://schemas.microsoft.com/office/drawing/2014/main" id="{46445020-4F12-40B3-A2E9-5BE153BF39F9}"/>
+              </a:ext>
+            </a:extLst>
+          </p:cNvPr>
+          <p:cNvSpPr txBox="1"/>
+          <p:nvPr/>
+        </p:nvSpPr>
+        <p:spPr>
+          <a:xfrm>
+            <a:off x="3968827" y="5873056"/>
+            <a:ext cx="2296013" cy="461665"/>
+          </a:xfrm>
+          <a:prstGeom prst="rect">
+            <a:avLst/>
+          </a:prstGeom>
+          <a:noFill/>
+        </p:spPr>
+        <p:txBody>
+          <a:bodyPr wrap="none" rtlCol="0">
+            <a:spAutoFit/>
+          </a:bodyPr>
+          <a:lstStyle/>
+          <a:p>
+            <a:r>
+              <a:rPr lang="en-US" sz="2400" b="1" dirty="0"/>
+              <a:t>Parcel-level data</a:t>
+            </a:r>
+            <a:endParaRPr lang="en-CA" sz="2400" b="1" dirty="0"/>
+          </a:p>
+        </p:txBody>
+      </p:sp>
+      <p:cxnSp>
+        <p:nvCxnSpPr>
+          <p:cNvPr id="59" name="Connector: Elbow 58">
+            <a:extLst>
+              <a:ext uri="{FF2B5EF4-FFF2-40B4-BE49-F238E27FC236}">
+                <a16:creationId xmlns:a16="http://schemas.microsoft.com/office/drawing/2014/main" id="{6CB32477-5625-4237-AA69-CD77E5756217}"/>
+              </a:ext>
+            </a:extLst>
+          </p:cNvPr>
+          <p:cNvCxnSpPr>
+            <a:cxnSpLocks/>
+            <a:stCxn id="150" idx="3"/>
+            <a:endCxn id="72" idx="1"/>
+          </p:cNvCxnSpPr>
+          <p:nvPr/>
+        </p:nvCxnSpPr>
+        <p:spPr>
+          <a:xfrm rot="5400000" flipH="1" flipV="1">
+            <a:off x="742659" y="3587110"/>
+            <a:ext cx="1687770" cy="1036530"/>
+          </a:xfrm>
+          <a:prstGeom prst="bentConnector4">
+            <a:avLst>
+              <a:gd name="adj1" fmla="val -13544"/>
+              <a:gd name="adj2" fmla="val 75442"/>
+            </a:avLst>
+          </a:prstGeom>
+          <a:ln w="38100">
+            <a:solidFill>
+              <a:srgbClr val="4472C4"/>
+            </a:solidFill>
+            <a:prstDash val="dash"/>
+          </a:ln>
+        </p:spPr>
+        <p:style>
+          <a:lnRef idx="1">
+            <a:schemeClr val="accent1"/>
+          </a:lnRef>
+          <a:fillRef idx="0">
+            <a:schemeClr val="accent1"/>
+          </a:fillRef>
+          <a:effectRef idx="0">
+            <a:schemeClr val="accent1"/>
+          </a:effectRef>
+          <a:fontRef idx="minor">
+            <a:schemeClr val="tx1"/>
+          </a:fontRef>
+        </p:style>
+      </p:cxnSp>
+      <p:cxnSp>
+        <p:nvCxnSpPr>
+          <p:cNvPr id="68" name="Straight Connector 67">
+            <a:extLst>
+              <a:ext uri="{FF2B5EF4-FFF2-40B4-BE49-F238E27FC236}">
+                <a16:creationId xmlns:a16="http://schemas.microsoft.com/office/drawing/2014/main" id="{DC63BAD4-5D1A-42D1-9075-EC74699FBE82}"/>
+              </a:ext>
+            </a:extLst>
+          </p:cNvPr>
+          <p:cNvCxnSpPr>
+            <a:cxnSpLocks/>
+          </p:cNvCxnSpPr>
+          <p:nvPr/>
+        </p:nvCxnSpPr>
+        <p:spPr>
+          <a:xfrm flipH="1">
+            <a:off x="1597306" y="2204037"/>
+            <a:ext cx="656505" cy="0"/>
+          </a:xfrm>
+          <a:prstGeom prst="line">
+            <a:avLst/>
+          </a:prstGeom>
+          <a:ln w="38100">
+            <a:prstDash val="dash"/>
+          </a:ln>
+        </p:spPr>
+        <p:style>
+          <a:lnRef idx="1">
+            <a:schemeClr val="accent1"/>
+          </a:lnRef>
+          <a:fillRef idx="0">
+            <a:schemeClr val="accent1"/>
+          </a:fillRef>
+          <a:effectRef idx="0">
+            <a:schemeClr val="accent1"/>
+          </a:effectRef>
+          <a:fontRef idx="minor">
+            <a:schemeClr val="tx1"/>
+          </a:fontRef>
+        </p:style>
+      </p:cxnSp>
+      <p:sp>
+        <p:nvSpPr>
+          <p:cNvPr id="70" name="TextBox 69">
+            <a:extLst>
+              <a:ext uri="{FF2B5EF4-FFF2-40B4-BE49-F238E27FC236}">
+                <a16:creationId xmlns:a16="http://schemas.microsoft.com/office/drawing/2014/main" id="{8C508D64-0BE5-43B5-AD94-250686AFDE0D}"/>
+              </a:ext>
+            </a:extLst>
+          </p:cNvPr>
+          <p:cNvSpPr txBox="1"/>
+          <p:nvPr/>
+        </p:nvSpPr>
+        <p:spPr>
+          <a:xfrm>
+            <a:off x="1895351" y="1675007"/>
+            <a:ext cx="1055097" cy="369332"/>
+          </a:xfrm>
+          <a:prstGeom prst="rect">
+            <a:avLst/>
+          </a:prstGeom>
+          <a:solidFill>
+            <a:schemeClr val="accent2">
+              <a:lumMod val="60000"/>
+              <a:lumOff val="40000"/>
+            </a:schemeClr>
+          </a:solidFill>
+        </p:spPr>
+        <p:txBody>
+          <a:bodyPr wrap="none" rtlCol="0">
+            <a:spAutoFit/>
+          </a:bodyPr>
+          <a:lstStyle/>
+          <a:p>
+            <a:r>
+              <a:rPr lang="en-US" b="1" i="1" dirty="0"/>
+              <a:t>pk:</a:t>
+            </a:r>
+            <a:r>
+              <a:rPr lang="en-US" dirty="0"/>
+              <a:t> dauid</a:t>
+            </a:r>
+            <a:endParaRPr lang="en-CA" dirty="0"/>
+          </a:p>
+        </p:txBody>
+      </p:sp>
+      <p:cxnSp>
+        <p:nvCxnSpPr>
+          <p:cNvPr id="71" name="Straight Connector 70">
+            <a:extLst>
+              <a:ext uri="{FF2B5EF4-FFF2-40B4-BE49-F238E27FC236}">
+                <a16:creationId xmlns:a16="http://schemas.microsoft.com/office/drawing/2014/main" id="{BC1B78F9-4E0F-474C-B41A-0F87D5421C56}"/>
+              </a:ext>
+            </a:extLst>
+          </p:cNvPr>
+          <p:cNvCxnSpPr>
+            <a:cxnSpLocks/>
+          </p:cNvCxnSpPr>
+          <p:nvPr/>
+        </p:nvCxnSpPr>
+        <p:spPr>
+          <a:xfrm flipH="1">
+            <a:off x="3990185" y="3224210"/>
+            <a:ext cx="394100" cy="0"/>
+          </a:xfrm>
+          <a:prstGeom prst="line">
+            <a:avLst/>
+          </a:prstGeom>
+          <a:ln w="38100">
+            <a:prstDash val="dash"/>
+          </a:ln>
+        </p:spPr>
+        <p:style>
+          <a:lnRef idx="1">
+            <a:schemeClr val="accent1"/>
+          </a:lnRef>
+          <a:fillRef idx="0">
+            <a:schemeClr val="accent1"/>
+          </a:fillRef>
+          <a:effectRef idx="0">
+            <a:schemeClr val="accent1"/>
+          </a:effectRef>
+          <a:fontRef idx="minor">
+            <a:schemeClr val="tx1"/>
+          </a:fontRef>
+        </p:style>
+      </p:cxnSp>
+      <p:sp>
+        <p:nvSpPr>
+          <p:cNvPr id="72" name="TextBox 71">
+            <a:extLst>
+              <a:ext uri="{FF2B5EF4-FFF2-40B4-BE49-F238E27FC236}">
+                <a16:creationId xmlns:a16="http://schemas.microsoft.com/office/drawing/2014/main" id="{91E99F9F-77BF-44D7-AC17-DBE08500AF38}"/>
+              </a:ext>
+            </a:extLst>
+          </p:cNvPr>
+          <p:cNvSpPr txBox="1"/>
+          <p:nvPr/>
+        </p:nvSpPr>
+        <p:spPr>
+          <a:xfrm>
+            <a:off x="2104809" y="3030657"/>
+            <a:ext cx="1984069" cy="461665"/>
+          </a:xfrm>
+          <a:prstGeom prst="rect">
+            <a:avLst/>
+          </a:prstGeom>
+          <a:noFill/>
+        </p:spPr>
+        <p:txBody>
+          <a:bodyPr wrap="none" rtlCol="0">
+            <a:spAutoFit/>
+          </a:bodyPr>
+          <a:lstStyle/>
+          <a:p>
+            <a:r>
+              <a:rPr lang="en-US" sz="2400" b="1" dirty="0"/>
+              <a:t>TAZ-level data</a:t>
+            </a:r>
+            <a:endParaRPr lang="en-CA" sz="2400" b="1" dirty="0"/>
+          </a:p>
+        </p:txBody>
+      </p:sp>
+      <p:sp>
+        <p:nvSpPr>
+          <p:cNvPr id="78" name="TextBox 77">
+            <a:extLst>
+              <a:ext uri="{FF2B5EF4-FFF2-40B4-BE49-F238E27FC236}">
+                <a16:creationId xmlns:a16="http://schemas.microsoft.com/office/drawing/2014/main" id="{CE1049E3-D3CC-41D4-B2C0-A03E06B7C50A}"/>
+              </a:ext>
+            </a:extLst>
+          </p:cNvPr>
+          <p:cNvSpPr txBox="1"/>
+          <p:nvPr/>
+        </p:nvSpPr>
+        <p:spPr>
+          <a:xfrm>
+            <a:off x="3184753" y="2708454"/>
+            <a:ext cx="999376" cy="369332"/>
+          </a:xfrm>
+          <a:prstGeom prst="rect">
+            <a:avLst/>
+          </a:prstGeom>
+          <a:solidFill>
+            <a:schemeClr val="accent1">
+              <a:lumMod val="40000"/>
+              <a:lumOff val="60000"/>
+            </a:schemeClr>
+          </a:solidFill>
+        </p:spPr>
+        <p:txBody>
+          <a:bodyPr wrap="none" rtlCol="0">
+            <a:spAutoFit/>
+          </a:bodyPr>
+          <a:lstStyle/>
+          <a:p>
+            <a:r>
+              <a:rPr lang="en-US" b="1" i="1" dirty="0"/>
+              <a:t>fk:</a:t>
+            </a:r>
+            <a:r>
+              <a:rPr lang="en-US" dirty="0"/>
+              <a:t> taz_o</a:t>
+            </a:r>
+            <a:endParaRPr lang="en-CA" dirty="0"/>
+          </a:p>
+        </p:txBody>
+      </p:sp>
+      <p:sp>
+        <p:nvSpPr>
+          <p:cNvPr id="82" name="TextBox 81">
+            <a:extLst>
+              <a:ext uri="{FF2B5EF4-FFF2-40B4-BE49-F238E27FC236}">
+                <a16:creationId xmlns:a16="http://schemas.microsoft.com/office/drawing/2014/main" id="{0DF59E25-C8CF-44AC-A5C9-273550449044}"/>
+              </a:ext>
+            </a:extLst>
+          </p:cNvPr>
+          <p:cNvSpPr txBox="1"/>
+          <p:nvPr/>
+        </p:nvSpPr>
+        <p:spPr>
+          <a:xfrm>
+            <a:off x="6457047" y="1229352"/>
+            <a:ext cx="3011787" cy="461665"/>
+          </a:xfrm>
+          <a:prstGeom prst="rect">
+            <a:avLst/>
+          </a:prstGeom>
+          <a:noFill/>
+        </p:spPr>
+        <p:txBody>
+          <a:bodyPr wrap="none" rtlCol="0">
+            <a:spAutoFit/>
+          </a:bodyPr>
+          <a:lstStyle/>
+          <a:p>
+            <a:r>
+              <a:rPr lang="en-US" sz="2400" b="1" dirty="0"/>
+              <a:t>postal-code-level data</a:t>
+            </a:r>
+            <a:endParaRPr lang="en-CA" sz="2400" b="1" dirty="0"/>
+          </a:p>
+        </p:txBody>
+      </p:sp>
+      <p:sp>
+        <p:nvSpPr>
+          <p:cNvPr id="83" name="TextBox 82">
+            <a:extLst>
+              <a:ext uri="{FF2B5EF4-FFF2-40B4-BE49-F238E27FC236}">
+                <a16:creationId xmlns:a16="http://schemas.microsoft.com/office/drawing/2014/main" id="{1026FC18-5BEE-48DF-A603-C4ABC109356B}"/>
+              </a:ext>
+            </a:extLst>
+          </p:cNvPr>
+          <p:cNvSpPr txBox="1"/>
+          <p:nvPr/>
+        </p:nvSpPr>
+        <p:spPr>
+          <a:xfrm>
+            <a:off x="7118873" y="905549"/>
+            <a:ext cx="1104470" cy="369332"/>
+          </a:xfrm>
+          <a:prstGeom prst="rect">
+            <a:avLst/>
+          </a:prstGeom>
+          <a:solidFill>
+            <a:schemeClr val="accent1">
+              <a:lumMod val="40000"/>
+              <a:lumOff val="60000"/>
+            </a:schemeClr>
+          </a:solidFill>
+        </p:spPr>
+        <p:txBody>
+          <a:bodyPr wrap="none" rtlCol="0">
+            <a:spAutoFit/>
+          </a:bodyPr>
+          <a:lstStyle/>
+          <a:p>
+            <a:r>
+              <a:rPr lang="en-US" b="1" i="1" dirty="0"/>
+              <a:t>fk:</a:t>
+            </a:r>
+            <a:r>
+              <a:rPr lang="en-US" dirty="0"/>
+              <a:t> pca_id</a:t>
+            </a:r>
+            <a:endParaRPr lang="en-CA" dirty="0"/>
+          </a:p>
+        </p:txBody>
+      </p:sp>
+      <p:sp>
+        <p:nvSpPr>
+          <p:cNvPr id="85" name="TextBox 84">
+            <a:extLst>
+              <a:ext uri="{FF2B5EF4-FFF2-40B4-BE49-F238E27FC236}">
+                <a16:creationId xmlns:a16="http://schemas.microsoft.com/office/drawing/2014/main" id="{80B30D05-F57B-4409-A107-D326BCD363FD}"/>
+              </a:ext>
+            </a:extLst>
+          </p:cNvPr>
+          <p:cNvSpPr txBox="1"/>
+          <p:nvPr/>
+        </p:nvSpPr>
+        <p:spPr>
+          <a:xfrm>
+            <a:off x="6469860" y="2872020"/>
+            <a:ext cx="1987595" cy="461665"/>
+          </a:xfrm>
+          <a:prstGeom prst="rect">
+            <a:avLst/>
+          </a:prstGeom>
+          <a:noFill/>
+        </p:spPr>
+        <p:txBody>
+          <a:bodyPr wrap="none" rtlCol="0">
+            <a:spAutoFit/>
+          </a:bodyPr>
+          <a:lstStyle/>
+          <a:p>
+            <a:r>
+              <a:rPr lang="en-US" sz="2400" b="1" dirty="0"/>
+              <a:t>FSA-level data</a:t>
+            </a:r>
+            <a:endParaRPr lang="en-CA" sz="2400" b="1" dirty="0"/>
+          </a:p>
+        </p:txBody>
+      </p:sp>
+      <p:cxnSp>
+        <p:nvCxnSpPr>
+          <p:cNvPr id="86" name="Straight Connector 85">
+            <a:extLst>
+              <a:ext uri="{FF2B5EF4-FFF2-40B4-BE49-F238E27FC236}">
+                <a16:creationId xmlns:a16="http://schemas.microsoft.com/office/drawing/2014/main" id="{F8920155-C79E-4677-ADC4-CA098B731CE2}"/>
+              </a:ext>
+            </a:extLst>
+          </p:cNvPr>
+          <p:cNvCxnSpPr>
+            <a:cxnSpLocks/>
+          </p:cNvCxnSpPr>
+          <p:nvPr/>
+        </p:nvCxnSpPr>
+        <p:spPr>
+          <a:xfrm flipH="1">
+            <a:off x="5882791" y="3132726"/>
+            <a:ext cx="587070" cy="0"/>
+          </a:xfrm>
+          <a:prstGeom prst="line">
+            <a:avLst/>
+          </a:prstGeom>
+          <a:ln w="38100">
+            <a:prstDash val="dash"/>
+          </a:ln>
+        </p:spPr>
+        <p:style>
+          <a:lnRef idx="1">
+            <a:schemeClr val="accent1"/>
+          </a:lnRef>
+          <a:fillRef idx="0">
+            <a:schemeClr val="accent1"/>
+          </a:fillRef>
+          <a:effectRef idx="0">
+            <a:schemeClr val="accent1"/>
+          </a:effectRef>
+          <a:fontRef idx="minor">
+            <a:schemeClr val="tx1"/>
+          </a:fontRef>
+        </p:style>
+      </p:cxnSp>
+      <p:sp>
+        <p:nvSpPr>
+          <p:cNvPr id="87" name="TextBox 86">
+            <a:extLst>
+              <a:ext uri="{FF2B5EF4-FFF2-40B4-BE49-F238E27FC236}">
+                <a16:creationId xmlns:a16="http://schemas.microsoft.com/office/drawing/2014/main" id="{DE130049-3548-408B-93BA-5D6D1EF49600}"/>
+              </a:ext>
+            </a:extLst>
+          </p:cNvPr>
+          <p:cNvSpPr txBox="1"/>
+          <p:nvPr/>
+        </p:nvSpPr>
+        <p:spPr>
+          <a:xfrm>
+            <a:off x="7109662" y="2550325"/>
+            <a:ext cx="753924" cy="369332"/>
+          </a:xfrm>
+          <a:prstGeom prst="rect">
+            <a:avLst/>
+          </a:prstGeom>
+          <a:solidFill>
+            <a:schemeClr val="accent1">
+              <a:lumMod val="40000"/>
+              <a:lumOff val="60000"/>
+            </a:schemeClr>
+          </a:solidFill>
+        </p:spPr>
+        <p:txBody>
+          <a:bodyPr wrap="none" rtlCol="0">
+            <a:spAutoFit/>
+          </a:bodyPr>
+          <a:lstStyle/>
+          <a:p>
+            <a:r>
+              <a:rPr lang="en-US" b="1" i="1" dirty="0"/>
+              <a:t>fk:</a:t>
+            </a:r>
+            <a:r>
+              <a:rPr lang="en-US" dirty="0"/>
+              <a:t> fsa</a:t>
+            </a:r>
+            <a:endParaRPr lang="en-CA" dirty="0"/>
+          </a:p>
+        </p:txBody>
+      </p:sp>
+      <p:cxnSp>
+        <p:nvCxnSpPr>
+          <p:cNvPr id="88" name="Straight Connector 87">
+            <a:extLst>
+              <a:ext uri="{FF2B5EF4-FFF2-40B4-BE49-F238E27FC236}">
+                <a16:creationId xmlns:a16="http://schemas.microsoft.com/office/drawing/2014/main" id="{F6F7CAC4-CA8D-42A4-983D-DA6F8162A7F5}"/>
+              </a:ext>
+            </a:extLst>
+          </p:cNvPr>
+          <p:cNvCxnSpPr>
+            <a:cxnSpLocks/>
+          </p:cNvCxnSpPr>
+          <p:nvPr/>
+        </p:nvCxnSpPr>
+        <p:spPr>
+          <a:xfrm flipH="1" flipV="1">
+            <a:off x="9478141" y="1476604"/>
+            <a:ext cx="392004" cy="13454"/>
+          </a:xfrm>
+          <a:prstGeom prst="line">
+            <a:avLst/>
+          </a:prstGeom>
+          <a:ln w="38100">
+            <a:prstDash val="dash"/>
+          </a:ln>
+        </p:spPr>
+        <p:style>
+          <a:lnRef idx="1">
+            <a:schemeClr val="accent1"/>
+          </a:lnRef>
+          <a:fillRef idx="0">
+            <a:schemeClr val="accent1"/>
+          </a:fillRef>
+          <a:effectRef idx="0">
+            <a:schemeClr val="accent1"/>
+          </a:effectRef>
+          <a:fontRef idx="minor">
+            <a:schemeClr val="tx1"/>
+          </a:fontRef>
+        </p:style>
+      </p:cxnSp>
+      <p:cxnSp>
+        <p:nvCxnSpPr>
+          <p:cNvPr id="90" name="Straight Connector 89">
+            <a:extLst>
+              <a:ext uri="{FF2B5EF4-FFF2-40B4-BE49-F238E27FC236}">
+                <a16:creationId xmlns:a16="http://schemas.microsoft.com/office/drawing/2014/main" id="{2409693F-7795-4393-ACFF-774DEDDCC1AB}"/>
+              </a:ext>
+            </a:extLst>
+          </p:cNvPr>
+          <p:cNvCxnSpPr>
+            <a:cxnSpLocks/>
+          </p:cNvCxnSpPr>
+          <p:nvPr/>
+        </p:nvCxnSpPr>
+        <p:spPr>
+          <a:xfrm flipH="1" flipV="1">
+            <a:off x="8441641" y="3121030"/>
+            <a:ext cx="1419757" cy="6096"/>
+          </a:xfrm>
+          <a:prstGeom prst="line">
+            <a:avLst/>
+          </a:prstGeom>
+          <a:ln w="38100">
+            <a:prstDash val="dash"/>
+          </a:ln>
+        </p:spPr>
+        <p:style>
+          <a:lnRef idx="1">
+            <a:schemeClr val="accent1"/>
+          </a:lnRef>
+          <a:fillRef idx="0">
+            <a:schemeClr val="accent1"/>
+          </a:fillRef>
+          <a:effectRef idx="0">
+            <a:schemeClr val="accent1"/>
+          </a:effectRef>
+          <a:fontRef idx="minor">
+            <a:schemeClr val="tx1"/>
+          </a:fontRef>
+        </p:style>
+      </p:cxnSp>
+      <p:sp>
+        <p:nvSpPr>
+          <p:cNvPr id="91" name="TextBox 90">
+            <a:extLst>
+              <a:ext uri="{FF2B5EF4-FFF2-40B4-BE49-F238E27FC236}">
+                <a16:creationId xmlns:a16="http://schemas.microsoft.com/office/drawing/2014/main" id="{895B2DF2-5FC2-48E9-8252-6EA6B3BCF8A3}"/>
+              </a:ext>
+            </a:extLst>
+          </p:cNvPr>
+          <p:cNvSpPr txBox="1"/>
+          <p:nvPr/>
+        </p:nvSpPr>
+        <p:spPr>
+          <a:xfrm>
+            <a:off x="2266870" y="5025936"/>
+            <a:ext cx="2518190" cy="461665"/>
+          </a:xfrm>
+          <a:prstGeom prst="rect">
+            <a:avLst/>
+          </a:prstGeom>
+          <a:noFill/>
+        </p:spPr>
+        <p:txBody>
+          <a:bodyPr wrap="none" rtlCol="0">
+            <a:spAutoFit/>
+          </a:bodyPr>
+          <a:lstStyle/>
+          <a:p>
+            <a:r>
+              <a:rPr lang="en-US" sz="2400" b="1" dirty="0"/>
+              <a:t>time-indexed data</a:t>
+            </a:r>
+            <a:endParaRPr lang="en-CA" sz="2400" b="1" dirty="0"/>
+          </a:p>
+        </p:txBody>
+      </p:sp>
+      <p:sp>
+        <p:nvSpPr>
+          <p:cNvPr id="93" name="TextBox 92">
+            <a:extLst>
+              <a:ext uri="{FF2B5EF4-FFF2-40B4-BE49-F238E27FC236}">
+                <a16:creationId xmlns:a16="http://schemas.microsoft.com/office/drawing/2014/main" id="{2446EA63-BFD5-4F44-9617-12AA5366D1A4}"/>
+              </a:ext>
+            </a:extLst>
+          </p:cNvPr>
+          <p:cNvSpPr txBox="1"/>
+          <p:nvPr/>
+        </p:nvSpPr>
+        <p:spPr>
+          <a:xfrm>
+            <a:off x="3329581" y="3797760"/>
+            <a:ext cx="893578" cy="369332"/>
+          </a:xfrm>
+          <a:prstGeom prst="rect">
+            <a:avLst/>
+          </a:prstGeom>
+          <a:solidFill>
+            <a:schemeClr val="accent1">
+              <a:lumMod val="40000"/>
+              <a:lumOff val="60000"/>
+            </a:schemeClr>
+          </a:solidFill>
+        </p:spPr>
+        <p:txBody>
+          <a:bodyPr wrap="none" rtlCol="0">
+            <a:spAutoFit/>
+          </a:bodyPr>
+          <a:lstStyle/>
+          <a:p>
+            <a:r>
+              <a:rPr lang="en-US" b="1" i="1" dirty="0"/>
+              <a:t>fk:</a:t>
+            </a:r>
+            <a:r>
+              <a:rPr lang="en-US" dirty="0"/>
+              <a:t> year</a:t>
+            </a:r>
+            <a:endParaRPr lang="en-CA" dirty="0"/>
+          </a:p>
+        </p:txBody>
+      </p:sp>
+      <p:cxnSp>
+        <p:nvCxnSpPr>
+          <p:cNvPr id="98" name="Straight Connector 97">
+            <a:extLst>
+              <a:ext uri="{FF2B5EF4-FFF2-40B4-BE49-F238E27FC236}">
+                <a16:creationId xmlns:a16="http://schemas.microsoft.com/office/drawing/2014/main" id="{7D407F3C-219D-458B-A01D-563D58C740D1}"/>
+              </a:ext>
+            </a:extLst>
+          </p:cNvPr>
+          <p:cNvCxnSpPr>
+            <a:cxnSpLocks/>
+          </p:cNvCxnSpPr>
+          <p:nvPr/>
+        </p:nvCxnSpPr>
+        <p:spPr>
+          <a:xfrm flipH="1">
+            <a:off x="1213261" y="1459018"/>
+            <a:ext cx="189717" cy="400654"/>
+          </a:xfrm>
+          <a:prstGeom prst="line">
+            <a:avLst/>
+          </a:prstGeom>
+          <a:ln w="38100">
+            <a:solidFill>
+              <a:schemeClr val="accent2">
+                <a:lumMod val="75000"/>
+              </a:schemeClr>
+            </a:solidFill>
+            <a:prstDash val="solid"/>
+          </a:ln>
+        </p:spPr>
+        <p:style>
+          <a:lnRef idx="1">
+            <a:schemeClr val="accent1"/>
+          </a:lnRef>
+          <a:fillRef idx="0">
+            <a:schemeClr val="accent1"/>
+          </a:fillRef>
+          <a:effectRef idx="0">
+            <a:schemeClr val="accent1"/>
+          </a:effectRef>
+          <a:fontRef idx="minor">
+            <a:schemeClr val="tx1"/>
+          </a:fontRef>
+        </p:style>
+      </p:cxnSp>
+      <p:cxnSp>
+        <p:nvCxnSpPr>
+          <p:cNvPr id="102" name="Straight Connector 101">
+            <a:extLst>
+              <a:ext uri="{FF2B5EF4-FFF2-40B4-BE49-F238E27FC236}">
+                <a16:creationId xmlns:a16="http://schemas.microsoft.com/office/drawing/2014/main" id="{34B7E372-B6E7-4846-A3C8-FCF25244EE74}"/>
+              </a:ext>
+            </a:extLst>
+          </p:cNvPr>
+          <p:cNvCxnSpPr>
+            <a:cxnSpLocks/>
+          </p:cNvCxnSpPr>
+          <p:nvPr/>
+        </p:nvCxnSpPr>
+        <p:spPr>
+          <a:xfrm>
+            <a:off x="850177" y="1501309"/>
+            <a:ext cx="44011" cy="423977"/>
+          </a:xfrm>
+          <a:prstGeom prst="line">
+            <a:avLst/>
+          </a:prstGeom>
+          <a:ln w="38100">
+            <a:solidFill>
+              <a:schemeClr val="accent2">
+                <a:lumMod val="75000"/>
+              </a:schemeClr>
+            </a:solidFill>
+            <a:prstDash val="solid"/>
+          </a:ln>
+        </p:spPr>
+        <p:style>
+          <a:lnRef idx="1">
+            <a:schemeClr val="accent1"/>
+          </a:lnRef>
+          <a:fillRef idx="0">
+            <a:schemeClr val="accent1"/>
+          </a:fillRef>
+          <a:effectRef idx="0">
+            <a:schemeClr val="accent1"/>
+          </a:effectRef>
+          <a:fontRef idx="minor">
+            <a:schemeClr val="tx1"/>
+          </a:fontRef>
+        </p:style>
+      </p:cxnSp>
+      <p:cxnSp>
+        <p:nvCxnSpPr>
+          <p:cNvPr id="104" name="Straight Connector 103">
+            <a:extLst>
+              <a:ext uri="{FF2B5EF4-FFF2-40B4-BE49-F238E27FC236}">
+                <a16:creationId xmlns:a16="http://schemas.microsoft.com/office/drawing/2014/main" id="{326492C3-E31E-463C-B284-0A6DB83D3701}"/>
+              </a:ext>
+            </a:extLst>
+          </p:cNvPr>
+          <p:cNvCxnSpPr>
+            <a:cxnSpLocks/>
+            <a:stCxn id="97" idx="1"/>
+          </p:cNvCxnSpPr>
+          <p:nvPr/>
+        </p:nvCxnSpPr>
+        <p:spPr>
+          <a:xfrm flipH="1">
+            <a:off x="842253" y="1214934"/>
+            <a:ext cx="273362" cy="286375"/>
+          </a:xfrm>
+          <a:prstGeom prst="line">
+            <a:avLst/>
+          </a:prstGeom>
+          <a:ln w="38100">
+            <a:solidFill>
+              <a:schemeClr val="accent2">
+                <a:lumMod val="75000"/>
+              </a:schemeClr>
+            </a:solidFill>
+            <a:prstDash val="solid"/>
+          </a:ln>
+        </p:spPr>
+        <p:style>
+          <a:lnRef idx="1">
+            <a:schemeClr val="accent1"/>
+          </a:lnRef>
+          <a:fillRef idx="0">
+            <a:schemeClr val="accent1"/>
+          </a:fillRef>
+          <a:effectRef idx="0">
+            <a:schemeClr val="accent1"/>
+          </a:effectRef>
+          <a:fontRef idx="minor">
+            <a:schemeClr val="tx1"/>
+          </a:fontRef>
+        </p:style>
+      </p:cxnSp>
+      <p:cxnSp>
+        <p:nvCxnSpPr>
+          <p:cNvPr id="106" name="Straight Connector 105">
+            <a:extLst>
+              <a:ext uri="{FF2B5EF4-FFF2-40B4-BE49-F238E27FC236}">
+                <a16:creationId xmlns:a16="http://schemas.microsoft.com/office/drawing/2014/main" id="{C7D2438E-6018-4B40-9C1B-9C726E111FFE}"/>
+              </a:ext>
+            </a:extLst>
+          </p:cNvPr>
+          <p:cNvCxnSpPr>
+            <a:cxnSpLocks/>
+            <a:stCxn id="97" idx="1"/>
+          </p:cNvCxnSpPr>
+          <p:nvPr/>
+        </p:nvCxnSpPr>
+        <p:spPr>
+          <a:xfrm>
+            <a:off x="1115615" y="1214934"/>
+            <a:ext cx="315414" cy="286375"/>
+          </a:xfrm>
+          <a:prstGeom prst="line">
+            <a:avLst/>
+          </a:prstGeom>
+          <a:ln w="38100">
+            <a:solidFill>
+              <a:schemeClr val="accent2">
+                <a:lumMod val="75000"/>
+              </a:schemeClr>
+            </a:solidFill>
+            <a:prstDash val="solid"/>
+          </a:ln>
+        </p:spPr>
+        <p:style>
+          <a:lnRef idx="1">
+            <a:schemeClr val="accent1"/>
+          </a:lnRef>
+          <a:fillRef idx="0">
+            <a:schemeClr val="accent1"/>
+          </a:fillRef>
+          <a:effectRef idx="0">
+            <a:schemeClr val="accent1"/>
+          </a:effectRef>
+          <a:fontRef idx="minor">
+            <a:schemeClr val="tx1"/>
+          </a:fontRef>
+        </p:style>
+      </p:cxnSp>
+      <p:sp>
+        <p:nvSpPr>
+          <p:cNvPr id="150" name="Cylinder 149">
+            <a:extLst>
+              <a:ext uri="{FF2B5EF4-FFF2-40B4-BE49-F238E27FC236}">
+                <a16:creationId xmlns:a16="http://schemas.microsoft.com/office/drawing/2014/main" id="{5A6E7D69-2DE8-4B6C-80CD-0439A7EE6DCA}"/>
+              </a:ext>
+            </a:extLst>
+          </p:cNvPr>
+          <p:cNvSpPr/>
+          <p:nvPr/>
+        </p:nvSpPr>
+        <p:spPr>
+          <a:xfrm>
+            <a:off x="540840" y="4232350"/>
+            <a:ext cx="1054877" cy="716910"/>
+          </a:xfrm>
+          <a:prstGeom prst="can">
+            <a:avLst/>
+          </a:prstGeom>
+          <a:solidFill>
+            <a:srgbClr val="FFA7D5"/>
+          </a:solidFill>
+        </p:spPr>
+        <p:style>
+          <a:lnRef idx="2">
+            <a:schemeClr val="accent1">
+              <a:shade val="50000"/>
+            </a:schemeClr>
+          </a:lnRef>
+          <a:fillRef idx="1">
+            <a:schemeClr val="accent1"/>
+          </a:fillRef>
+          <a:effectRef idx="0">
+            <a:schemeClr val="accent1"/>
+          </a:effectRef>
+          <a:fontRef idx="minor">
+            <a:schemeClr val="lt1"/>
+          </a:fontRef>
+        </p:style>
+        <p:txBody>
+          <a:bodyPr rtlCol="0" anchor="ctr"/>
+          <a:lstStyle/>
+          <a:p>
+            <a:pPr algn="ctr"/>
+            <a:r>
+              <a:rPr lang="en-US" sz="2000" dirty="0">
+                <a:solidFill>
+                  <a:schemeClr val="tx1"/>
+                </a:solidFill>
+              </a:rPr>
+              <a:t>Number of jobs</a:t>
+            </a:r>
+          </a:p>
+        </p:txBody>
+      </p:sp>
+      <p:cxnSp>
+        <p:nvCxnSpPr>
+          <p:cNvPr id="161" name="Connector: Elbow 160">
+            <a:extLst>
+              <a:ext uri="{FF2B5EF4-FFF2-40B4-BE49-F238E27FC236}">
+                <a16:creationId xmlns:a16="http://schemas.microsoft.com/office/drawing/2014/main" id="{9F1E4FD9-C41C-4CC8-8C99-CF38B5560683}"/>
+              </a:ext>
+            </a:extLst>
+          </p:cNvPr>
+          <p:cNvCxnSpPr>
+            <a:cxnSpLocks/>
+          </p:cNvCxnSpPr>
+          <p:nvPr/>
+        </p:nvCxnSpPr>
+        <p:spPr>
+          <a:xfrm rot="5400000" flipH="1" flipV="1">
+            <a:off x="3818578" y="4030183"/>
+            <a:ext cx="716909" cy="1300980"/>
+          </a:xfrm>
+          <a:prstGeom prst="bentConnector3">
+            <a:avLst>
+              <a:gd name="adj1" fmla="val 50000"/>
+            </a:avLst>
+          </a:prstGeom>
+          <a:ln w="38100">
+            <a:solidFill>
+              <a:srgbClr val="4472C4"/>
+            </a:solidFill>
+            <a:prstDash val="dash"/>
+          </a:ln>
+        </p:spPr>
+        <p:style>
+          <a:lnRef idx="1">
+            <a:schemeClr val="accent1"/>
+          </a:lnRef>
+          <a:fillRef idx="0">
+            <a:schemeClr val="accent1"/>
+          </a:fillRef>
+          <a:effectRef idx="0">
+            <a:schemeClr val="accent1"/>
+          </a:effectRef>
+          <a:fontRef idx="minor">
+            <a:schemeClr val="tx1"/>
+          </a:fontRef>
+        </p:style>
+      </p:cxnSp>
+      <p:sp>
+        <p:nvSpPr>
+          <p:cNvPr id="169" name="TextBox 168">
+            <a:extLst>
+              <a:ext uri="{FF2B5EF4-FFF2-40B4-BE49-F238E27FC236}">
+                <a16:creationId xmlns:a16="http://schemas.microsoft.com/office/drawing/2014/main" id="{3C230E8C-8A26-4416-8C11-4633D4DAC0BC}"/>
+              </a:ext>
+            </a:extLst>
+          </p:cNvPr>
+          <p:cNvSpPr txBox="1"/>
+          <p:nvPr/>
+        </p:nvSpPr>
+        <p:spPr>
+          <a:xfrm>
+            <a:off x="2510617" y="2708454"/>
+            <a:ext cx="701346" cy="369332"/>
+          </a:xfrm>
+          <a:prstGeom prst="rect">
+            <a:avLst/>
+          </a:prstGeom>
+          <a:solidFill>
+            <a:schemeClr val="bg1">
+              <a:lumMod val="75000"/>
+            </a:schemeClr>
+          </a:solidFill>
+        </p:spPr>
+        <p:txBody>
+          <a:bodyPr wrap="none" rtlCol="0">
+            <a:spAutoFit/>
+          </a:bodyPr>
+          <a:lstStyle/>
+          <a:p>
+            <a:r>
+              <a:rPr lang="en-US" dirty="0"/>
+              <a:t>many</a:t>
+            </a:r>
+            <a:endParaRPr lang="en-CA" dirty="0"/>
+          </a:p>
+        </p:txBody>
+      </p:sp>
+      <p:sp>
+        <p:nvSpPr>
+          <p:cNvPr id="170" name="TextBox 169">
+            <a:extLst>
+              <a:ext uri="{FF2B5EF4-FFF2-40B4-BE49-F238E27FC236}">
+                <a16:creationId xmlns:a16="http://schemas.microsoft.com/office/drawing/2014/main" id="{651D0C5B-58F0-4DC1-B7C3-1ED122BBCE4C}"/>
+              </a:ext>
+            </a:extLst>
+          </p:cNvPr>
+          <p:cNvSpPr txBox="1"/>
+          <p:nvPr/>
+        </p:nvSpPr>
+        <p:spPr>
+          <a:xfrm>
+            <a:off x="3491981" y="1318159"/>
+            <a:ext cx="701346" cy="369332"/>
+          </a:xfrm>
+          <a:prstGeom prst="rect">
+            <a:avLst/>
+          </a:prstGeom>
+          <a:solidFill>
+            <a:schemeClr val="bg1">
+              <a:lumMod val="75000"/>
+            </a:schemeClr>
+          </a:solidFill>
+        </p:spPr>
+        <p:txBody>
+          <a:bodyPr wrap="none" rtlCol="0">
+            <a:spAutoFit/>
+          </a:bodyPr>
+          <a:lstStyle/>
+          <a:p>
+            <a:r>
+              <a:rPr lang="en-US" dirty="0"/>
+              <a:t>many</a:t>
+            </a:r>
+            <a:endParaRPr lang="en-CA" dirty="0"/>
+          </a:p>
+        </p:txBody>
+      </p:sp>
+      <p:sp>
+        <p:nvSpPr>
+          <p:cNvPr id="171" name="TextBox 170">
+            <a:extLst>
+              <a:ext uri="{FF2B5EF4-FFF2-40B4-BE49-F238E27FC236}">
+                <a16:creationId xmlns:a16="http://schemas.microsoft.com/office/drawing/2014/main" id="{FED7A035-E759-48DC-91EA-9435944F30D5}"/>
+              </a:ext>
+            </a:extLst>
+          </p:cNvPr>
+          <p:cNvSpPr txBox="1"/>
+          <p:nvPr/>
+        </p:nvSpPr>
+        <p:spPr>
+          <a:xfrm>
+            <a:off x="1892340" y="1318159"/>
+            <a:ext cx="543739" cy="369332"/>
+          </a:xfrm>
+          <a:prstGeom prst="rect">
+            <a:avLst/>
+          </a:prstGeom>
+          <a:solidFill>
+            <a:schemeClr val="accent3">
+              <a:lumMod val="20000"/>
+              <a:lumOff val="80000"/>
+            </a:schemeClr>
+          </a:solidFill>
+        </p:spPr>
+        <p:txBody>
+          <a:bodyPr wrap="none" rtlCol="0">
+            <a:spAutoFit/>
+          </a:bodyPr>
+          <a:lstStyle/>
+          <a:p>
+            <a:r>
+              <a:rPr lang="en-US" dirty="0"/>
+              <a:t>one</a:t>
+            </a:r>
+            <a:endParaRPr lang="en-CA" dirty="0"/>
+          </a:p>
+        </p:txBody>
+      </p:sp>
+      <p:sp>
+        <p:nvSpPr>
+          <p:cNvPr id="172" name="TextBox 171">
+            <a:extLst>
+              <a:ext uri="{FF2B5EF4-FFF2-40B4-BE49-F238E27FC236}">
+                <a16:creationId xmlns:a16="http://schemas.microsoft.com/office/drawing/2014/main" id="{978212EA-76A8-48BB-B28E-E59753E63A41}"/>
+              </a:ext>
+            </a:extLst>
+          </p:cNvPr>
+          <p:cNvSpPr txBox="1"/>
+          <p:nvPr/>
+        </p:nvSpPr>
+        <p:spPr>
+          <a:xfrm>
+            <a:off x="2005216" y="3500480"/>
+            <a:ext cx="543739" cy="369332"/>
+          </a:xfrm>
+          <a:prstGeom prst="rect">
+            <a:avLst/>
+          </a:prstGeom>
+          <a:solidFill>
+            <a:schemeClr val="accent3">
+              <a:lumMod val="20000"/>
+              <a:lumOff val="80000"/>
+            </a:schemeClr>
+          </a:solidFill>
+        </p:spPr>
+        <p:txBody>
+          <a:bodyPr wrap="none" rtlCol="0">
+            <a:spAutoFit/>
+          </a:bodyPr>
+          <a:lstStyle/>
+          <a:p>
+            <a:r>
+              <a:rPr lang="en-US" dirty="0"/>
+              <a:t>one</a:t>
+            </a:r>
+            <a:endParaRPr lang="en-CA" dirty="0"/>
+          </a:p>
+        </p:txBody>
+      </p:sp>
+      <p:sp>
+        <p:nvSpPr>
+          <p:cNvPr id="173" name="TextBox 172">
+            <a:extLst>
+              <a:ext uri="{FF2B5EF4-FFF2-40B4-BE49-F238E27FC236}">
+                <a16:creationId xmlns:a16="http://schemas.microsoft.com/office/drawing/2014/main" id="{1C1CA893-C2FB-4779-9971-756E6D6404BF}"/>
+              </a:ext>
+            </a:extLst>
+          </p:cNvPr>
+          <p:cNvSpPr txBox="1"/>
+          <p:nvPr/>
+        </p:nvSpPr>
+        <p:spPr>
+          <a:xfrm>
+            <a:off x="2008435" y="3863018"/>
+            <a:ext cx="1055097" cy="369332"/>
+          </a:xfrm>
+          <a:prstGeom prst="rect">
+            <a:avLst/>
+          </a:prstGeom>
+          <a:solidFill>
+            <a:schemeClr val="accent2">
+              <a:lumMod val="60000"/>
+              <a:lumOff val="40000"/>
+            </a:schemeClr>
+          </a:solidFill>
+        </p:spPr>
+        <p:txBody>
+          <a:bodyPr wrap="none" rtlCol="0">
+            <a:spAutoFit/>
+          </a:bodyPr>
+          <a:lstStyle/>
+          <a:p>
+            <a:r>
+              <a:rPr lang="en-US" b="1" i="1" dirty="0"/>
+              <a:t>pk:</a:t>
+            </a:r>
+            <a:r>
+              <a:rPr lang="en-US" dirty="0"/>
+              <a:t> dauid</a:t>
+            </a:r>
+            <a:endParaRPr lang="en-CA" dirty="0"/>
+          </a:p>
+        </p:txBody>
+      </p:sp>
+      <p:sp>
+        <p:nvSpPr>
+          <p:cNvPr id="177" name="TextBox 176">
+            <a:extLst>
+              <a:ext uri="{FF2B5EF4-FFF2-40B4-BE49-F238E27FC236}">
+                <a16:creationId xmlns:a16="http://schemas.microsoft.com/office/drawing/2014/main" id="{7466953F-65A4-4F74-A8DD-6CA9A7B698E5}"/>
+              </a:ext>
+            </a:extLst>
+          </p:cNvPr>
+          <p:cNvSpPr txBox="1"/>
+          <p:nvPr/>
+        </p:nvSpPr>
+        <p:spPr>
+          <a:xfrm>
+            <a:off x="3510592" y="4174983"/>
+            <a:ext cx="701346" cy="369332"/>
+          </a:xfrm>
+          <a:prstGeom prst="rect">
+            <a:avLst/>
+          </a:prstGeom>
+          <a:solidFill>
+            <a:schemeClr val="bg1">
+              <a:lumMod val="75000"/>
+            </a:schemeClr>
+          </a:solidFill>
+        </p:spPr>
+        <p:txBody>
+          <a:bodyPr wrap="none" rtlCol="0">
+            <a:spAutoFit/>
+          </a:bodyPr>
+          <a:lstStyle/>
+          <a:p>
+            <a:r>
+              <a:rPr lang="en-US" dirty="0"/>
+              <a:t>many</a:t>
+            </a:r>
+            <a:endParaRPr lang="en-CA" dirty="0"/>
+          </a:p>
+        </p:txBody>
+      </p:sp>
+      <p:sp>
+        <p:nvSpPr>
+          <p:cNvPr id="185" name="TextBox 184">
+            <a:extLst>
+              <a:ext uri="{FF2B5EF4-FFF2-40B4-BE49-F238E27FC236}">
+                <a16:creationId xmlns:a16="http://schemas.microsoft.com/office/drawing/2014/main" id="{EE2DF2AA-2D17-4AC4-830A-6641619219EE}"/>
+              </a:ext>
+            </a:extLst>
+          </p:cNvPr>
+          <p:cNvSpPr txBox="1"/>
+          <p:nvPr/>
+        </p:nvSpPr>
+        <p:spPr>
+          <a:xfrm>
+            <a:off x="6424921" y="905549"/>
+            <a:ext cx="701346" cy="369332"/>
+          </a:xfrm>
+          <a:prstGeom prst="rect">
+            <a:avLst/>
+          </a:prstGeom>
+          <a:solidFill>
+            <a:schemeClr val="bg1">
+              <a:lumMod val="75000"/>
+            </a:schemeClr>
+          </a:solidFill>
+        </p:spPr>
+        <p:txBody>
+          <a:bodyPr wrap="none" rtlCol="0">
+            <a:spAutoFit/>
+          </a:bodyPr>
+          <a:lstStyle/>
+          <a:p>
+            <a:r>
+              <a:rPr lang="en-US" dirty="0"/>
+              <a:t>many</a:t>
+            </a:r>
+            <a:endParaRPr lang="en-CA" dirty="0"/>
+          </a:p>
+        </p:txBody>
+      </p:sp>
+      <p:sp>
+        <p:nvSpPr>
+          <p:cNvPr id="186" name="TextBox 185">
+            <a:extLst>
+              <a:ext uri="{FF2B5EF4-FFF2-40B4-BE49-F238E27FC236}">
+                <a16:creationId xmlns:a16="http://schemas.microsoft.com/office/drawing/2014/main" id="{9AEFCB6E-6EAB-4229-88F6-131C7A2969B9}"/>
+              </a:ext>
+            </a:extLst>
+          </p:cNvPr>
+          <p:cNvSpPr txBox="1"/>
+          <p:nvPr/>
+        </p:nvSpPr>
+        <p:spPr>
+          <a:xfrm>
+            <a:off x="6416620" y="2550325"/>
+            <a:ext cx="701346" cy="369332"/>
+          </a:xfrm>
+          <a:prstGeom prst="rect">
+            <a:avLst/>
+          </a:prstGeom>
+          <a:solidFill>
+            <a:schemeClr val="bg1">
+              <a:lumMod val="75000"/>
+            </a:schemeClr>
+          </a:solidFill>
+        </p:spPr>
+        <p:txBody>
+          <a:bodyPr wrap="none" rtlCol="0">
+            <a:spAutoFit/>
+          </a:bodyPr>
+          <a:lstStyle/>
+          <a:p>
+            <a:r>
+              <a:rPr lang="en-US" dirty="0"/>
+              <a:t>many</a:t>
+            </a:r>
+            <a:endParaRPr lang="en-CA" dirty="0"/>
+          </a:p>
+        </p:txBody>
+      </p:sp>
+      <p:sp>
+        <p:nvSpPr>
+          <p:cNvPr id="187" name="TextBox 186">
+            <a:extLst>
+              <a:ext uri="{FF2B5EF4-FFF2-40B4-BE49-F238E27FC236}">
+                <a16:creationId xmlns:a16="http://schemas.microsoft.com/office/drawing/2014/main" id="{ABD31F7E-60C1-4F90-8491-DEBDBF93E059}"/>
+              </a:ext>
+            </a:extLst>
+          </p:cNvPr>
+          <p:cNvSpPr txBox="1"/>
+          <p:nvPr/>
+        </p:nvSpPr>
+        <p:spPr>
+          <a:xfrm>
+            <a:off x="4312883" y="1153726"/>
+            <a:ext cx="1872692" cy="369332"/>
+          </a:xfrm>
+          <a:prstGeom prst="rect">
+            <a:avLst/>
+          </a:prstGeom>
+          <a:solidFill>
+            <a:schemeClr val="accent2">
+              <a:lumMod val="60000"/>
+              <a:lumOff val="40000"/>
+            </a:schemeClr>
+          </a:solidFill>
+        </p:spPr>
+        <p:txBody>
+          <a:bodyPr wrap="none" rtlCol="0">
+            <a:spAutoFit/>
+          </a:bodyPr>
+          <a:lstStyle/>
+          <a:p>
+            <a:r>
+              <a:rPr lang="en-US" b="1" i="1" dirty="0"/>
+              <a:t>pk:</a:t>
+            </a:r>
+            <a:r>
+              <a:rPr lang="en-US" dirty="0"/>
+              <a:t> transaction_id</a:t>
+            </a:r>
+            <a:endParaRPr lang="en-CA" dirty="0"/>
+          </a:p>
+        </p:txBody>
+      </p:sp>
+      <p:cxnSp>
+        <p:nvCxnSpPr>
+          <p:cNvPr id="192" name="Connector: Elbow 191">
+            <a:extLst>
+              <a:ext uri="{FF2B5EF4-FFF2-40B4-BE49-F238E27FC236}">
+                <a16:creationId xmlns:a16="http://schemas.microsoft.com/office/drawing/2014/main" id="{69801B0F-0321-4C46-B8D4-0CDD02756403}"/>
+              </a:ext>
+            </a:extLst>
+          </p:cNvPr>
+          <p:cNvCxnSpPr>
+            <a:cxnSpLocks/>
+            <a:stCxn id="197" idx="3"/>
+            <a:endCxn id="91" idx="2"/>
+          </p:cNvCxnSpPr>
+          <p:nvPr/>
+        </p:nvCxnSpPr>
+        <p:spPr>
+          <a:xfrm rot="5400000" flipH="1" flipV="1">
+            <a:off x="1781203" y="4822013"/>
+            <a:ext cx="1079173" cy="2410350"/>
+          </a:xfrm>
+          <a:prstGeom prst="bentConnector3">
+            <a:avLst>
+              <a:gd name="adj1" fmla="val -21183"/>
+            </a:avLst>
+          </a:prstGeom>
+          <a:ln w="38100">
+            <a:solidFill>
+              <a:srgbClr val="4472C4"/>
+            </a:solidFill>
+            <a:prstDash val="dash"/>
+          </a:ln>
+        </p:spPr>
+        <p:style>
+          <a:lnRef idx="1">
+            <a:schemeClr val="accent1"/>
+          </a:lnRef>
+          <a:fillRef idx="0">
+            <a:schemeClr val="accent1"/>
+          </a:fillRef>
+          <a:effectRef idx="0">
+            <a:schemeClr val="accent1"/>
+          </a:effectRef>
+          <a:fontRef idx="minor">
+            <a:schemeClr val="tx1"/>
+          </a:fontRef>
+        </p:style>
+      </p:cxnSp>
+      <p:sp>
+        <p:nvSpPr>
+          <p:cNvPr id="197" name="Cylinder 196">
+            <a:extLst>
+              <a:ext uri="{FF2B5EF4-FFF2-40B4-BE49-F238E27FC236}">
+                <a16:creationId xmlns:a16="http://schemas.microsoft.com/office/drawing/2014/main" id="{4079BA01-51A7-4DDE-93CC-AB7D9E9BC6C3}"/>
+              </a:ext>
+            </a:extLst>
+          </p:cNvPr>
+          <p:cNvSpPr/>
+          <p:nvPr/>
+        </p:nvSpPr>
+        <p:spPr>
+          <a:xfrm>
+            <a:off x="645596" y="5717230"/>
+            <a:ext cx="940038" cy="849544"/>
+          </a:xfrm>
+          <a:prstGeom prst="can">
+            <a:avLst/>
+          </a:prstGeom>
+          <a:solidFill>
+            <a:srgbClr val="9EF8E7"/>
+          </a:solidFill>
+        </p:spPr>
+        <p:style>
+          <a:lnRef idx="2">
+            <a:schemeClr val="accent1">
+              <a:shade val="50000"/>
+            </a:schemeClr>
+          </a:lnRef>
+          <a:fillRef idx="1">
+            <a:schemeClr val="accent1"/>
+          </a:fillRef>
+          <a:effectRef idx="0">
+            <a:schemeClr val="accent1"/>
+          </a:effectRef>
+          <a:fontRef idx="minor">
+            <a:schemeClr val="lt1"/>
+          </a:fontRef>
+        </p:style>
+        <p:txBody>
+          <a:bodyPr rtlCol="0" anchor="ctr"/>
+          <a:lstStyle/>
+          <a:p>
+            <a:pPr algn="ctr"/>
+            <a:r>
+              <a:rPr lang="en-US" sz="2000" dirty="0">
+                <a:solidFill>
+                  <a:schemeClr val="tx1"/>
+                </a:solidFill>
+              </a:rPr>
+              <a:t>Fuel prices</a:t>
+            </a:r>
+          </a:p>
+        </p:txBody>
+      </p:sp>
+      <p:cxnSp>
+        <p:nvCxnSpPr>
+          <p:cNvPr id="221" name="Connector: Elbow 220">
+            <a:extLst>
+              <a:ext uri="{FF2B5EF4-FFF2-40B4-BE49-F238E27FC236}">
+                <a16:creationId xmlns:a16="http://schemas.microsoft.com/office/drawing/2014/main" id="{7AAF710A-470B-46E0-9176-1EFAA3AB2107}"/>
+              </a:ext>
+            </a:extLst>
+          </p:cNvPr>
+          <p:cNvCxnSpPr>
+            <a:cxnSpLocks/>
+            <a:stCxn id="44" idx="2"/>
+            <a:endCxn id="9" idx="1"/>
+          </p:cNvCxnSpPr>
+          <p:nvPr/>
+        </p:nvCxnSpPr>
+        <p:spPr>
+          <a:xfrm rot="5400000" flipH="1" flipV="1">
+            <a:off x="5339861" y="3863894"/>
+            <a:ext cx="2247799" cy="2693855"/>
+          </a:xfrm>
+          <a:prstGeom prst="bentConnector5">
+            <a:avLst>
+              <a:gd name="adj1" fmla="val -10170"/>
+              <a:gd name="adj2" fmla="val 49399"/>
+              <a:gd name="adj3" fmla="val 128476"/>
+            </a:avLst>
+          </a:prstGeom>
+          <a:ln w="38100">
+            <a:solidFill>
+              <a:srgbClr val="4472C4"/>
+            </a:solidFill>
+            <a:prstDash val="dash"/>
+          </a:ln>
+        </p:spPr>
+        <p:style>
+          <a:lnRef idx="1">
+            <a:schemeClr val="accent1"/>
+          </a:lnRef>
+          <a:fillRef idx="0">
+            <a:schemeClr val="accent1"/>
+          </a:fillRef>
+          <a:effectRef idx="0">
+            <a:schemeClr val="accent1"/>
+          </a:effectRef>
+          <a:fontRef idx="minor">
+            <a:schemeClr val="tx1"/>
+          </a:fontRef>
+        </p:style>
+      </p:cxnSp>
+      <p:sp>
+        <p:nvSpPr>
+          <p:cNvPr id="236" name="Cylinder 235">
+            <a:extLst>
+              <a:ext uri="{FF2B5EF4-FFF2-40B4-BE49-F238E27FC236}">
+                <a16:creationId xmlns:a16="http://schemas.microsoft.com/office/drawing/2014/main" id="{D8010D55-A33E-40FB-BEE8-9D5006E0035A}"/>
+              </a:ext>
+            </a:extLst>
+          </p:cNvPr>
+          <p:cNvSpPr/>
+          <p:nvPr/>
+        </p:nvSpPr>
+        <p:spPr>
+          <a:xfrm>
+            <a:off x="413112" y="3176258"/>
+            <a:ext cx="1232024" cy="888744"/>
+          </a:xfrm>
+          <a:prstGeom prst="can">
+            <a:avLst/>
+          </a:prstGeom>
+          <a:solidFill>
+            <a:srgbClr val="FF61B4"/>
+          </a:solidFill>
+        </p:spPr>
+        <p:style>
+          <a:lnRef idx="2">
+            <a:schemeClr val="accent1">
+              <a:shade val="50000"/>
+            </a:schemeClr>
+          </a:lnRef>
+          <a:fillRef idx="1">
+            <a:schemeClr val="accent1"/>
+          </a:fillRef>
+          <a:effectRef idx="0">
+            <a:schemeClr val="accent1"/>
+          </a:effectRef>
+          <a:fontRef idx="minor">
+            <a:schemeClr val="lt1"/>
+          </a:fontRef>
+        </p:style>
+        <p:txBody>
+          <a:bodyPr rtlCol="0" anchor="ctr"/>
+          <a:lstStyle/>
+          <a:p>
+            <a:pPr algn="ctr"/>
+            <a:r>
+              <a:rPr lang="en-US" sz="2000" dirty="0">
+                <a:solidFill>
+                  <a:schemeClr val="tx1"/>
+                </a:solidFill>
+              </a:rPr>
+              <a:t>TTS</a:t>
+            </a:r>
+          </a:p>
+          <a:p>
+            <a:pPr algn="ctr"/>
+            <a:r>
+              <a:rPr lang="en-US" sz="2000" dirty="0">
+                <a:solidFill>
+                  <a:schemeClr val="tx1"/>
+                </a:solidFill>
+              </a:rPr>
+              <a:t>variables</a:t>
+            </a:r>
+          </a:p>
+        </p:txBody>
+      </p:sp>
+      <p:cxnSp>
+        <p:nvCxnSpPr>
+          <p:cNvPr id="240" name="Connector: Elbow 239">
+            <a:extLst>
+              <a:ext uri="{FF2B5EF4-FFF2-40B4-BE49-F238E27FC236}">
+                <a16:creationId xmlns:a16="http://schemas.microsoft.com/office/drawing/2014/main" id="{E3E799E2-B969-4EAC-A229-EDA6D8C945CE}"/>
+              </a:ext>
+            </a:extLst>
+          </p:cNvPr>
+          <p:cNvCxnSpPr>
+            <a:cxnSpLocks/>
+            <a:stCxn id="236" idx="3"/>
+          </p:cNvCxnSpPr>
+          <p:nvPr/>
+        </p:nvCxnSpPr>
+        <p:spPr>
+          <a:xfrm rot="5400000" flipH="1" flipV="1">
+            <a:off x="1029851" y="3260762"/>
+            <a:ext cx="803513" cy="804968"/>
+          </a:xfrm>
+          <a:prstGeom prst="bentConnector4">
+            <a:avLst>
+              <a:gd name="adj1" fmla="val -11380"/>
+              <a:gd name="adj2" fmla="val 88263"/>
+            </a:avLst>
+          </a:prstGeom>
+          <a:ln w="38100">
+            <a:solidFill>
+              <a:srgbClr val="4472C4"/>
+            </a:solidFill>
+            <a:prstDash val="dash"/>
+          </a:ln>
+        </p:spPr>
+        <p:style>
+          <a:lnRef idx="1">
+            <a:schemeClr val="accent1"/>
+          </a:lnRef>
+          <a:fillRef idx="0">
+            <a:schemeClr val="accent1"/>
+          </a:fillRef>
+          <a:effectRef idx="0">
+            <a:schemeClr val="accent1"/>
+          </a:effectRef>
+          <a:fontRef idx="minor">
+            <a:schemeClr val="tx1"/>
+          </a:fontRef>
+        </p:style>
+      </p:cxnSp>
+      <p:sp>
+        <p:nvSpPr>
+          <p:cNvPr id="64" name="Cylinder 63">
+            <a:extLst>
+              <a:ext uri="{FF2B5EF4-FFF2-40B4-BE49-F238E27FC236}">
+                <a16:creationId xmlns:a16="http://schemas.microsoft.com/office/drawing/2014/main" id="{DE99BF34-EF5D-4612-A20F-1931AA3785CB}"/>
+              </a:ext>
+            </a:extLst>
+          </p:cNvPr>
+          <p:cNvSpPr/>
+          <p:nvPr/>
+        </p:nvSpPr>
+        <p:spPr>
+          <a:xfrm>
+            <a:off x="1665602" y="5717829"/>
+            <a:ext cx="1068038" cy="849544"/>
+          </a:xfrm>
+          <a:prstGeom prst="can">
+            <a:avLst/>
+          </a:prstGeom>
+          <a:solidFill>
+            <a:srgbClr val="AFEBF7"/>
+          </a:solidFill>
+        </p:spPr>
+        <p:style>
+          <a:lnRef idx="2">
+            <a:schemeClr val="accent1">
+              <a:shade val="50000"/>
+            </a:schemeClr>
+          </a:lnRef>
+          <a:fillRef idx="1">
+            <a:schemeClr val="accent1"/>
+          </a:fillRef>
+          <a:effectRef idx="0">
+            <a:schemeClr val="accent1"/>
+          </a:effectRef>
+          <a:fontRef idx="minor">
+            <a:schemeClr val="lt1"/>
+          </a:fontRef>
+        </p:style>
+        <p:txBody>
+          <a:bodyPr rtlCol="0" anchor="ctr"/>
+          <a:lstStyle/>
+          <a:p>
+            <a:pPr algn="ctr"/>
+            <a:r>
+              <a:rPr lang="en-US" sz="2000" dirty="0">
+                <a:solidFill>
+                  <a:schemeClr val="tx1"/>
+                </a:solidFill>
+              </a:rPr>
+              <a:t>Inflation</a:t>
+            </a:r>
+          </a:p>
+          <a:p>
+            <a:pPr algn="ctr"/>
+            <a:r>
+              <a:rPr lang="en-US" sz="2000" dirty="0">
+                <a:solidFill>
+                  <a:schemeClr val="tx1"/>
+                </a:solidFill>
+              </a:rPr>
+              <a:t>coefs.</a:t>
+            </a:r>
+          </a:p>
+        </p:txBody>
+      </p:sp>
+      <p:cxnSp>
+        <p:nvCxnSpPr>
+          <p:cNvPr id="66" name="Straight Connector 65">
+            <a:extLst>
+              <a:ext uri="{FF2B5EF4-FFF2-40B4-BE49-F238E27FC236}">
+                <a16:creationId xmlns:a16="http://schemas.microsoft.com/office/drawing/2014/main" id="{10E6E392-F601-4E34-949C-5291A06FA967}"/>
+              </a:ext>
+            </a:extLst>
+          </p:cNvPr>
+          <p:cNvCxnSpPr>
+            <a:cxnSpLocks/>
+            <a:endCxn id="64" idx="3"/>
+          </p:cNvCxnSpPr>
+          <p:nvPr/>
+        </p:nvCxnSpPr>
+        <p:spPr>
+          <a:xfrm flipV="1">
+            <a:off x="2196388" y="6567373"/>
+            <a:ext cx="3233" cy="204390"/>
+          </a:xfrm>
+          <a:prstGeom prst="line">
+            <a:avLst/>
+          </a:prstGeom>
+          <a:ln w="38100">
+            <a:prstDash val="dash"/>
+          </a:ln>
+        </p:spPr>
+        <p:style>
+          <a:lnRef idx="1">
+            <a:schemeClr val="accent1"/>
+          </a:lnRef>
+          <a:fillRef idx="0">
+            <a:schemeClr val="accent1"/>
+          </a:fillRef>
+          <a:effectRef idx="0">
+            <a:schemeClr val="accent1"/>
+          </a:effectRef>
+          <a:fontRef idx="minor">
+            <a:schemeClr val="tx1"/>
+          </a:fontRef>
+        </p:style>
+      </p:cxnSp>
+      <p:sp>
+        <p:nvSpPr>
+          <p:cNvPr id="73" name="TextBox 72">
+            <a:extLst>
+              <a:ext uri="{FF2B5EF4-FFF2-40B4-BE49-F238E27FC236}">
+                <a16:creationId xmlns:a16="http://schemas.microsoft.com/office/drawing/2014/main" id="{C19EF442-5797-421F-8E35-BC339BA30554}"/>
+              </a:ext>
+            </a:extLst>
+          </p:cNvPr>
+          <p:cNvSpPr txBox="1"/>
+          <p:nvPr/>
+        </p:nvSpPr>
+        <p:spPr>
+          <a:xfrm>
+            <a:off x="1373266" y="6919851"/>
+            <a:ext cx="543739" cy="369332"/>
+          </a:xfrm>
+          <a:prstGeom prst="rect">
+            <a:avLst/>
+          </a:prstGeom>
+          <a:solidFill>
+            <a:schemeClr val="accent3">
+              <a:lumMod val="20000"/>
+              <a:lumOff val="80000"/>
+            </a:schemeClr>
+          </a:solidFill>
+        </p:spPr>
+        <p:txBody>
+          <a:bodyPr wrap="none" rtlCol="0">
+            <a:spAutoFit/>
+          </a:bodyPr>
+          <a:lstStyle/>
+          <a:p>
+            <a:r>
+              <a:rPr lang="en-US" dirty="0"/>
+              <a:t>one</a:t>
+            </a:r>
+            <a:endParaRPr lang="en-CA" dirty="0"/>
+          </a:p>
+        </p:txBody>
+      </p:sp>
+      <p:sp>
+        <p:nvSpPr>
+          <p:cNvPr id="74" name="TextBox 73">
+            <a:extLst>
+              <a:ext uri="{FF2B5EF4-FFF2-40B4-BE49-F238E27FC236}">
+                <a16:creationId xmlns:a16="http://schemas.microsoft.com/office/drawing/2014/main" id="{972462BF-E606-4EED-8CB9-FA205E3E6912}"/>
+              </a:ext>
+            </a:extLst>
+          </p:cNvPr>
+          <p:cNvSpPr txBox="1"/>
+          <p:nvPr/>
+        </p:nvSpPr>
+        <p:spPr>
+          <a:xfrm>
+            <a:off x="1892340" y="6920450"/>
+            <a:ext cx="941668" cy="369332"/>
+          </a:xfrm>
+          <a:prstGeom prst="rect">
+            <a:avLst/>
+          </a:prstGeom>
+          <a:solidFill>
+            <a:schemeClr val="accent2">
+              <a:lumMod val="60000"/>
+              <a:lumOff val="40000"/>
+            </a:schemeClr>
+          </a:solidFill>
+        </p:spPr>
+        <p:txBody>
+          <a:bodyPr wrap="none" rtlCol="0">
+            <a:spAutoFit/>
+          </a:bodyPr>
+          <a:lstStyle/>
+          <a:p>
+            <a:r>
+              <a:rPr lang="en-US" b="1" i="1" dirty="0"/>
+              <a:t>pk: </a:t>
+            </a:r>
+            <a:r>
+              <a:rPr lang="en-US" dirty="0"/>
+              <a:t>year</a:t>
+            </a:r>
+            <a:endParaRPr lang="en-CA" dirty="0"/>
+          </a:p>
+        </p:txBody>
+      </p:sp>
+      <p:sp>
+        <p:nvSpPr>
+          <p:cNvPr id="65" name="TextBox 64">
+            <a:extLst>
+              <a:ext uri="{FF2B5EF4-FFF2-40B4-BE49-F238E27FC236}">
+                <a16:creationId xmlns:a16="http://schemas.microsoft.com/office/drawing/2014/main" id="{242A1F07-C130-49C3-8722-D5EDBE8D6493}"/>
+              </a:ext>
+            </a:extLst>
+          </p:cNvPr>
+          <p:cNvSpPr txBox="1"/>
+          <p:nvPr/>
+        </p:nvSpPr>
+        <p:spPr>
+          <a:xfrm>
+            <a:off x="6434399" y="2115438"/>
+            <a:ext cx="3103094" cy="461665"/>
+          </a:xfrm>
+          <a:prstGeom prst="rect">
+            <a:avLst/>
+          </a:prstGeom>
+          <a:noFill/>
+        </p:spPr>
+        <p:txBody>
+          <a:bodyPr wrap="none" rtlCol="0">
+            <a:spAutoFit/>
+          </a:bodyPr>
+          <a:lstStyle/>
+          <a:p>
+            <a:r>
+              <a:rPr lang="en-US" sz="2400" b="1" dirty="0"/>
+              <a:t>municipality-level data</a:t>
+            </a:r>
+            <a:endParaRPr lang="en-CA" sz="2400" b="1" dirty="0"/>
+          </a:p>
+        </p:txBody>
+      </p:sp>
+      <p:sp>
+        <p:nvSpPr>
+          <p:cNvPr id="67" name="TextBox 66">
+            <a:extLst>
+              <a:ext uri="{FF2B5EF4-FFF2-40B4-BE49-F238E27FC236}">
+                <a16:creationId xmlns:a16="http://schemas.microsoft.com/office/drawing/2014/main" id="{E9CCE005-0D35-4884-92BA-F7E6894046BF}"/>
+              </a:ext>
+            </a:extLst>
+          </p:cNvPr>
+          <p:cNvSpPr txBox="1"/>
+          <p:nvPr/>
+        </p:nvSpPr>
+        <p:spPr>
+          <a:xfrm>
+            <a:off x="7136332" y="1782979"/>
+            <a:ext cx="1091966" cy="369332"/>
+          </a:xfrm>
+          <a:prstGeom prst="rect">
+            <a:avLst/>
+          </a:prstGeom>
+          <a:solidFill>
+            <a:schemeClr val="accent1">
+              <a:lumMod val="40000"/>
+              <a:lumOff val="60000"/>
+            </a:schemeClr>
+          </a:solidFill>
+        </p:spPr>
+        <p:txBody>
+          <a:bodyPr wrap="none" rtlCol="0">
+            <a:spAutoFit/>
+          </a:bodyPr>
+          <a:lstStyle/>
+          <a:p>
+            <a:r>
+              <a:rPr lang="en-US" b="1" i="1" dirty="0"/>
+              <a:t>fk:</a:t>
+            </a:r>
+            <a:r>
+              <a:rPr lang="en-US" dirty="0"/>
+              <a:t> csduid</a:t>
+            </a:r>
+            <a:endParaRPr lang="en-CA" dirty="0"/>
+          </a:p>
+        </p:txBody>
+      </p:sp>
+      <p:cxnSp>
+        <p:nvCxnSpPr>
+          <p:cNvPr id="69" name="Straight Connector 68">
+            <a:extLst>
+              <a:ext uri="{FF2B5EF4-FFF2-40B4-BE49-F238E27FC236}">
+                <a16:creationId xmlns:a16="http://schemas.microsoft.com/office/drawing/2014/main" id="{79951F3E-F022-4843-B6B8-A3410AA457EE}"/>
+              </a:ext>
+            </a:extLst>
+          </p:cNvPr>
+          <p:cNvCxnSpPr>
+            <a:cxnSpLocks/>
+          </p:cNvCxnSpPr>
+          <p:nvPr/>
+        </p:nvCxnSpPr>
+        <p:spPr>
+          <a:xfrm flipH="1">
+            <a:off x="5836707" y="2376144"/>
+            <a:ext cx="597693" cy="0"/>
+          </a:xfrm>
+          <a:prstGeom prst="line">
+            <a:avLst/>
+          </a:prstGeom>
+          <a:ln w="38100">
+            <a:prstDash val="dash"/>
+          </a:ln>
+        </p:spPr>
+        <p:style>
+          <a:lnRef idx="1">
+            <a:schemeClr val="accent1"/>
+          </a:lnRef>
+          <a:fillRef idx="0">
+            <a:schemeClr val="accent1"/>
+          </a:fillRef>
+          <a:effectRef idx="0">
+            <a:schemeClr val="accent1"/>
+          </a:effectRef>
+          <a:fontRef idx="minor">
+            <a:schemeClr val="tx1"/>
+          </a:fontRef>
+        </p:style>
+      </p:cxnSp>
+      <p:cxnSp>
+        <p:nvCxnSpPr>
+          <p:cNvPr id="75" name="Straight Connector 74">
+            <a:extLst>
+              <a:ext uri="{FF2B5EF4-FFF2-40B4-BE49-F238E27FC236}">
+                <a16:creationId xmlns:a16="http://schemas.microsoft.com/office/drawing/2014/main" id="{BEF571C6-4140-413B-BC4F-C9E3F843EF7C}"/>
+              </a:ext>
+            </a:extLst>
+          </p:cNvPr>
+          <p:cNvCxnSpPr>
+            <a:cxnSpLocks/>
+          </p:cNvCxnSpPr>
+          <p:nvPr/>
+        </p:nvCxnSpPr>
+        <p:spPr>
+          <a:xfrm flipH="1" flipV="1">
+            <a:off x="9455493" y="2362690"/>
+            <a:ext cx="392004" cy="13454"/>
+          </a:xfrm>
+          <a:prstGeom prst="line">
+            <a:avLst/>
+          </a:prstGeom>
+          <a:ln w="38100">
+            <a:prstDash val="dash"/>
+          </a:ln>
+        </p:spPr>
+        <p:style>
+          <a:lnRef idx="1">
+            <a:schemeClr val="accent1"/>
+          </a:lnRef>
+          <a:fillRef idx="0">
+            <a:schemeClr val="accent1"/>
+          </a:fillRef>
+          <a:effectRef idx="0">
+            <a:schemeClr val="accent1"/>
+          </a:effectRef>
+          <a:fontRef idx="minor">
+            <a:schemeClr val="tx1"/>
+          </a:fontRef>
+        </p:style>
+      </p:cxnSp>
+      <p:cxnSp>
+        <p:nvCxnSpPr>
+          <p:cNvPr id="76" name="Connector: Elbow 75">
+            <a:extLst>
+              <a:ext uri="{FF2B5EF4-FFF2-40B4-BE49-F238E27FC236}">
+                <a16:creationId xmlns:a16="http://schemas.microsoft.com/office/drawing/2014/main" id="{36D6BAB1-264F-4A59-97EF-5613E3EDBD3E}"/>
+              </a:ext>
+            </a:extLst>
+          </p:cNvPr>
+          <p:cNvCxnSpPr>
+            <a:cxnSpLocks/>
+          </p:cNvCxnSpPr>
+          <p:nvPr/>
+        </p:nvCxnSpPr>
+        <p:spPr>
+          <a:xfrm flipV="1">
+            <a:off x="5836707" y="1522351"/>
+            <a:ext cx="643776" cy="531606"/>
+          </a:xfrm>
+          <a:prstGeom prst="bentConnector3">
+            <a:avLst>
+              <a:gd name="adj1" fmla="val 84030"/>
+            </a:avLst>
+          </a:prstGeom>
+          <a:ln w="38100">
+            <a:solidFill>
+              <a:srgbClr val="4472C4"/>
+            </a:solidFill>
+            <a:prstDash val="dash"/>
+          </a:ln>
+        </p:spPr>
+        <p:style>
+          <a:lnRef idx="1">
+            <a:schemeClr val="accent1"/>
+          </a:lnRef>
+          <a:fillRef idx="0">
+            <a:schemeClr val="accent1"/>
+          </a:fillRef>
+          <a:effectRef idx="0">
+            <a:schemeClr val="accent1"/>
+          </a:effectRef>
+          <a:fontRef idx="minor">
+            <a:schemeClr val="tx1"/>
+          </a:fontRef>
+        </p:style>
+      </p:cxnSp>
+      <p:sp>
+        <p:nvSpPr>
+          <p:cNvPr id="77" name="TextBox 76">
+            <a:extLst>
+              <a:ext uri="{FF2B5EF4-FFF2-40B4-BE49-F238E27FC236}">
+                <a16:creationId xmlns:a16="http://schemas.microsoft.com/office/drawing/2014/main" id="{461C3A57-FE73-49FB-A540-50FCB25C22BA}"/>
+              </a:ext>
+            </a:extLst>
+          </p:cNvPr>
+          <p:cNvSpPr txBox="1"/>
+          <p:nvPr/>
+        </p:nvSpPr>
+        <p:spPr>
+          <a:xfrm>
+            <a:off x="6881865" y="5371121"/>
+            <a:ext cx="861133" cy="369332"/>
+          </a:xfrm>
+          <a:prstGeom prst="rect">
+            <a:avLst/>
+          </a:prstGeom>
+          <a:solidFill>
+            <a:schemeClr val="accent2">
+              <a:lumMod val="60000"/>
+              <a:lumOff val="40000"/>
+            </a:schemeClr>
+          </a:solidFill>
+        </p:spPr>
+        <p:txBody>
+          <a:bodyPr wrap="none" rtlCol="0">
+            <a:spAutoFit/>
+          </a:bodyPr>
+          <a:lstStyle/>
+          <a:p>
+            <a:r>
+              <a:rPr lang="en-US" b="1" i="1" dirty="0"/>
+              <a:t>pk:</a:t>
+            </a:r>
+            <a:r>
+              <a:rPr lang="en-US" dirty="0"/>
+              <a:t> PIN</a:t>
+            </a:r>
+            <a:endParaRPr lang="en-CA" dirty="0"/>
+          </a:p>
+        </p:txBody>
+      </p:sp>
+      <p:sp>
+        <p:nvSpPr>
+          <p:cNvPr id="79" name="TextBox 78">
+            <a:extLst>
+              <a:ext uri="{FF2B5EF4-FFF2-40B4-BE49-F238E27FC236}">
+                <a16:creationId xmlns:a16="http://schemas.microsoft.com/office/drawing/2014/main" id="{5C65E138-5AF1-437E-9811-42B94446B7BC}"/>
+              </a:ext>
+            </a:extLst>
+          </p:cNvPr>
+          <p:cNvSpPr txBox="1"/>
+          <p:nvPr/>
+        </p:nvSpPr>
+        <p:spPr>
+          <a:xfrm>
+            <a:off x="6437263" y="1782504"/>
+            <a:ext cx="701346" cy="369332"/>
+          </a:xfrm>
+          <a:prstGeom prst="rect">
+            <a:avLst/>
+          </a:prstGeom>
+          <a:solidFill>
+            <a:schemeClr val="bg1">
+              <a:lumMod val="75000"/>
+            </a:schemeClr>
+          </a:solidFill>
+        </p:spPr>
+        <p:txBody>
+          <a:bodyPr wrap="none" rtlCol="0">
+            <a:spAutoFit/>
+          </a:bodyPr>
+          <a:lstStyle/>
+          <a:p>
+            <a:r>
+              <a:rPr lang="en-US" dirty="0"/>
+              <a:t>many</a:t>
+            </a:r>
+            <a:endParaRPr lang="en-CA" dirty="0"/>
           </a:p>
         </p:txBody>
       </p:sp>
     </p:spTree>
     <p:extLst>
       <p:ext uri="{BB962C8B-B14F-4D97-AF65-F5344CB8AC3E}">
-        <p14:creationId xmlns:p14="http://schemas.microsoft.com/office/powerpoint/2010/main" val="2709788314"/>
+        <p14:creationId xmlns:p14="http://schemas.microsoft.com/office/powerpoint/2010/main" val="3919664037"/>
       </p:ext>
     </p:extLst>
   </p:cSld>
@@ -12730,6 +12792,14 @@
 <file path=ppt/slides/slide22.xml><?xml version="1.0" encoding="utf-8"?>
 <p:sld xmlns:a="http://schemas.openxmlformats.org/drawingml/2006/main" xmlns:r="http://schemas.openxmlformats.org/officeDocument/2006/relationships" xmlns:p="http://schemas.openxmlformats.org/presentationml/2006/main">
   <p:cSld>
+    <p:bg>
+      <p:bgPr>
+        <a:solidFill>
+          <a:srgbClr val="292D3E"/>
+        </a:solidFill>
+        <a:effectLst/>
+      </p:bgPr>
+    </p:bg>
     <p:spTree>
       <p:nvGrpSpPr>
         <p:cNvPr id="1" name=""/>
@@ -12744,48 +12814,892 @@
           <a:chExt cx="0" cy="0"/>
         </a:xfrm>
       </p:grpSpPr>
-      <p:sp>
-        <p:nvSpPr>
-          <p:cNvPr id="2" name="Subtitle 1">
-            <a:extLst>
-              <a:ext uri="{FF2B5EF4-FFF2-40B4-BE49-F238E27FC236}">
-                <a16:creationId xmlns:a16="http://schemas.microsoft.com/office/drawing/2014/main" id="{BD4BF09A-490F-48B9-A320-54FACCF2BD24}"/>
+      <p:pic>
+        <p:nvPicPr>
+          <p:cNvPr id="22" name="Picture 21">
+            <a:extLst>
+              <a:ext uri="{FF2B5EF4-FFF2-40B4-BE49-F238E27FC236}">
+                <a16:creationId xmlns:a16="http://schemas.microsoft.com/office/drawing/2014/main" id="{7FAD6D1E-C0E0-41CD-BABC-700A1F14BED0}"/>
+              </a:ext>
+            </a:extLst>
+          </p:cNvPr>
+          <p:cNvPicPr>
+            <a:picLocks noChangeAspect="1"/>
+          </p:cNvPicPr>
+          <p:nvPr/>
+        </p:nvPicPr>
+        <p:blipFill>
+          <a:blip r:embed="rId2"/>
+          <a:stretch>
+            <a:fillRect/>
+          </a:stretch>
+        </p:blipFill>
+        <p:spPr>
+          <a:xfrm>
+            <a:off x="0" y="2255810"/>
+            <a:ext cx="10080625" cy="4071364"/>
+          </a:xfrm>
+          <a:prstGeom prst="rect">
+            <a:avLst/>
+          </a:prstGeom>
+        </p:spPr>
+      </p:pic>
+      <p:sp>
+        <p:nvSpPr>
+          <p:cNvPr id="2" name="Title 1">
+            <a:extLst>
+              <a:ext uri="{FF2B5EF4-FFF2-40B4-BE49-F238E27FC236}">
+                <a16:creationId xmlns:a16="http://schemas.microsoft.com/office/drawing/2014/main" id="{7D64BF54-ECC0-4B95-96D7-653241F79184}"/>
               </a:ext>
             </a:extLst>
           </p:cNvPr>
           <p:cNvSpPr txBox="1">
-            <a:spLocks noGrp="1"/>
+            <a:spLocks/>
           </p:cNvSpPr>
-          <p:nvPr>
-            <p:ph type="subTitle" idx="4294967295"/>
-          </p:nvPr>
-        </p:nvSpPr>
-        <p:spPr>
-          <a:xfrm>
-            <a:off x="0" y="0"/>
-            <a:ext cx="10080625" cy="7559675"/>
-          </a:xfrm>
-        </p:spPr>
-        <p:txBody>
-          <a:bodyPr anchor="ctr"/>
-          <a:lstStyle/>
-          <a:p>
-            <a:pPr marL="0" lvl="0" indent="0" algn="ctr">
+          <p:nvPr/>
+        </p:nvSpPr>
+        <p:spPr>
+          <a:xfrm>
+            <a:off x="740320" y="396787"/>
+            <a:ext cx="8855640" cy="1262520"/>
+          </a:xfrm>
+          <a:prstGeom prst="rect">
+            <a:avLst/>
+          </a:prstGeom>
+        </p:spPr>
+        <p:txBody>
+          <a:bodyPr/>
+          <a:lstStyle>
+            <a:lvl1pPr algn="l" defTabSz="756026" rtl="0" eaLnBrk="1" latinLnBrk="0" hangingPunct="1">
+              <a:lnSpc>
+                <a:spcPct val="90000"/>
+              </a:lnSpc>
+              <a:spcBef>
+                <a:spcPct val="0"/>
+              </a:spcBef>
               <a:buNone/>
-            </a:pPr>
-            <a:r>
-              <a:rPr lang="en-CA" sz="3200" dirty="0">
-                <a:latin typeface="Liberation Sans" pitchFamily="18"/>
+              <a:defRPr sz="3638" kern="1200">
+                <a:solidFill>
+                  <a:schemeClr val="tx1"/>
+                </a:solidFill>
+                <a:latin typeface="+mj-lt"/>
+                <a:ea typeface="+mj-ea"/>
+                <a:cs typeface="+mj-cs"/>
+              </a:defRPr>
+            </a:lvl1pPr>
+          </a:lstStyle>
+          <a:p>
+            <a:r>
+              <a:rPr lang="en-US" dirty="0">
+                <a:solidFill>
+                  <a:schemeClr val="bg1"/>
+                </a:solidFill>
               </a:rPr>
-              <a:t>Appendix</a:t>
-            </a:r>
+              <a:t>3.2 Entity relationship (ER) diagram</a:t>
+            </a:r>
+            <a:endParaRPr lang="en-CA" dirty="0">
+              <a:solidFill>
+                <a:schemeClr val="bg1"/>
+              </a:solidFill>
+            </a:endParaRPr>
+          </a:p>
+        </p:txBody>
+      </p:sp>
+      <p:sp>
+        <p:nvSpPr>
+          <p:cNvPr id="4" name="Rectangle 3">
+            <a:extLst>
+              <a:ext uri="{FF2B5EF4-FFF2-40B4-BE49-F238E27FC236}">
+                <a16:creationId xmlns:a16="http://schemas.microsoft.com/office/drawing/2014/main" id="{180AC833-FD88-49FA-B386-8D07A7B2817C}"/>
+              </a:ext>
+            </a:extLst>
+          </p:cNvPr>
+          <p:cNvSpPr/>
+          <p:nvPr/>
+        </p:nvSpPr>
+        <p:spPr>
+          <a:xfrm>
+            <a:off x="37221" y="2158127"/>
+            <a:ext cx="1486780" cy="1722068"/>
+          </a:xfrm>
+          <a:prstGeom prst="rect">
+            <a:avLst/>
+          </a:prstGeom>
+          <a:noFill/>
+          <a:ln w="38100">
+            <a:solidFill>
+              <a:srgbClr val="9EF8E7"/>
+            </a:solidFill>
+            <a:prstDash val="dash"/>
+          </a:ln>
+        </p:spPr>
+        <p:style>
+          <a:lnRef idx="2">
+            <a:schemeClr val="accent1">
+              <a:shade val="50000"/>
+            </a:schemeClr>
+          </a:lnRef>
+          <a:fillRef idx="1">
+            <a:schemeClr val="accent1"/>
+          </a:fillRef>
+          <a:effectRef idx="0">
+            <a:schemeClr val="accent1"/>
+          </a:effectRef>
+          <a:fontRef idx="minor">
+            <a:schemeClr val="lt1"/>
+          </a:fontRef>
+        </p:style>
+        <p:txBody>
+          <a:bodyPr rtlCol="0" anchor="ctr"/>
+          <a:lstStyle/>
+          <a:p>
+            <a:pPr algn="ctr"/>
+            <a:endParaRPr lang="en-CA"/>
+          </a:p>
+        </p:txBody>
+      </p:sp>
+      <p:sp>
+        <p:nvSpPr>
+          <p:cNvPr id="5" name="TextBox 4">
+            <a:extLst>
+              <a:ext uri="{FF2B5EF4-FFF2-40B4-BE49-F238E27FC236}">
+                <a16:creationId xmlns:a16="http://schemas.microsoft.com/office/drawing/2014/main" id="{39CA3BBE-C43F-4A15-8184-AA1EE09D9B01}"/>
+              </a:ext>
+            </a:extLst>
+          </p:cNvPr>
+          <p:cNvSpPr txBox="1"/>
+          <p:nvPr/>
+        </p:nvSpPr>
+        <p:spPr>
+          <a:xfrm>
+            <a:off x="60098" y="1197642"/>
+            <a:ext cx="1608133" cy="923330"/>
+          </a:xfrm>
+          <a:prstGeom prst="rect">
+            <a:avLst/>
+          </a:prstGeom>
+          <a:noFill/>
+        </p:spPr>
+        <p:txBody>
+          <a:bodyPr wrap="none" rtlCol="0">
+            <a:spAutoFit/>
+          </a:bodyPr>
+          <a:lstStyle/>
+          <a:p>
+            <a:pPr algn="ctr"/>
+            <a:r>
+              <a:rPr lang="en-US" dirty="0">
+                <a:solidFill>
+                  <a:srgbClr val="9EF8E7"/>
+                </a:solidFill>
+              </a:rPr>
+              <a:t>PIN-level data</a:t>
+            </a:r>
+          </a:p>
+          <a:p>
+            <a:pPr algn="ctr"/>
+            <a:r>
+              <a:rPr lang="en-US" dirty="0">
+                <a:solidFill>
+                  <a:srgbClr val="9EF8E7"/>
+                </a:solidFill>
+              </a:rPr>
+              <a:t>(</a:t>
+            </a:r>
+            <a:r>
+              <a:rPr lang="en-US" i="1" dirty="0">
+                <a:solidFill>
+                  <a:srgbClr val="9EF8E7"/>
+                </a:solidFill>
+              </a:rPr>
+              <a:t>e.g., </a:t>
+            </a:r>
+            <a:r>
+              <a:rPr lang="en-US" dirty="0">
+                <a:solidFill>
+                  <a:srgbClr val="9EF8E7"/>
+                </a:solidFill>
+              </a:rPr>
+              <a:t>land use, </a:t>
+            </a:r>
+          </a:p>
+          <a:p>
+            <a:pPr algn="ctr"/>
+            <a:r>
+              <a:rPr lang="en-US" dirty="0">
+                <a:solidFill>
+                  <a:srgbClr val="9EF8E7"/>
+                </a:solidFill>
+              </a:rPr>
+              <a:t>EPOI, </a:t>
+            </a:r>
+            <a:r>
+              <a:rPr lang="en-US" i="1" dirty="0">
+                <a:solidFill>
+                  <a:srgbClr val="9EF8E7"/>
+                </a:solidFill>
+              </a:rPr>
+              <a:t>etc.</a:t>
+            </a:r>
+            <a:r>
+              <a:rPr lang="en-US" dirty="0">
+                <a:solidFill>
+                  <a:srgbClr val="9EF8E7"/>
+                </a:solidFill>
+              </a:rPr>
+              <a:t>)</a:t>
+            </a:r>
+            <a:endParaRPr lang="en-CA" dirty="0">
+              <a:solidFill>
+                <a:srgbClr val="9EF8E7"/>
+              </a:solidFill>
+            </a:endParaRPr>
+          </a:p>
+        </p:txBody>
+      </p:sp>
+      <p:sp>
+        <p:nvSpPr>
+          <p:cNvPr id="8" name="Rectangle 7">
+            <a:extLst>
+              <a:ext uri="{FF2B5EF4-FFF2-40B4-BE49-F238E27FC236}">
+                <a16:creationId xmlns:a16="http://schemas.microsoft.com/office/drawing/2014/main" id="{FBD4A752-0962-493A-A3C3-5229860F5C73}"/>
+              </a:ext>
+            </a:extLst>
+          </p:cNvPr>
+          <p:cNvSpPr/>
+          <p:nvPr/>
+        </p:nvSpPr>
+        <p:spPr>
+          <a:xfrm>
+            <a:off x="1647234" y="2152486"/>
+            <a:ext cx="1696041" cy="1752305"/>
+          </a:xfrm>
+          <a:prstGeom prst="rect">
+            <a:avLst/>
+          </a:prstGeom>
+          <a:noFill/>
+          <a:ln w="38100">
+            <a:solidFill>
+              <a:srgbClr val="FF4BF2"/>
+            </a:solidFill>
+            <a:prstDash val="dash"/>
+          </a:ln>
+        </p:spPr>
+        <p:style>
+          <a:lnRef idx="2">
+            <a:schemeClr val="accent1">
+              <a:shade val="50000"/>
+            </a:schemeClr>
+          </a:lnRef>
+          <a:fillRef idx="1">
+            <a:schemeClr val="accent1"/>
+          </a:fillRef>
+          <a:effectRef idx="0">
+            <a:schemeClr val="accent1"/>
+          </a:effectRef>
+          <a:fontRef idx="minor">
+            <a:schemeClr val="lt1"/>
+          </a:fontRef>
+        </p:style>
+        <p:txBody>
+          <a:bodyPr rtlCol="0" anchor="ctr"/>
+          <a:lstStyle/>
+          <a:p>
+            <a:pPr algn="ctr"/>
+            <a:endParaRPr lang="en-CA">
+              <a:solidFill>
+                <a:srgbClr val="FF4BF2"/>
+              </a:solidFill>
+            </a:endParaRPr>
+          </a:p>
+        </p:txBody>
+      </p:sp>
+      <p:sp>
+        <p:nvSpPr>
+          <p:cNvPr id="9" name="TextBox 8">
+            <a:extLst>
+              <a:ext uri="{FF2B5EF4-FFF2-40B4-BE49-F238E27FC236}">
+                <a16:creationId xmlns:a16="http://schemas.microsoft.com/office/drawing/2014/main" id="{9B78A223-C970-44E4-B4DD-82C2496072AE}"/>
+              </a:ext>
+            </a:extLst>
+          </p:cNvPr>
+          <p:cNvSpPr txBox="1"/>
+          <p:nvPr/>
+        </p:nvSpPr>
+        <p:spPr>
+          <a:xfrm>
+            <a:off x="1859856" y="1461098"/>
+            <a:ext cx="1270796" cy="646331"/>
+          </a:xfrm>
+          <a:prstGeom prst="rect">
+            <a:avLst/>
+          </a:prstGeom>
+          <a:noFill/>
+        </p:spPr>
+        <p:txBody>
+          <a:bodyPr wrap="none" rtlCol="0">
+            <a:spAutoFit/>
+          </a:bodyPr>
+          <a:lstStyle/>
+          <a:p>
+            <a:pPr algn="ctr"/>
+            <a:r>
+              <a:rPr lang="en-US" dirty="0">
+                <a:solidFill>
+                  <a:srgbClr val="FF4BF2"/>
+                </a:solidFill>
+              </a:rPr>
+              <a:t>Postal-code</a:t>
+            </a:r>
+          </a:p>
+          <a:p>
+            <a:pPr algn="ctr"/>
+            <a:r>
+              <a:rPr lang="en-US" dirty="0">
+                <a:solidFill>
+                  <a:srgbClr val="FF4BF2"/>
+                </a:solidFill>
+              </a:rPr>
+              <a:t>level data</a:t>
+            </a:r>
+          </a:p>
+        </p:txBody>
+      </p:sp>
+      <p:sp>
+        <p:nvSpPr>
+          <p:cNvPr id="11" name="Rectangle 10">
+            <a:extLst>
+              <a:ext uri="{FF2B5EF4-FFF2-40B4-BE49-F238E27FC236}">
+                <a16:creationId xmlns:a16="http://schemas.microsoft.com/office/drawing/2014/main" id="{A9CFC2AA-7D8F-4CF8-A194-4140088E30FD}"/>
+              </a:ext>
+            </a:extLst>
+          </p:cNvPr>
+          <p:cNvSpPr/>
+          <p:nvPr/>
+        </p:nvSpPr>
+        <p:spPr>
+          <a:xfrm>
+            <a:off x="5304832" y="2168257"/>
+            <a:ext cx="1108658" cy="1736534"/>
+          </a:xfrm>
+          <a:prstGeom prst="rect">
+            <a:avLst/>
+          </a:prstGeom>
+          <a:noFill/>
+          <a:ln w="38100">
+            <a:solidFill>
+              <a:srgbClr val="FF0000"/>
+            </a:solidFill>
+            <a:prstDash val="dash"/>
+          </a:ln>
+        </p:spPr>
+        <p:style>
+          <a:lnRef idx="2">
+            <a:schemeClr val="accent1">
+              <a:shade val="50000"/>
+            </a:schemeClr>
+          </a:lnRef>
+          <a:fillRef idx="1">
+            <a:schemeClr val="accent1"/>
+          </a:fillRef>
+          <a:effectRef idx="0">
+            <a:schemeClr val="accent1"/>
+          </a:effectRef>
+          <a:fontRef idx="minor">
+            <a:schemeClr val="lt1"/>
+          </a:fontRef>
+        </p:style>
+        <p:txBody>
+          <a:bodyPr rtlCol="0" anchor="ctr"/>
+          <a:lstStyle/>
+          <a:p>
+            <a:pPr algn="ctr"/>
+            <a:endParaRPr lang="en-CA">
+              <a:solidFill>
+                <a:srgbClr val="FF4BF2"/>
+              </a:solidFill>
+            </a:endParaRPr>
+          </a:p>
+        </p:txBody>
+      </p:sp>
+      <p:sp>
+        <p:nvSpPr>
+          <p:cNvPr id="12" name="TextBox 11">
+            <a:extLst>
+              <a:ext uri="{FF2B5EF4-FFF2-40B4-BE49-F238E27FC236}">
+                <a16:creationId xmlns:a16="http://schemas.microsoft.com/office/drawing/2014/main" id="{1E87B7BD-B207-404C-8C9B-71D91935B8BD}"/>
+              </a:ext>
+            </a:extLst>
+          </p:cNvPr>
+          <p:cNvSpPr txBox="1"/>
+          <p:nvPr/>
+        </p:nvSpPr>
+        <p:spPr>
+          <a:xfrm>
+            <a:off x="5255441" y="1481353"/>
+            <a:ext cx="1207440" cy="646331"/>
+          </a:xfrm>
+          <a:prstGeom prst="rect">
+            <a:avLst/>
+          </a:prstGeom>
+          <a:noFill/>
+        </p:spPr>
+        <p:txBody>
+          <a:bodyPr wrap="square" rtlCol="0">
+            <a:spAutoFit/>
+          </a:bodyPr>
+          <a:lstStyle/>
+          <a:p>
+            <a:pPr algn="ctr"/>
+            <a:r>
+              <a:rPr lang="en-US" dirty="0">
+                <a:solidFill>
+                  <a:srgbClr val="FF0000"/>
+                </a:solidFill>
+              </a:rPr>
+              <a:t>FSA-level </a:t>
+            </a:r>
+          </a:p>
+          <a:p>
+            <a:pPr algn="ctr"/>
+            <a:r>
+              <a:rPr lang="en-US" dirty="0">
+                <a:solidFill>
+                  <a:srgbClr val="FF0000"/>
+                </a:solidFill>
+              </a:rPr>
+              <a:t>data</a:t>
+            </a:r>
+          </a:p>
+        </p:txBody>
+      </p:sp>
+      <p:sp>
+        <p:nvSpPr>
+          <p:cNvPr id="13" name="Rectangle 12">
+            <a:extLst>
+              <a:ext uri="{FF2B5EF4-FFF2-40B4-BE49-F238E27FC236}">
+                <a16:creationId xmlns:a16="http://schemas.microsoft.com/office/drawing/2014/main" id="{124E8F1B-2A1F-41D7-B445-5D4EA805DC17}"/>
+              </a:ext>
+            </a:extLst>
+          </p:cNvPr>
+          <p:cNvSpPr/>
+          <p:nvPr/>
+        </p:nvSpPr>
+        <p:spPr>
+          <a:xfrm>
+            <a:off x="3683392" y="2154803"/>
+            <a:ext cx="1498207" cy="1749988"/>
+          </a:xfrm>
+          <a:prstGeom prst="rect">
+            <a:avLst/>
+          </a:prstGeom>
+          <a:noFill/>
+          <a:ln w="38100">
+            <a:solidFill>
+              <a:srgbClr val="00B0F0"/>
+            </a:solidFill>
+            <a:prstDash val="dash"/>
+          </a:ln>
+        </p:spPr>
+        <p:style>
+          <a:lnRef idx="2">
+            <a:schemeClr val="accent1">
+              <a:shade val="50000"/>
+            </a:schemeClr>
+          </a:lnRef>
+          <a:fillRef idx="1">
+            <a:schemeClr val="accent1"/>
+          </a:fillRef>
+          <a:effectRef idx="0">
+            <a:schemeClr val="accent1"/>
+          </a:effectRef>
+          <a:fontRef idx="minor">
+            <a:schemeClr val="lt1"/>
+          </a:fontRef>
+        </p:style>
+        <p:txBody>
+          <a:bodyPr rtlCol="0" anchor="ctr"/>
+          <a:lstStyle/>
+          <a:p>
+            <a:pPr algn="ctr"/>
+            <a:endParaRPr lang="en-CA">
+              <a:solidFill>
+                <a:srgbClr val="FF4BF2"/>
+              </a:solidFill>
+            </a:endParaRPr>
+          </a:p>
+        </p:txBody>
+      </p:sp>
+      <p:sp>
+        <p:nvSpPr>
+          <p:cNvPr id="14" name="TextBox 13">
+            <a:extLst>
+              <a:ext uri="{FF2B5EF4-FFF2-40B4-BE49-F238E27FC236}">
+                <a16:creationId xmlns:a16="http://schemas.microsoft.com/office/drawing/2014/main" id="{B9493821-569F-4B21-9D32-EF59D77DD333}"/>
+              </a:ext>
+            </a:extLst>
+          </p:cNvPr>
+          <p:cNvSpPr txBox="1"/>
+          <p:nvPr/>
+        </p:nvSpPr>
+        <p:spPr>
+          <a:xfrm>
+            <a:off x="3790908" y="1461099"/>
+            <a:ext cx="1461365" cy="646331"/>
+          </a:xfrm>
+          <a:prstGeom prst="rect">
+            <a:avLst/>
+          </a:prstGeom>
+          <a:noFill/>
+        </p:spPr>
+        <p:txBody>
+          <a:bodyPr wrap="square" rtlCol="0">
+            <a:spAutoFit/>
+          </a:bodyPr>
+          <a:lstStyle/>
+          <a:p>
+            <a:pPr algn="ctr"/>
+            <a:r>
+              <a:rPr lang="en-US" dirty="0">
+                <a:solidFill>
+                  <a:srgbClr val="00B0F0"/>
+                </a:solidFill>
+              </a:rPr>
+              <a:t>TAZ-level data</a:t>
+            </a:r>
+          </a:p>
+        </p:txBody>
+      </p:sp>
+      <p:sp>
+        <p:nvSpPr>
+          <p:cNvPr id="15" name="Rectangle 14">
+            <a:extLst>
+              <a:ext uri="{FF2B5EF4-FFF2-40B4-BE49-F238E27FC236}">
+                <a16:creationId xmlns:a16="http://schemas.microsoft.com/office/drawing/2014/main" id="{62197D34-FB90-4C98-A0CF-DE2C8BCC1412}"/>
+              </a:ext>
+            </a:extLst>
+          </p:cNvPr>
+          <p:cNvSpPr/>
+          <p:nvPr/>
+        </p:nvSpPr>
+        <p:spPr>
+          <a:xfrm>
+            <a:off x="6619420" y="2158127"/>
+            <a:ext cx="2088893" cy="1714740"/>
+          </a:xfrm>
+          <a:prstGeom prst="rect">
+            <a:avLst/>
+          </a:prstGeom>
+          <a:noFill/>
+          <a:ln w="38100">
+            <a:solidFill>
+              <a:srgbClr val="FFC000"/>
+            </a:solidFill>
+            <a:prstDash val="dash"/>
+          </a:ln>
+        </p:spPr>
+        <p:style>
+          <a:lnRef idx="2">
+            <a:schemeClr val="accent1">
+              <a:shade val="50000"/>
+            </a:schemeClr>
+          </a:lnRef>
+          <a:fillRef idx="1">
+            <a:schemeClr val="accent1"/>
+          </a:fillRef>
+          <a:effectRef idx="0">
+            <a:schemeClr val="accent1"/>
+          </a:effectRef>
+          <a:fontRef idx="minor">
+            <a:schemeClr val="lt1"/>
+          </a:fontRef>
+        </p:style>
+        <p:txBody>
+          <a:bodyPr rtlCol="0" anchor="ctr"/>
+          <a:lstStyle/>
+          <a:p>
+            <a:pPr algn="ctr"/>
+            <a:endParaRPr lang="en-CA">
+              <a:solidFill>
+                <a:srgbClr val="FFC000"/>
+              </a:solidFill>
+            </a:endParaRPr>
+          </a:p>
+        </p:txBody>
+      </p:sp>
+      <p:sp>
+        <p:nvSpPr>
+          <p:cNvPr id="16" name="TextBox 15">
+            <a:extLst>
+              <a:ext uri="{FF2B5EF4-FFF2-40B4-BE49-F238E27FC236}">
+                <a16:creationId xmlns:a16="http://schemas.microsoft.com/office/drawing/2014/main" id="{55749B39-4F3B-48B6-AD6A-14B6792040C3}"/>
+              </a:ext>
+            </a:extLst>
+          </p:cNvPr>
+          <p:cNvSpPr txBox="1"/>
+          <p:nvPr/>
+        </p:nvSpPr>
+        <p:spPr>
+          <a:xfrm>
+            <a:off x="6025677" y="1183979"/>
+            <a:ext cx="2986178" cy="923330"/>
+          </a:xfrm>
+          <a:prstGeom prst="rect">
+            <a:avLst/>
+          </a:prstGeom>
+          <a:noFill/>
+        </p:spPr>
+        <p:txBody>
+          <a:bodyPr wrap="square" rtlCol="0">
+            <a:spAutoFit/>
+          </a:bodyPr>
+          <a:lstStyle/>
+          <a:p>
+            <a:pPr algn="ctr"/>
+            <a:r>
+              <a:rPr lang="en-US" dirty="0">
+                <a:solidFill>
+                  <a:srgbClr val="FFC000"/>
+                </a:solidFill>
+              </a:rPr>
+              <a:t>DA-level data</a:t>
+            </a:r>
+          </a:p>
+          <a:p>
+            <a:pPr algn="ctr"/>
+            <a:r>
+              <a:rPr lang="en-US" dirty="0">
+                <a:solidFill>
+                  <a:srgbClr val="FFC000"/>
+                </a:solidFill>
+              </a:rPr>
+              <a:t>(</a:t>
+            </a:r>
+            <a:r>
+              <a:rPr lang="en-US" i="1" dirty="0">
+                <a:solidFill>
+                  <a:srgbClr val="FFC000"/>
+                </a:solidFill>
+              </a:rPr>
+              <a:t>e.g.,</a:t>
+            </a:r>
+            <a:r>
+              <a:rPr lang="en-US" dirty="0">
+                <a:solidFill>
+                  <a:srgbClr val="FFC000"/>
+                </a:solidFill>
+              </a:rPr>
+              <a:t> select </a:t>
+            </a:r>
+          </a:p>
+          <a:p>
+            <a:pPr algn="ctr"/>
+            <a:r>
+              <a:rPr lang="en-US" dirty="0">
+                <a:solidFill>
+                  <a:srgbClr val="FFC000"/>
+                </a:solidFill>
+              </a:rPr>
+              <a:t>Census variables)</a:t>
+            </a:r>
+          </a:p>
+        </p:txBody>
+      </p:sp>
+      <p:sp>
+        <p:nvSpPr>
+          <p:cNvPr id="17" name="Rectangle 16">
+            <a:extLst>
+              <a:ext uri="{FF2B5EF4-FFF2-40B4-BE49-F238E27FC236}">
+                <a16:creationId xmlns:a16="http://schemas.microsoft.com/office/drawing/2014/main" id="{7AFC47CE-43EC-4223-B888-2A30E3AEA9C6}"/>
+              </a:ext>
+            </a:extLst>
+          </p:cNvPr>
+          <p:cNvSpPr/>
+          <p:nvPr/>
+        </p:nvSpPr>
+        <p:spPr>
+          <a:xfrm>
+            <a:off x="8839201" y="2152486"/>
+            <a:ext cx="1183702" cy="1727709"/>
+          </a:xfrm>
+          <a:prstGeom prst="rect">
+            <a:avLst/>
+          </a:prstGeom>
+          <a:noFill/>
+          <a:ln w="38100">
+            <a:solidFill>
+              <a:srgbClr val="FFA7D5"/>
+            </a:solidFill>
+            <a:prstDash val="dash"/>
+          </a:ln>
+        </p:spPr>
+        <p:style>
+          <a:lnRef idx="2">
+            <a:schemeClr val="accent1">
+              <a:shade val="50000"/>
+            </a:schemeClr>
+          </a:lnRef>
+          <a:fillRef idx="1">
+            <a:schemeClr val="accent1"/>
+          </a:fillRef>
+          <a:effectRef idx="0">
+            <a:schemeClr val="accent1"/>
+          </a:effectRef>
+          <a:fontRef idx="minor">
+            <a:schemeClr val="lt1"/>
+          </a:fontRef>
+        </p:style>
+        <p:txBody>
+          <a:bodyPr rtlCol="0" anchor="ctr"/>
+          <a:lstStyle/>
+          <a:p>
+            <a:pPr algn="ctr"/>
+            <a:endParaRPr lang="en-CA">
+              <a:solidFill>
+                <a:srgbClr val="FFC000"/>
+              </a:solidFill>
+            </a:endParaRPr>
+          </a:p>
+        </p:txBody>
+      </p:sp>
+      <p:sp>
+        <p:nvSpPr>
+          <p:cNvPr id="18" name="TextBox 17">
+            <a:extLst>
+              <a:ext uri="{FF2B5EF4-FFF2-40B4-BE49-F238E27FC236}">
+                <a16:creationId xmlns:a16="http://schemas.microsoft.com/office/drawing/2014/main" id="{709E809C-DCA1-40EF-82E3-5BCC6C750A57}"/>
+              </a:ext>
+            </a:extLst>
+          </p:cNvPr>
+          <p:cNvSpPr txBox="1"/>
+          <p:nvPr/>
+        </p:nvSpPr>
+        <p:spPr>
+          <a:xfrm>
+            <a:off x="8232024" y="1204970"/>
+            <a:ext cx="2084936" cy="923330"/>
+          </a:xfrm>
+          <a:prstGeom prst="rect">
+            <a:avLst/>
+          </a:prstGeom>
+          <a:noFill/>
+        </p:spPr>
+        <p:txBody>
+          <a:bodyPr wrap="square" rtlCol="0">
+            <a:spAutoFit/>
+          </a:bodyPr>
+          <a:lstStyle/>
+          <a:p>
+            <a:pPr algn="ctr"/>
+            <a:r>
+              <a:rPr lang="en-US" dirty="0">
+                <a:solidFill>
+                  <a:srgbClr val="FFA7D5"/>
+                </a:solidFill>
+              </a:rPr>
+              <a:t>Time-indexed </a:t>
+            </a:r>
+          </a:p>
+          <a:p>
+            <a:pPr algn="ctr"/>
+            <a:r>
+              <a:rPr lang="en-US" dirty="0">
+                <a:solidFill>
+                  <a:srgbClr val="FFA7D5"/>
+                </a:solidFill>
+              </a:rPr>
+              <a:t>data</a:t>
+            </a:r>
+          </a:p>
+          <a:p>
+            <a:pPr algn="ctr"/>
+            <a:r>
+              <a:rPr lang="en-US" dirty="0">
+                <a:solidFill>
+                  <a:srgbClr val="FFA7D5"/>
+                </a:solidFill>
+              </a:rPr>
+              <a:t>(</a:t>
+            </a:r>
+            <a:r>
+              <a:rPr lang="en-US" i="1" dirty="0">
+                <a:solidFill>
+                  <a:srgbClr val="FFA7D5"/>
+                </a:solidFill>
+              </a:rPr>
+              <a:t>e.g.,</a:t>
+            </a:r>
+            <a:r>
+              <a:rPr lang="en-US" dirty="0">
+                <a:solidFill>
+                  <a:srgbClr val="FFA7D5"/>
+                </a:solidFill>
+              </a:rPr>
+              <a:t> fuel prices)</a:t>
+            </a:r>
+          </a:p>
+        </p:txBody>
+      </p:sp>
+      <p:sp>
+        <p:nvSpPr>
+          <p:cNvPr id="19" name="TextBox 18">
+            <a:extLst>
+              <a:ext uri="{FF2B5EF4-FFF2-40B4-BE49-F238E27FC236}">
+                <a16:creationId xmlns:a16="http://schemas.microsoft.com/office/drawing/2014/main" id="{2809ABEF-CCB0-4480-8E0B-5403DD0E9830}"/>
+              </a:ext>
+            </a:extLst>
+          </p:cNvPr>
+          <p:cNvSpPr txBox="1"/>
+          <p:nvPr/>
+        </p:nvSpPr>
+        <p:spPr>
+          <a:xfrm>
+            <a:off x="1436376" y="6424857"/>
+            <a:ext cx="7207871" cy="830997"/>
+          </a:xfrm>
+          <a:prstGeom prst="rect">
+            <a:avLst/>
+          </a:prstGeom>
+          <a:noFill/>
+        </p:spPr>
+        <p:txBody>
+          <a:bodyPr wrap="none" rtlCol="0">
+            <a:spAutoFit/>
+          </a:bodyPr>
+          <a:lstStyle/>
+          <a:p>
+            <a:pPr algn="ctr"/>
+            <a:r>
+              <a:rPr lang="en-US" sz="2400" dirty="0">
+                <a:solidFill>
+                  <a:schemeClr val="bg1"/>
+                </a:solidFill>
+              </a:rPr>
+              <a:t>Teranet dataset is related to multiple groups of datasets </a:t>
+            </a:r>
+          </a:p>
+          <a:p>
+            <a:pPr algn="ctr"/>
+            <a:r>
+              <a:rPr lang="en-US" sz="2400" dirty="0">
+                <a:solidFill>
+                  <a:schemeClr val="bg1"/>
+                </a:solidFill>
+              </a:rPr>
+              <a:t>based on different spatial and temporal relationships.</a:t>
+            </a:r>
+            <a:endParaRPr lang="en-CA" sz="2400" dirty="0">
+              <a:solidFill>
+                <a:schemeClr val="bg1"/>
+              </a:solidFill>
+            </a:endParaRPr>
           </a:p>
         </p:txBody>
       </p:sp>
     </p:spTree>
     <p:extLst>
       <p:ext uri="{BB962C8B-B14F-4D97-AF65-F5344CB8AC3E}">
-        <p14:creationId xmlns:p14="http://schemas.microsoft.com/office/powerpoint/2010/main" val="709860984"/>
+        <p14:creationId xmlns:p14="http://schemas.microsoft.com/office/powerpoint/2010/main" val="2272263660"/>
       </p:ext>
     </p:extLst>
   </p:cSld>
@@ -12814,6 +13728,232 @@
       </p:grpSpPr>
       <p:sp>
         <p:nvSpPr>
+          <p:cNvPr id="2" name="Subtitle 1">
+            <a:extLst>
+              <a:ext uri="{FF2B5EF4-FFF2-40B4-BE49-F238E27FC236}">
+                <a16:creationId xmlns:a16="http://schemas.microsoft.com/office/drawing/2014/main" id="{BD4BF09A-490F-48B9-A320-54FACCF2BD24}"/>
+              </a:ext>
+            </a:extLst>
+          </p:cNvPr>
+          <p:cNvSpPr txBox="1">
+            <a:spLocks noGrp="1"/>
+          </p:cNvSpPr>
+          <p:nvPr>
+            <p:ph type="subTitle" idx="4294967295"/>
+          </p:nvPr>
+        </p:nvSpPr>
+        <p:spPr>
+          <a:xfrm>
+            <a:off x="0" y="0"/>
+            <a:ext cx="10080625" cy="7559675"/>
+          </a:xfrm>
+        </p:spPr>
+        <p:txBody>
+          <a:bodyPr anchor="ctr"/>
+          <a:lstStyle/>
+          <a:p>
+            <a:pPr marL="0" lvl="0" indent="0" algn="ctr">
+              <a:buNone/>
+            </a:pPr>
+            <a:r>
+              <a:rPr lang="en-CA" sz="3200" dirty="0">
+                <a:latin typeface="Liberation Sans" pitchFamily="18"/>
+              </a:rPr>
+              <a:t>Section 7:</a:t>
+            </a:r>
+          </a:p>
+          <a:p>
+            <a:pPr marL="0" lvl="0" indent="0" algn="ctr">
+              <a:buNone/>
+            </a:pPr>
+            <a:r>
+              <a:rPr lang="en-CA" sz="3200" dirty="0">
+                <a:latin typeface="Liberation Sans" pitchFamily="18"/>
+              </a:rPr>
+              <a:t>Conclusion</a:t>
+            </a:r>
+          </a:p>
+        </p:txBody>
+      </p:sp>
+    </p:spTree>
+    <p:extLst>
+      <p:ext uri="{BB962C8B-B14F-4D97-AF65-F5344CB8AC3E}">
+        <p14:creationId xmlns:p14="http://schemas.microsoft.com/office/powerpoint/2010/main" val="3670250273"/>
+      </p:ext>
+    </p:extLst>
+  </p:cSld>
+  <p:clrMapOvr>
+    <a:masterClrMapping/>
+  </p:clrMapOvr>
+</p:sld>
+</file>
+
+<file path=ppt/slides/slide24.xml><?xml version="1.0" encoding="utf-8"?>
+<p:sld xmlns:a="http://schemas.openxmlformats.org/drawingml/2006/main" xmlns:r="http://schemas.openxmlformats.org/officeDocument/2006/relationships" xmlns:p="http://schemas.openxmlformats.org/presentationml/2006/main">
+  <p:cSld>
+    <p:spTree>
+      <p:nvGrpSpPr>
+        <p:cNvPr id="1" name=""/>
+        <p:cNvGrpSpPr/>
+        <p:nvPr/>
+      </p:nvGrpSpPr>
+      <p:grpSpPr>
+        <a:xfrm>
+          <a:off x="0" y="0"/>
+          <a:ext cx="0" cy="0"/>
+          <a:chOff x="0" y="0"/>
+          <a:chExt cx="0" cy="0"/>
+        </a:xfrm>
+      </p:grpSpPr>
+      <p:sp>
+        <p:nvSpPr>
+          <p:cNvPr id="2" name="Subtitle 1">
+            <a:extLst>
+              <a:ext uri="{FF2B5EF4-FFF2-40B4-BE49-F238E27FC236}">
+                <a16:creationId xmlns:a16="http://schemas.microsoft.com/office/drawing/2014/main" id="{BD4BF09A-490F-48B9-A320-54FACCF2BD24}"/>
+              </a:ext>
+            </a:extLst>
+          </p:cNvPr>
+          <p:cNvSpPr txBox="1">
+            <a:spLocks noGrp="1"/>
+          </p:cNvSpPr>
+          <p:nvPr>
+            <p:ph type="subTitle" idx="4294967295"/>
+          </p:nvPr>
+        </p:nvSpPr>
+        <p:spPr>
+          <a:xfrm>
+            <a:off x="0" y="0"/>
+            <a:ext cx="10080625" cy="7559675"/>
+          </a:xfrm>
+        </p:spPr>
+        <p:txBody>
+          <a:bodyPr anchor="ctr"/>
+          <a:lstStyle/>
+          <a:p>
+            <a:pPr marL="0" lvl="0" indent="0" algn="ctr">
+              <a:buNone/>
+            </a:pPr>
+            <a:r>
+              <a:rPr lang="en-CA" sz="3200" dirty="0">
+                <a:latin typeface="Liberation Sans" pitchFamily="18"/>
+              </a:rPr>
+              <a:t>Thank you!</a:t>
+            </a:r>
+          </a:p>
+          <a:p>
+            <a:pPr marL="0" lvl="0" indent="0" algn="ctr">
+              <a:buNone/>
+            </a:pPr>
+            <a:r>
+              <a:rPr lang="en-CA" sz="3200" dirty="0">
+                <a:latin typeface="Liberation Sans" pitchFamily="18"/>
+              </a:rPr>
+              <a:t>Questions?</a:t>
+            </a:r>
+          </a:p>
+        </p:txBody>
+      </p:sp>
+    </p:spTree>
+    <p:extLst>
+      <p:ext uri="{BB962C8B-B14F-4D97-AF65-F5344CB8AC3E}">
+        <p14:creationId xmlns:p14="http://schemas.microsoft.com/office/powerpoint/2010/main" val="2709788314"/>
+      </p:ext>
+    </p:extLst>
+  </p:cSld>
+  <p:clrMapOvr>
+    <a:masterClrMapping/>
+  </p:clrMapOvr>
+</p:sld>
+</file>
+
+<file path=ppt/slides/slide25.xml><?xml version="1.0" encoding="utf-8"?>
+<p:sld xmlns:a="http://schemas.openxmlformats.org/drawingml/2006/main" xmlns:r="http://schemas.openxmlformats.org/officeDocument/2006/relationships" xmlns:p="http://schemas.openxmlformats.org/presentationml/2006/main">
+  <p:cSld>
+    <p:spTree>
+      <p:nvGrpSpPr>
+        <p:cNvPr id="1" name=""/>
+        <p:cNvGrpSpPr/>
+        <p:nvPr/>
+      </p:nvGrpSpPr>
+      <p:grpSpPr>
+        <a:xfrm>
+          <a:off x="0" y="0"/>
+          <a:ext cx="0" cy="0"/>
+          <a:chOff x="0" y="0"/>
+          <a:chExt cx="0" cy="0"/>
+        </a:xfrm>
+      </p:grpSpPr>
+      <p:sp>
+        <p:nvSpPr>
+          <p:cNvPr id="2" name="Subtitle 1">
+            <a:extLst>
+              <a:ext uri="{FF2B5EF4-FFF2-40B4-BE49-F238E27FC236}">
+                <a16:creationId xmlns:a16="http://schemas.microsoft.com/office/drawing/2014/main" id="{BD4BF09A-490F-48B9-A320-54FACCF2BD24}"/>
+              </a:ext>
+            </a:extLst>
+          </p:cNvPr>
+          <p:cNvSpPr txBox="1">
+            <a:spLocks noGrp="1"/>
+          </p:cNvSpPr>
+          <p:nvPr>
+            <p:ph type="subTitle" idx="4294967295"/>
+          </p:nvPr>
+        </p:nvSpPr>
+        <p:spPr>
+          <a:xfrm>
+            <a:off x="0" y="0"/>
+            <a:ext cx="10080625" cy="7559675"/>
+          </a:xfrm>
+        </p:spPr>
+        <p:txBody>
+          <a:bodyPr anchor="ctr"/>
+          <a:lstStyle/>
+          <a:p>
+            <a:pPr marL="0" lvl="0" indent="0" algn="ctr">
+              <a:buNone/>
+            </a:pPr>
+            <a:r>
+              <a:rPr lang="en-CA" sz="3200" dirty="0">
+                <a:latin typeface="Liberation Sans" pitchFamily="18"/>
+              </a:rPr>
+              <a:t>Appendix</a:t>
+            </a:r>
+          </a:p>
+        </p:txBody>
+      </p:sp>
+    </p:spTree>
+    <p:extLst>
+      <p:ext uri="{BB962C8B-B14F-4D97-AF65-F5344CB8AC3E}">
+        <p14:creationId xmlns:p14="http://schemas.microsoft.com/office/powerpoint/2010/main" val="709860984"/>
+      </p:ext>
+    </p:extLst>
+  </p:cSld>
+  <p:clrMapOvr>
+    <a:masterClrMapping/>
+  </p:clrMapOvr>
+</p:sld>
+</file>
+
+<file path=ppt/slides/slide26.xml><?xml version="1.0" encoding="utf-8"?>
+<p:sld xmlns:a="http://schemas.openxmlformats.org/drawingml/2006/main" xmlns:r="http://schemas.openxmlformats.org/officeDocument/2006/relationships" xmlns:p="http://schemas.openxmlformats.org/presentationml/2006/main">
+  <p:cSld>
+    <p:spTree>
+      <p:nvGrpSpPr>
+        <p:cNvPr id="1" name=""/>
+        <p:cNvGrpSpPr/>
+        <p:nvPr/>
+      </p:nvGrpSpPr>
+      <p:grpSpPr>
+        <a:xfrm>
+          <a:off x="0" y="0"/>
+          <a:ext cx="0" cy="0"/>
+          <a:chOff x="0" y="0"/>
+          <a:chExt cx="0" cy="0"/>
+        </a:xfrm>
+      </p:grpSpPr>
+      <p:sp>
+        <p:nvSpPr>
           <p:cNvPr id="2" name="Rectangle 1">
             <a:extLst>
               <a:ext uri="{FF2B5EF4-FFF2-40B4-BE49-F238E27FC236}">
@@ -18136,7 +19276,7 @@
 </p:sld>
 </file>
 
-<file path=ppt/slides/slide24.xml><?xml version="1.0" encoding="utf-8"?>
+<file path=ppt/slides/slide27.xml><?xml version="1.0" encoding="utf-8"?>
 <p:sld xmlns:a="http://schemas.openxmlformats.org/drawingml/2006/main" xmlns:r="http://schemas.openxmlformats.org/officeDocument/2006/relationships" xmlns:p="http://schemas.openxmlformats.org/presentationml/2006/main">
   <p:cSld>
     <p:spTree>
